--- a/presentation/NML Co-op Presentation.pptx
+++ b/presentation/NML Co-op Presentation.pptx
@@ -30,30 +30,33 @@
     <p:sldId id="275" r:id="rId24"/>
     <p:sldId id="276" r:id="rId25"/>
     <p:sldId id="277" r:id="rId26"/>
+    <p:sldId id="278" r:id="rId27"/>
+    <p:sldId id="279" r:id="rId28"/>
+    <p:sldId id="280" r:id="rId29"/>
   </p:sldIdLst>
   <p:sldSz cy="5143500" cx="9144000"/>
   <p:notesSz cx="6858000" cy="9144000"/>
   <p:embeddedFontLst>
     <p:embeddedFont>
       <p:font typeface="Roboto"/>
-      <p:regular r:id="rId27"/>
-      <p:bold r:id="rId28"/>
-      <p:italic r:id="rId29"/>
-      <p:boldItalic r:id="rId30"/>
+      <p:regular r:id="rId30"/>
+      <p:bold r:id="rId31"/>
+      <p:italic r:id="rId32"/>
+      <p:boldItalic r:id="rId33"/>
     </p:embeddedFont>
     <p:embeddedFont>
       <p:font typeface="Montserrat"/>
-      <p:regular r:id="rId31"/>
-      <p:bold r:id="rId32"/>
-      <p:italic r:id="rId33"/>
-      <p:boldItalic r:id="rId34"/>
+      <p:regular r:id="rId34"/>
+      <p:bold r:id="rId35"/>
+      <p:italic r:id="rId36"/>
+      <p:boldItalic r:id="rId37"/>
     </p:embeddedFont>
     <p:embeddedFont>
       <p:font typeface="Lato"/>
-      <p:regular r:id="rId35"/>
-      <p:bold r:id="rId36"/>
-      <p:italic r:id="rId37"/>
-      <p:boldItalic r:id="rId38"/>
+      <p:regular r:id="rId38"/>
+      <p:bold r:id="rId39"/>
+      <p:italic r:id="rId40"/>
+      <p:boldItalic r:id="rId41"/>
     </p:embeddedFont>
   </p:embeddedFontLst>
   <p:defaultTextStyle>
@@ -519,7 +522,7 @@
   <p:cSld>
     <p:spTree>
       <p:nvGrpSpPr>
-        <p:cNvPr id="245" name="Shape 245"/>
+        <p:cNvPr id="239" name="Shape 239"/>
         <p:cNvGrpSpPr/>
         <p:nvPr/>
       </p:nvGrpSpPr>
@@ -533,7 +536,7 @@
       </p:grpSpPr>
       <p:sp>
         <p:nvSpPr>
-          <p:cNvPr id="246" name="Shape 246"/>
+          <p:cNvPr id="240" name="Shape 240"/>
           <p:cNvSpPr/>
           <p:nvPr>
             <p:ph idx="2" type="sldImg"/>
@@ -567,7 +570,7 @@
       </p:sp>
       <p:sp>
         <p:nvSpPr>
-          <p:cNvPr id="247" name="Shape 247"/>
+          <p:cNvPr id="241" name="Shape 241"/>
           <p:cNvSpPr txBox="1"/>
           <p:nvPr>
             <p:ph idx="1" type="body"/>
@@ -614,7 +617,7 @@
   <p:cSld>
     <p:spTree>
       <p:nvGrpSpPr>
-        <p:cNvPr id="254" name="Shape 254"/>
+        <p:cNvPr id="267" name="Shape 267"/>
         <p:cNvGrpSpPr/>
         <p:nvPr/>
       </p:nvGrpSpPr>
@@ -628,7 +631,7 @@
       </p:grpSpPr>
       <p:sp>
         <p:nvSpPr>
-          <p:cNvPr id="255" name="Shape 255"/>
+          <p:cNvPr id="268" name="Shape 268"/>
           <p:cNvSpPr/>
           <p:nvPr>
             <p:ph idx="2" type="sldImg"/>
@@ -636,8 +639,8 @@
         </p:nvSpPr>
         <p:spPr>
           <a:xfrm>
-            <a:off x="381187" y="685800"/>
-            <a:ext cx="6096299" cy="3429000"/>
+            <a:off x="381300" y="685800"/>
+            <a:ext cx="6096000" cy="3429000"/>
           </a:xfrm>
           <a:custGeom>
             <a:pathLst>
@@ -662,7 +665,7 @@
       </p:sp>
       <p:sp>
         <p:nvSpPr>
-          <p:cNvPr id="256" name="Shape 256"/>
+          <p:cNvPr id="269" name="Shape 269"/>
           <p:cNvSpPr txBox="1"/>
           <p:nvPr>
             <p:ph idx="1" type="body"/>
@@ -709,7 +712,7 @@
   <p:cSld>
     <p:spTree>
       <p:nvGrpSpPr>
-        <p:cNvPr id="282" name="Shape 282"/>
+        <p:cNvPr id="274" name="Shape 274"/>
         <p:cNvGrpSpPr/>
         <p:nvPr/>
       </p:nvGrpSpPr>
@@ -723,7 +726,7 @@
       </p:grpSpPr>
       <p:sp>
         <p:nvSpPr>
-          <p:cNvPr id="283" name="Shape 283"/>
+          <p:cNvPr id="275" name="Shape 275"/>
           <p:cNvSpPr/>
           <p:nvPr>
             <p:ph idx="2" type="sldImg"/>
@@ -757,7 +760,7 @@
       </p:sp>
       <p:sp>
         <p:nvSpPr>
-          <p:cNvPr id="284" name="Shape 284"/>
+          <p:cNvPr id="276" name="Shape 276"/>
           <p:cNvSpPr txBox="1"/>
           <p:nvPr>
             <p:ph idx="1" type="body"/>
@@ -804,7 +807,7 @@
   <p:cSld>
     <p:spTree>
       <p:nvGrpSpPr>
-        <p:cNvPr id="289" name="Shape 289"/>
+        <p:cNvPr id="281" name="Shape 281"/>
         <p:cNvGrpSpPr/>
         <p:nvPr/>
       </p:nvGrpSpPr>
@@ -818,7 +821,7 @@
       </p:grpSpPr>
       <p:sp>
         <p:nvSpPr>
-          <p:cNvPr id="290" name="Shape 290"/>
+          <p:cNvPr id="282" name="Shape 282"/>
           <p:cNvSpPr/>
           <p:nvPr>
             <p:ph idx="2" type="sldImg"/>
@@ -852,7 +855,7 @@
       </p:sp>
       <p:sp>
         <p:nvSpPr>
-          <p:cNvPr id="291" name="Shape 291"/>
+          <p:cNvPr id="283" name="Shape 283"/>
           <p:cNvSpPr txBox="1"/>
           <p:nvPr>
             <p:ph idx="1" type="body"/>
@@ -899,7 +902,7 @@
   <p:cSld>
     <p:spTree>
       <p:nvGrpSpPr>
-        <p:cNvPr id="296" name="Shape 296"/>
+        <p:cNvPr id="288" name="Shape 288"/>
         <p:cNvGrpSpPr/>
         <p:nvPr/>
       </p:nvGrpSpPr>
@@ -913,7 +916,7 @@
       </p:grpSpPr>
       <p:sp>
         <p:nvSpPr>
-          <p:cNvPr id="297" name="Shape 297"/>
+          <p:cNvPr id="289" name="Shape 289"/>
           <p:cNvSpPr/>
           <p:nvPr>
             <p:ph idx="2" type="sldImg"/>
@@ -947,7 +950,7 @@
       </p:sp>
       <p:sp>
         <p:nvSpPr>
-          <p:cNvPr id="298" name="Shape 298"/>
+          <p:cNvPr id="290" name="Shape 290"/>
           <p:cNvSpPr txBox="1"/>
           <p:nvPr>
             <p:ph idx="1" type="body"/>
@@ -1006,7 +1009,7 @@
   <p:cSld>
     <p:spTree>
       <p:nvGrpSpPr>
-        <p:cNvPr id="304" name="Shape 304"/>
+        <p:cNvPr id="296" name="Shape 296"/>
         <p:cNvGrpSpPr/>
         <p:nvPr/>
       </p:nvGrpSpPr>
@@ -1020,7 +1023,7 @@
       </p:grpSpPr>
       <p:sp>
         <p:nvSpPr>
-          <p:cNvPr id="305" name="Shape 305"/>
+          <p:cNvPr id="297" name="Shape 297"/>
           <p:cNvSpPr/>
           <p:nvPr>
             <p:ph idx="2" type="sldImg"/>
@@ -1028,8 +1031,8 @@
         </p:nvSpPr>
         <p:spPr>
           <a:xfrm>
-            <a:off x="381187" y="685800"/>
-            <a:ext cx="6096299" cy="3429000"/>
+            <a:off x="381300" y="685800"/>
+            <a:ext cx="6096000" cy="3429000"/>
           </a:xfrm>
           <a:custGeom>
             <a:pathLst>
@@ -1054,7 +1057,7 @@
       </p:sp>
       <p:sp>
         <p:nvSpPr>
-          <p:cNvPr id="306" name="Shape 306"/>
+          <p:cNvPr id="298" name="Shape 298"/>
           <p:cNvSpPr txBox="1"/>
           <p:nvPr>
             <p:ph idx="1" type="body"/>
@@ -1082,21 +1085,9 @@
               <a:buNone/>
             </a:pPr>
             <a:r>
-              <a:rPr lang="en"/>
-              <a:t>Material Design: used by Google, familiar to users.</a:t>
-            </a:r>
-          </a:p>
-          <a:p>
-            <a:pPr lvl="0" rtl="0">
-              <a:spcBef>
-                <a:spcPts val="0"/>
-              </a:spcBef>
-              <a:buNone/>
-            </a:pPr>
-            <a:r>
-              <a:rPr lang="en"/>
-              <a:t>Card Based: You’ll see this card based design reused throughout.</a:t>
-            </a:r>
+              <a:t/>
+            </a:r>
+            <a:endParaRPr/>
           </a:p>
         </p:txBody>
       </p:sp>
@@ -1113,7 +1104,7 @@
   <p:cSld>
     <p:spTree>
       <p:nvGrpSpPr>
-        <p:cNvPr id="313" name="Shape 313"/>
+        <p:cNvPr id="303" name="Shape 303"/>
         <p:cNvGrpSpPr/>
         <p:nvPr/>
       </p:nvGrpSpPr>
@@ -1127,7 +1118,7 @@
       </p:grpSpPr>
       <p:sp>
         <p:nvSpPr>
-          <p:cNvPr id="314" name="Shape 314"/>
+          <p:cNvPr id="304" name="Shape 304"/>
           <p:cNvSpPr/>
           <p:nvPr>
             <p:ph idx="2" type="sldImg"/>
@@ -1161,7 +1152,7 @@
       </p:sp>
       <p:sp>
         <p:nvSpPr>
-          <p:cNvPr id="315" name="Shape 315"/>
+          <p:cNvPr id="305" name="Shape 305"/>
           <p:cNvSpPr txBox="1"/>
           <p:nvPr>
             <p:ph idx="1" type="body"/>
@@ -1220,7 +1211,7 @@
   <p:cSld>
     <p:spTree>
       <p:nvGrpSpPr>
-        <p:cNvPr id="343" name="Shape 343"/>
+        <p:cNvPr id="312" name="Shape 312"/>
         <p:cNvGrpSpPr/>
         <p:nvPr/>
       </p:nvGrpSpPr>
@@ -1234,7 +1225,7 @@
       </p:grpSpPr>
       <p:sp>
         <p:nvSpPr>
-          <p:cNvPr id="344" name="Shape 344"/>
+          <p:cNvPr id="313" name="Shape 313"/>
           <p:cNvSpPr/>
           <p:nvPr>
             <p:ph idx="2" type="sldImg"/>
@@ -1268,7 +1259,7 @@
       </p:sp>
       <p:sp>
         <p:nvSpPr>
-          <p:cNvPr id="345" name="Shape 345"/>
+          <p:cNvPr id="314" name="Shape 314"/>
           <p:cNvSpPr txBox="1"/>
           <p:nvPr>
             <p:ph idx="1" type="body"/>
@@ -1327,7 +1318,7 @@
   <p:cSld>
     <p:spTree>
       <p:nvGrpSpPr>
-        <p:cNvPr id="352" name="Shape 352"/>
+        <p:cNvPr id="342" name="Shape 342"/>
         <p:cNvGrpSpPr/>
         <p:nvPr/>
       </p:nvGrpSpPr>
@@ -1341,7 +1332,7 @@
       </p:grpSpPr>
       <p:sp>
         <p:nvSpPr>
-          <p:cNvPr id="353" name="Shape 353"/>
+          <p:cNvPr id="343" name="Shape 343"/>
           <p:cNvSpPr/>
           <p:nvPr>
             <p:ph idx="2" type="sldImg"/>
@@ -1375,7 +1366,7 @@
       </p:sp>
       <p:sp>
         <p:nvSpPr>
-          <p:cNvPr id="354" name="Shape 354"/>
+          <p:cNvPr id="344" name="Shape 344"/>
           <p:cNvSpPr txBox="1"/>
           <p:nvPr>
             <p:ph idx="1" type="body"/>
@@ -1384,7 +1375,7 @@
         <p:spPr>
           <a:xfrm>
             <a:off x="685800" y="4343400"/>
-            <a:ext cx="5486399" cy="4114800"/>
+            <a:ext cx="5486400" cy="4114800"/>
           </a:xfrm>
           <a:prstGeom prst="rect">
             <a:avLst/>
@@ -1396,16 +1387,28 @@
           </a:bodyPr>
           <a:lstStyle/>
           <a:p>
-            <a:pPr lvl="0">
+            <a:pPr lvl="0" rtl="0">
               <a:spcBef>
                 <a:spcPts val="0"/>
               </a:spcBef>
               <a:buNone/>
             </a:pPr>
             <a:r>
-              <a:t/>
-            </a:r>
-            <a:endParaRPr/>
+              <a:rPr lang="en"/>
+              <a:t>Material Design: used by Google, familiar to users.</a:t>
+            </a:r>
+          </a:p>
+          <a:p>
+            <a:pPr lvl="0" rtl="0">
+              <a:spcBef>
+                <a:spcPts val="0"/>
+              </a:spcBef>
+              <a:buNone/>
+            </a:pPr>
+            <a:r>
+              <a:rPr lang="en"/>
+              <a:t>Card Based: You’ll see this card based design reused throughout.</a:t>
+            </a:r>
           </a:p>
         </p:txBody>
       </p:sp>
@@ -1422,7 +1425,7 @@
   <p:cSld>
     <p:spTree>
       <p:nvGrpSpPr>
-        <p:cNvPr id="357" name="Shape 357"/>
+        <p:cNvPr id="351" name="Shape 351"/>
         <p:cNvGrpSpPr/>
         <p:nvPr/>
       </p:nvGrpSpPr>
@@ -1436,7 +1439,7 @@
       </p:grpSpPr>
       <p:sp>
         <p:nvSpPr>
-          <p:cNvPr id="358" name="Shape 358"/>
+          <p:cNvPr id="352" name="Shape 352"/>
           <p:cNvSpPr/>
           <p:nvPr>
             <p:ph idx="2" type="sldImg"/>
@@ -1470,7 +1473,7 @@
       </p:sp>
       <p:sp>
         <p:nvSpPr>
-          <p:cNvPr id="359" name="Shape 359"/>
+          <p:cNvPr id="353" name="Shape 353"/>
           <p:cNvSpPr txBox="1"/>
           <p:nvPr>
             <p:ph idx="1" type="body"/>
@@ -1612,7 +1615,7 @@
   <p:cSld>
     <p:spTree>
       <p:nvGrpSpPr>
-        <p:cNvPr id="385" name="Shape 385"/>
+        <p:cNvPr id="365" name="Shape 365"/>
         <p:cNvGrpSpPr/>
         <p:nvPr/>
       </p:nvGrpSpPr>
@@ -1626,7 +1629,7 @@
       </p:grpSpPr>
       <p:sp>
         <p:nvSpPr>
-          <p:cNvPr id="386" name="Shape 386"/>
+          <p:cNvPr id="366" name="Shape 366"/>
           <p:cNvSpPr/>
           <p:nvPr>
             <p:ph idx="2" type="sldImg"/>
@@ -1660,7 +1663,7 @@
       </p:sp>
       <p:sp>
         <p:nvSpPr>
-          <p:cNvPr id="387" name="Shape 387"/>
+          <p:cNvPr id="367" name="Shape 367"/>
           <p:cNvSpPr txBox="1"/>
           <p:nvPr>
             <p:ph idx="1" type="body"/>
@@ -1669,7 +1672,7 @@
         <p:spPr>
           <a:xfrm>
             <a:off x="685800" y="4343400"/>
-            <a:ext cx="5486400" cy="4114800"/>
+            <a:ext cx="5486399" cy="4114800"/>
           </a:xfrm>
           <a:prstGeom prst="rect">
             <a:avLst/>
@@ -1681,7 +1684,7 @@
           </a:bodyPr>
           <a:lstStyle/>
           <a:p>
-            <a:pPr lvl="0" rtl="0">
+            <a:pPr lvl="0">
               <a:spcBef>
                 <a:spcPts val="0"/>
               </a:spcBef>
@@ -1707,7 +1710,7 @@
   <p:cSld>
     <p:spTree>
       <p:nvGrpSpPr>
-        <p:cNvPr id="413" name="Shape 413"/>
+        <p:cNvPr id="370" name="Shape 370"/>
         <p:cNvGrpSpPr/>
         <p:nvPr/>
       </p:nvGrpSpPr>
@@ -1721,7 +1724,7 @@
       </p:grpSpPr>
       <p:sp>
         <p:nvSpPr>
-          <p:cNvPr id="414" name="Shape 414"/>
+          <p:cNvPr id="371" name="Shape 371"/>
           <p:cNvSpPr/>
           <p:nvPr>
             <p:ph idx="2" type="sldImg"/>
@@ -1755,7 +1758,7 @@
       </p:sp>
       <p:sp>
         <p:nvSpPr>
-          <p:cNvPr id="415" name="Shape 415"/>
+          <p:cNvPr id="372" name="Shape 372"/>
           <p:cNvSpPr txBox="1"/>
           <p:nvPr>
             <p:ph idx="1" type="body"/>
@@ -1802,7 +1805,7 @@
   <p:cSld>
     <p:spTree>
       <p:nvGrpSpPr>
-        <p:cNvPr id="420" name="Shape 420"/>
+        <p:cNvPr id="398" name="Shape 398"/>
         <p:cNvGrpSpPr/>
         <p:nvPr/>
       </p:nvGrpSpPr>
@@ -1816,7 +1819,7 @@
       </p:grpSpPr>
       <p:sp>
         <p:nvSpPr>
-          <p:cNvPr id="421" name="Shape 421"/>
+          <p:cNvPr id="399" name="Shape 399"/>
           <p:cNvSpPr/>
           <p:nvPr>
             <p:ph idx="2" type="sldImg"/>
@@ -1824,8 +1827,8 @@
         </p:nvSpPr>
         <p:spPr>
           <a:xfrm>
-            <a:off x="381300" y="685800"/>
-            <a:ext cx="6096000" cy="3429000"/>
+            <a:off x="381187" y="685800"/>
+            <a:ext cx="6096299" cy="3429000"/>
           </a:xfrm>
           <a:custGeom>
             <a:pathLst>
@@ -1850,7 +1853,7 @@
       </p:sp>
       <p:sp>
         <p:nvSpPr>
-          <p:cNvPr id="422" name="Shape 422"/>
+          <p:cNvPr id="400" name="Shape 400"/>
           <p:cNvSpPr txBox="1"/>
           <p:nvPr>
             <p:ph idx="1" type="body"/>
@@ -1871,7 +1874,292 @@
           </a:bodyPr>
           <a:lstStyle/>
           <a:p>
+            <a:pPr lvl="0" rtl="0">
+              <a:spcBef>
+                <a:spcPts val="0"/>
+              </a:spcBef>
+              <a:buNone/>
+            </a:pPr>
+            <a:r>
+              <a:t/>
+            </a:r>
+            <a:endParaRPr/>
+          </a:p>
+        </p:txBody>
+      </p:sp>
+    </p:spTree>
+  </p:cSld>
+  <p:clrMapOvr>
+    <a:masterClrMapping/>
+  </p:clrMapOvr>
+</p:notes>
+</file>
+
+<file path=ppt/notesSlides/notesSlide23.xml><?xml version="1.0" encoding="utf-8"?>
+<p:notes xmlns:a="http://schemas.openxmlformats.org/drawingml/2006/main" xmlns:r="http://schemas.openxmlformats.org/officeDocument/2006/relationships" xmlns:mc="http://schemas.openxmlformats.org/markup-compatibility/2006" xmlns:mv="urn:schemas-microsoft-com:mac:vml" xmlns:p="http://schemas.openxmlformats.org/presentationml/2006/main" xmlns:c="http://schemas.openxmlformats.org/drawingml/2006/chart" xmlns:dgm="http://schemas.openxmlformats.org/drawingml/2006/diagram" xmlns:o="urn:schemas-microsoft-com:office:office" xmlns:v="urn:schemas-microsoft-com:vml" xmlns:pvml="urn:schemas-microsoft-com:office:powerpoint" xmlns:com="http://schemas.openxmlformats.org/drawingml/2006/compatibility" xmlns:p14="http://schemas.microsoft.com/office/powerpoint/2010/main" xmlns:p15="http://schemas.microsoft.com/office/powerpoint/2012/main" showMasterPhAnim="0" showMasterSp="0">
+  <p:cSld>
+    <p:spTree>
+      <p:nvGrpSpPr>
+        <p:cNvPr id="426" name="Shape 426"/>
+        <p:cNvGrpSpPr/>
+        <p:nvPr/>
+      </p:nvGrpSpPr>
+      <p:grpSpPr>
+        <a:xfrm>
+          <a:off x="0" y="0"/>
+          <a:ext cx="0" cy="0"/>
+          <a:chOff x="0" y="0"/>
+          <a:chExt cx="0" cy="0"/>
+        </a:xfrm>
+      </p:grpSpPr>
+      <p:sp>
+        <p:nvSpPr>
+          <p:cNvPr id="427" name="Shape 427"/>
+          <p:cNvSpPr/>
+          <p:nvPr>
+            <p:ph idx="2" type="sldImg"/>
+          </p:nvPr>
+        </p:nvSpPr>
+        <p:spPr>
+          <a:xfrm>
+            <a:off x="381187" y="685800"/>
+            <a:ext cx="6096299" cy="3429000"/>
+          </a:xfrm>
+          <a:custGeom>
+            <a:pathLst>
+              <a:path extrusionOk="0" h="120000" w="120000">
+                <a:moveTo>
+                  <a:pt x="0" y="0"/>
+                </a:moveTo>
+                <a:lnTo>
+                  <a:pt x="120000" y="0"/>
+                </a:lnTo>
+                <a:lnTo>
+                  <a:pt x="120000" y="120000"/>
+                </a:lnTo>
+                <a:lnTo>
+                  <a:pt x="0" y="120000"/>
+                </a:lnTo>
+                <a:close/>
+              </a:path>
+            </a:pathLst>
+          </a:custGeom>
+        </p:spPr>
+      </p:sp>
+      <p:sp>
+        <p:nvSpPr>
+          <p:cNvPr id="428" name="Shape 428"/>
+          <p:cNvSpPr txBox="1"/>
+          <p:nvPr>
+            <p:ph idx="1" type="body"/>
+          </p:nvPr>
+        </p:nvSpPr>
+        <p:spPr>
+          <a:xfrm>
+            <a:off x="685800" y="4343400"/>
+            <a:ext cx="5486399" cy="4114800"/>
+          </a:xfrm>
+          <a:prstGeom prst="rect">
+            <a:avLst/>
+          </a:prstGeom>
+        </p:spPr>
+        <p:txBody>
+          <a:bodyPr anchorCtr="0" anchor="t" bIns="91425" lIns="91425" rIns="91425" tIns="91425">
+            <a:noAutofit/>
+          </a:bodyPr>
+          <a:lstStyle/>
+          <a:p>
             <a:pPr lvl="0">
+              <a:spcBef>
+                <a:spcPts val="0"/>
+              </a:spcBef>
+              <a:buNone/>
+            </a:pPr>
+            <a:r>
+              <a:t/>
+            </a:r>
+            <a:endParaRPr/>
+          </a:p>
+        </p:txBody>
+      </p:sp>
+    </p:spTree>
+  </p:cSld>
+  <p:clrMapOvr>
+    <a:masterClrMapping/>
+  </p:clrMapOvr>
+</p:notes>
+</file>
+
+<file path=ppt/notesSlides/notesSlide24.xml><?xml version="1.0" encoding="utf-8"?>
+<p:notes xmlns:a="http://schemas.openxmlformats.org/drawingml/2006/main" xmlns:r="http://schemas.openxmlformats.org/officeDocument/2006/relationships" xmlns:mc="http://schemas.openxmlformats.org/markup-compatibility/2006" xmlns:mv="urn:schemas-microsoft-com:mac:vml" xmlns:p="http://schemas.openxmlformats.org/presentationml/2006/main" xmlns:c="http://schemas.openxmlformats.org/drawingml/2006/chart" xmlns:dgm="http://schemas.openxmlformats.org/drawingml/2006/diagram" xmlns:o="urn:schemas-microsoft-com:office:office" xmlns:v="urn:schemas-microsoft-com:vml" xmlns:pvml="urn:schemas-microsoft-com:office:powerpoint" xmlns:com="http://schemas.openxmlformats.org/drawingml/2006/compatibility" xmlns:p14="http://schemas.microsoft.com/office/powerpoint/2010/main" xmlns:p15="http://schemas.microsoft.com/office/powerpoint/2012/main" showMasterPhAnim="0" showMasterSp="0">
+  <p:cSld>
+    <p:spTree>
+      <p:nvGrpSpPr>
+        <p:cNvPr id="433" name="Shape 433"/>
+        <p:cNvGrpSpPr/>
+        <p:nvPr/>
+      </p:nvGrpSpPr>
+      <p:grpSpPr>
+        <a:xfrm>
+          <a:off x="0" y="0"/>
+          <a:ext cx="0" cy="0"/>
+          <a:chOff x="0" y="0"/>
+          <a:chExt cx="0" cy="0"/>
+        </a:xfrm>
+      </p:grpSpPr>
+      <p:sp>
+        <p:nvSpPr>
+          <p:cNvPr id="434" name="Shape 434"/>
+          <p:cNvSpPr/>
+          <p:nvPr>
+            <p:ph idx="2" type="sldImg"/>
+          </p:nvPr>
+        </p:nvSpPr>
+        <p:spPr>
+          <a:xfrm>
+            <a:off x="381300" y="685800"/>
+            <a:ext cx="6096000" cy="3429000"/>
+          </a:xfrm>
+          <a:custGeom>
+            <a:pathLst>
+              <a:path extrusionOk="0" h="120000" w="120000">
+                <a:moveTo>
+                  <a:pt x="0" y="0"/>
+                </a:moveTo>
+                <a:lnTo>
+                  <a:pt x="120000" y="0"/>
+                </a:lnTo>
+                <a:lnTo>
+                  <a:pt x="120000" y="120000"/>
+                </a:lnTo>
+                <a:lnTo>
+                  <a:pt x="0" y="120000"/>
+                </a:lnTo>
+                <a:close/>
+              </a:path>
+            </a:pathLst>
+          </a:custGeom>
+        </p:spPr>
+      </p:sp>
+      <p:sp>
+        <p:nvSpPr>
+          <p:cNvPr id="435" name="Shape 435"/>
+          <p:cNvSpPr txBox="1"/>
+          <p:nvPr>
+            <p:ph idx="1" type="body"/>
+          </p:nvPr>
+        </p:nvSpPr>
+        <p:spPr>
+          <a:xfrm>
+            <a:off x="685800" y="4343400"/>
+            <a:ext cx="5486400" cy="4114800"/>
+          </a:xfrm>
+          <a:prstGeom prst="rect">
+            <a:avLst/>
+          </a:prstGeom>
+        </p:spPr>
+        <p:txBody>
+          <a:bodyPr anchorCtr="0" anchor="t" bIns="91425" lIns="91425" rIns="91425" tIns="91425">
+            <a:noAutofit/>
+          </a:bodyPr>
+          <a:lstStyle/>
+          <a:p>
+            <a:pPr lvl="0">
+              <a:spcBef>
+                <a:spcPts val="0"/>
+              </a:spcBef>
+              <a:buNone/>
+            </a:pPr>
+            <a:r>
+              <a:t/>
+            </a:r>
+            <a:endParaRPr/>
+          </a:p>
+        </p:txBody>
+      </p:sp>
+    </p:spTree>
+  </p:cSld>
+  <p:clrMapOvr>
+    <a:masterClrMapping/>
+  </p:clrMapOvr>
+</p:notes>
+</file>
+
+<file path=ppt/notesSlides/notesSlide25.xml><?xml version="1.0" encoding="utf-8"?>
+<p:notes xmlns:a="http://schemas.openxmlformats.org/drawingml/2006/main" xmlns:r="http://schemas.openxmlformats.org/officeDocument/2006/relationships" xmlns:mc="http://schemas.openxmlformats.org/markup-compatibility/2006" xmlns:mv="urn:schemas-microsoft-com:mac:vml" xmlns:p="http://schemas.openxmlformats.org/presentationml/2006/main" xmlns:c="http://schemas.openxmlformats.org/drawingml/2006/chart" xmlns:dgm="http://schemas.openxmlformats.org/drawingml/2006/diagram" xmlns:o="urn:schemas-microsoft-com:office:office" xmlns:v="urn:schemas-microsoft-com:vml" xmlns:pvml="urn:schemas-microsoft-com:office:powerpoint" xmlns:com="http://schemas.openxmlformats.org/drawingml/2006/compatibility" xmlns:p14="http://schemas.microsoft.com/office/powerpoint/2010/main" xmlns:p15="http://schemas.microsoft.com/office/powerpoint/2012/main" showMasterPhAnim="0" showMasterSp="0">
+  <p:cSld>
+    <p:spTree>
+      <p:nvGrpSpPr>
+        <p:cNvPr id="438" name="Shape 438"/>
+        <p:cNvGrpSpPr/>
+        <p:nvPr/>
+      </p:nvGrpSpPr>
+      <p:grpSpPr>
+        <a:xfrm>
+          <a:off x="0" y="0"/>
+          <a:ext cx="0" cy="0"/>
+          <a:chOff x="0" y="0"/>
+          <a:chExt cx="0" cy="0"/>
+        </a:xfrm>
+      </p:grpSpPr>
+      <p:sp>
+        <p:nvSpPr>
+          <p:cNvPr id="439" name="Shape 439"/>
+          <p:cNvSpPr/>
+          <p:nvPr>
+            <p:ph idx="2" type="sldImg"/>
+          </p:nvPr>
+        </p:nvSpPr>
+        <p:spPr>
+          <a:xfrm>
+            <a:off x="381187" y="685800"/>
+            <a:ext cx="6096299" cy="3429000"/>
+          </a:xfrm>
+          <a:custGeom>
+            <a:pathLst>
+              <a:path extrusionOk="0" h="120000" w="120000">
+                <a:moveTo>
+                  <a:pt x="0" y="0"/>
+                </a:moveTo>
+                <a:lnTo>
+                  <a:pt x="120000" y="0"/>
+                </a:lnTo>
+                <a:lnTo>
+                  <a:pt x="120000" y="120000"/>
+                </a:lnTo>
+                <a:lnTo>
+                  <a:pt x="0" y="120000"/>
+                </a:lnTo>
+                <a:close/>
+              </a:path>
+            </a:pathLst>
+          </a:custGeom>
+        </p:spPr>
+      </p:sp>
+      <p:sp>
+        <p:nvSpPr>
+          <p:cNvPr id="440" name="Shape 440"/>
+          <p:cNvSpPr txBox="1"/>
+          <p:nvPr>
+            <p:ph idx="1" type="body"/>
+          </p:nvPr>
+        </p:nvSpPr>
+        <p:spPr>
+          <a:xfrm>
+            <a:off x="685800" y="4343400"/>
+            <a:ext cx="5486400" cy="4114800"/>
+          </a:xfrm>
+          <a:prstGeom prst="rect">
+            <a:avLst/>
+          </a:prstGeom>
+        </p:spPr>
+        <p:txBody>
+          <a:bodyPr anchorCtr="0" anchor="t" bIns="91425" lIns="91425" rIns="91425" tIns="91425">
+            <a:noAutofit/>
+          </a:bodyPr>
+          <a:lstStyle/>
+          <a:p>
+            <a:pPr lvl="0" rtl="0">
               <a:spcBef>
                 <a:spcPts val="0"/>
               </a:spcBef>
@@ -2014,8 +2302,8 @@
         </p:nvSpPr>
         <p:spPr>
           <a:xfrm>
-            <a:off x="381300" y="685800"/>
-            <a:ext cx="6096000" cy="3429000"/>
+            <a:off x="381187" y="685800"/>
+            <a:ext cx="6096299" cy="3429000"/>
           </a:xfrm>
           <a:custGeom>
             <a:pathLst>
@@ -2049,7 +2337,7 @@
         <p:spPr>
           <a:xfrm>
             <a:off x="685800" y="4343400"/>
-            <a:ext cx="5486400" cy="4114800"/>
+            <a:ext cx="5486399" cy="4114800"/>
           </a:xfrm>
           <a:prstGeom prst="rect">
             <a:avLst/>
@@ -2087,7 +2375,7 @@
   <p:cSld>
     <p:spTree>
       <p:nvGrpSpPr>
-        <p:cNvPr id="159" name="Shape 159"/>
+        <p:cNvPr id="171" name="Shape 171"/>
         <p:cNvGrpSpPr/>
         <p:nvPr/>
       </p:nvGrpSpPr>
@@ -2101,7 +2389,7 @@
       </p:grpSpPr>
       <p:sp>
         <p:nvSpPr>
-          <p:cNvPr id="160" name="Shape 160"/>
+          <p:cNvPr id="172" name="Shape 172"/>
           <p:cNvSpPr/>
           <p:nvPr>
             <p:ph idx="2" type="sldImg"/>
@@ -2109,8 +2397,8 @@
         </p:nvSpPr>
         <p:spPr>
           <a:xfrm>
-            <a:off x="381187" y="685800"/>
-            <a:ext cx="6096299" cy="3429000"/>
+            <a:off x="381300" y="685800"/>
+            <a:ext cx="6096000" cy="3429000"/>
           </a:xfrm>
           <a:custGeom>
             <a:pathLst>
@@ -2135,7 +2423,7 @@
       </p:sp>
       <p:sp>
         <p:nvSpPr>
-          <p:cNvPr id="161" name="Shape 161"/>
+          <p:cNvPr id="173" name="Shape 173"/>
           <p:cNvSpPr txBox="1"/>
           <p:nvPr>
             <p:ph idx="1" type="body"/>
@@ -2144,7 +2432,7 @@
         <p:spPr>
           <a:xfrm>
             <a:off x="685800" y="4343400"/>
-            <a:ext cx="5486399" cy="4114800"/>
+            <a:ext cx="5486400" cy="4114800"/>
           </a:xfrm>
           <a:prstGeom prst="rect">
             <a:avLst/>
@@ -2156,7 +2444,7 @@
           </a:bodyPr>
           <a:lstStyle/>
           <a:p>
-            <a:pPr lvl="0">
+            <a:pPr lvl="0" rtl="0">
               <a:spcBef>
                 <a:spcPts val="0"/>
               </a:spcBef>
@@ -2182,7 +2470,7 @@
   <p:cSld>
     <p:spTree>
       <p:nvGrpSpPr>
-        <p:cNvPr id="179" name="Shape 179"/>
+        <p:cNvPr id="178" name="Shape 178"/>
         <p:cNvGrpSpPr/>
         <p:nvPr/>
       </p:nvGrpSpPr>
@@ -2196,7 +2484,7 @@
       </p:grpSpPr>
       <p:sp>
         <p:nvSpPr>
-          <p:cNvPr id="180" name="Shape 180"/>
+          <p:cNvPr id="179" name="Shape 179"/>
           <p:cNvSpPr/>
           <p:nvPr>
             <p:ph idx="2" type="sldImg"/>
@@ -2204,8 +2492,8 @@
         </p:nvSpPr>
         <p:spPr>
           <a:xfrm>
-            <a:off x="381187" y="685800"/>
-            <a:ext cx="6096299" cy="3429000"/>
+            <a:off x="381300" y="685800"/>
+            <a:ext cx="6096000" cy="3429000"/>
           </a:xfrm>
           <a:custGeom>
             <a:pathLst>
@@ -2230,7 +2518,7 @@
       </p:sp>
       <p:sp>
         <p:nvSpPr>
-          <p:cNvPr id="181" name="Shape 181"/>
+          <p:cNvPr id="180" name="Shape 180"/>
           <p:cNvSpPr txBox="1"/>
           <p:nvPr>
             <p:ph idx="1" type="body"/>
@@ -2239,7 +2527,7 @@
         <p:spPr>
           <a:xfrm>
             <a:off x="685800" y="4343400"/>
-            <a:ext cx="5486399" cy="4114800"/>
+            <a:ext cx="5486400" cy="4114800"/>
           </a:xfrm>
           <a:prstGeom prst="rect">
             <a:avLst/>
@@ -2277,7 +2565,7 @@
   <p:cSld>
     <p:spTree>
       <p:nvGrpSpPr>
-        <p:cNvPr id="193" name="Shape 193"/>
+        <p:cNvPr id="183" name="Shape 183"/>
         <p:cNvGrpSpPr/>
         <p:nvPr/>
       </p:nvGrpSpPr>
@@ -2291,7 +2579,7 @@
       </p:grpSpPr>
       <p:sp>
         <p:nvSpPr>
-          <p:cNvPr id="194" name="Shape 194"/>
+          <p:cNvPr id="184" name="Shape 184"/>
           <p:cNvSpPr/>
           <p:nvPr>
             <p:ph idx="2" type="sldImg"/>
@@ -2325,7 +2613,7 @@
       </p:sp>
       <p:sp>
         <p:nvSpPr>
-          <p:cNvPr id="195" name="Shape 195"/>
+          <p:cNvPr id="185" name="Shape 185"/>
           <p:cNvSpPr txBox="1"/>
           <p:nvPr>
             <p:ph idx="1" type="body"/>
@@ -2346,7 +2634,7 @@
           </a:bodyPr>
           <a:lstStyle/>
           <a:p>
-            <a:pPr lvl="0">
+            <a:pPr lvl="0" rtl="0">
               <a:spcBef>
                 <a:spcPts val="0"/>
               </a:spcBef>
@@ -2372,7 +2660,7 @@
   <p:cSld>
     <p:spTree>
       <p:nvGrpSpPr>
-        <p:cNvPr id="198" name="Shape 198"/>
+        <p:cNvPr id="189" name="Shape 189"/>
         <p:cNvGrpSpPr/>
         <p:nvPr/>
       </p:nvGrpSpPr>
@@ -2386,7 +2674,7 @@
       </p:grpSpPr>
       <p:sp>
         <p:nvSpPr>
-          <p:cNvPr id="199" name="Shape 199"/>
+          <p:cNvPr id="190" name="Shape 190"/>
           <p:cNvSpPr/>
           <p:nvPr>
             <p:ph idx="2" type="sldImg"/>
@@ -2394,8 +2682,8 @@
         </p:nvSpPr>
         <p:spPr>
           <a:xfrm>
-            <a:off x="381300" y="685800"/>
-            <a:ext cx="6096000" cy="3429000"/>
+            <a:off x="381187" y="685800"/>
+            <a:ext cx="6096299" cy="3429000"/>
           </a:xfrm>
           <a:custGeom>
             <a:pathLst>
@@ -2420,7 +2708,7 @@
       </p:sp>
       <p:sp>
         <p:nvSpPr>
-          <p:cNvPr id="200" name="Shape 200"/>
+          <p:cNvPr id="191" name="Shape 191"/>
           <p:cNvSpPr txBox="1"/>
           <p:nvPr>
             <p:ph idx="1" type="body"/>
@@ -2429,7 +2717,7 @@
         <p:spPr>
           <a:xfrm>
             <a:off x="685800" y="4343400"/>
-            <a:ext cx="5486400" cy="4114800"/>
+            <a:ext cx="5486399" cy="4114800"/>
           </a:xfrm>
           <a:prstGeom prst="rect">
             <a:avLst/>
@@ -2441,7 +2729,7 @@
           </a:bodyPr>
           <a:lstStyle/>
           <a:p>
-            <a:pPr lvl="0" rtl="0">
+            <a:pPr lvl="0">
               <a:spcBef>
                 <a:spcPts val="0"/>
               </a:spcBef>
@@ -2467,7 +2755,7 @@
   <p:cSld>
     <p:spTree>
       <p:nvGrpSpPr>
-        <p:cNvPr id="204" name="Shape 204"/>
+        <p:cNvPr id="230" name="Shape 230"/>
         <p:cNvGrpSpPr/>
         <p:nvPr/>
       </p:nvGrpSpPr>
@@ -2481,7 +2769,7 @@
       </p:grpSpPr>
       <p:sp>
         <p:nvSpPr>
-          <p:cNvPr id="205" name="Shape 205"/>
+          <p:cNvPr id="231" name="Shape 231"/>
           <p:cNvSpPr/>
           <p:nvPr>
             <p:ph idx="2" type="sldImg"/>
@@ -2515,7 +2803,7 @@
       </p:sp>
       <p:sp>
         <p:nvSpPr>
-          <p:cNvPr id="206" name="Shape 206"/>
+          <p:cNvPr id="232" name="Shape 232"/>
           <p:cNvSpPr txBox="1"/>
           <p:nvPr>
             <p:ph idx="1" type="body"/>
@@ -2524,7 +2812,7 @@
         <p:spPr>
           <a:xfrm>
             <a:off x="685800" y="4343400"/>
-            <a:ext cx="5486399" cy="4114800"/>
+            <a:ext cx="5486400" cy="4114800"/>
           </a:xfrm>
           <a:prstGeom prst="rect">
             <a:avLst/>
@@ -2536,7 +2824,7 @@
           </a:bodyPr>
           <a:lstStyle/>
           <a:p>
-            <a:pPr lvl="0">
+            <a:pPr lvl="0" rtl="0">
               <a:spcBef>
                 <a:spcPts val="0"/>
               </a:spcBef>
@@ -9235,7 +9523,7 @@
   <p:cSld>
     <p:spTree>
       <p:nvGrpSpPr>
-        <p:cNvPr id="248" name="Shape 248"/>
+        <p:cNvPr id="242" name="Shape 242"/>
         <p:cNvGrpSpPr/>
         <p:nvPr/>
       </p:nvGrpSpPr>
@@ -9249,7 +9537,7 @@
       </p:grpSpPr>
       <p:sp>
         <p:nvSpPr>
-          <p:cNvPr id="249" name="Shape 249"/>
+          <p:cNvPr id="243" name="Shape 243"/>
           <p:cNvSpPr txBox="1"/>
           <p:nvPr>
             <p:ph type="title"/>
@@ -9285,7 +9573,7 @@
       </p:sp>
       <p:sp>
         <p:nvSpPr>
-          <p:cNvPr id="250" name="Shape 250"/>
+          <p:cNvPr id="244" name="Shape 244"/>
           <p:cNvSpPr txBox="1"/>
           <p:nvPr>
             <p:ph idx="1" type="subTitle"/>
@@ -9321,7 +9609,7 @@
       </p:sp>
       <p:pic>
         <p:nvPicPr>
-          <p:cNvPr descr="rendering-superphy.png" id="251" name="Shape 251"/>
+          <p:cNvPr descr="react-logo.png" id="245" name="Shape 245"/>
           <p:cNvPicPr preferRelativeResize="0"/>
           <p:nvPr/>
         </p:nvPicPr>
@@ -9335,8 +9623,8 @@
         </p:blipFill>
         <p:spPr>
           <a:xfrm>
-            <a:off x="4188275" y="625900"/>
-            <a:ext cx="3623073" cy="1897351"/>
+            <a:off x="1297500" y="2123050"/>
+            <a:ext cx="1286975" cy="1286975"/>
           </a:xfrm>
           <a:prstGeom prst="rect">
             <a:avLst/>
@@ -9347,190 +9635,9 @@
           </a:ln>
         </p:spPr>
       </p:pic>
-      <p:pic>
-        <p:nvPicPr>
-          <p:cNvPr descr="rendering-spfy.png" id="252" name="Shape 252"/>
-          <p:cNvPicPr preferRelativeResize="0"/>
-          <p:nvPr/>
-        </p:nvPicPr>
-        <p:blipFill>
-          <a:blip r:embed="rId4">
-            <a:alphaModFix/>
-          </a:blip>
-          <a:stretch>
-            <a:fillRect/>
-          </a:stretch>
-        </p:blipFill>
-        <p:spPr>
-          <a:xfrm>
-            <a:off x="4188275" y="2622124"/>
-            <a:ext cx="3623073" cy="1895470"/>
-          </a:xfrm>
-          <a:prstGeom prst="rect">
-            <a:avLst/>
-          </a:prstGeom>
-          <a:noFill/>
-          <a:ln>
-            <a:noFill/>
-          </a:ln>
-        </p:spPr>
-      </p:pic>
-      <p:pic>
-        <p:nvPicPr>
-          <p:cNvPr descr="react-logo.png" id="253" name="Shape 253"/>
-          <p:cNvPicPr preferRelativeResize="0"/>
-          <p:nvPr/>
-        </p:nvPicPr>
-        <p:blipFill>
-          <a:blip r:embed="rId5">
-            <a:alphaModFix/>
-          </a:blip>
-          <a:stretch>
-            <a:fillRect/>
-          </a:stretch>
-        </p:blipFill>
-        <p:spPr>
-          <a:xfrm>
-            <a:off x="1297500" y="2123050"/>
-            <a:ext cx="1286975" cy="1286975"/>
-          </a:xfrm>
-          <a:prstGeom prst="rect">
-            <a:avLst/>
-          </a:prstGeom>
-          <a:noFill/>
-          <a:ln>
-            <a:noFill/>
-          </a:ln>
-        </p:spPr>
-      </p:pic>
-    </p:spTree>
-  </p:cSld>
-  <p:clrMapOvr>
-    <a:masterClrMapping/>
-  </p:clrMapOvr>
-</p:sld>
-</file>
-
-<file path=ppt/slides/slide11.xml><?xml version="1.0" encoding="utf-8"?>
-<p:sld xmlns:a="http://schemas.openxmlformats.org/drawingml/2006/main" xmlns:r="http://schemas.openxmlformats.org/officeDocument/2006/relationships" xmlns:mc="http://schemas.openxmlformats.org/markup-compatibility/2006" xmlns:mv="urn:schemas-microsoft-com:mac:vml" xmlns:p="http://schemas.openxmlformats.org/presentationml/2006/main" xmlns:c="http://schemas.openxmlformats.org/drawingml/2006/chart" xmlns:dgm="http://schemas.openxmlformats.org/drawingml/2006/diagram" xmlns:o="urn:schemas-microsoft-com:office:office" xmlns:v="urn:schemas-microsoft-com:vml" xmlns:pvml="urn:schemas-microsoft-com:office:powerpoint" xmlns:com="http://schemas.openxmlformats.org/drawingml/2006/compatibility" xmlns:p14="http://schemas.microsoft.com/office/powerpoint/2010/main" xmlns:p15="http://schemas.microsoft.com/office/powerpoint/2012/main">
-  <p:cSld>
-    <p:spTree>
-      <p:nvGrpSpPr>
-        <p:cNvPr id="257" name="Shape 257"/>
-        <p:cNvGrpSpPr/>
-        <p:nvPr/>
-      </p:nvGrpSpPr>
-      <p:grpSpPr>
-        <a:xfrm>
-          <a:off x="0" y="0"/>
-          <a:ext cx="0" cy="0"/>
-          <a:chOff x="0" y="0"/>
-          <a:chExt cx="0" cy="0"/>
-        </a:xfrm>
-      </p:grpSpPr>
-      <p:sp>
-        <p:nvSpPr>
-          <p:cNvPr id="258" name="Shape 258"/>
-          <p:cNvSpPr txBox="1"/>
-          <p:nvPr>
-            <p:ph type="title"/>
-          </p:nvPr>
-        </p:nvSpPr>
-        <p:spPr>
-          <a:xfrm>
-            <a:off x="1297500" y="1658325"/>
-            <a:ext cx="1579800" cy="1751700"/>
-          </a:xfrm>
-          <a:prstGeom prst="rect">
-            <a:avLst/>
-          </a:prstGeom>
-        </p:spPr>
-        <p:txBody>
-          <a:bodyPr anchorCtr="0" anchor="t" bIns="91425" lIns="91425" rIns="91425" tIns="91425">
-            <a:noAutofit/>
-          </a:bodyPr>
-          <a:lstStyle/>
-          <a:p>
-            <a:pPr lvl="0" rtl="0">
-              <a:spcBef>
-                <a:spcPts val="0"/>
-              </a:spcBef>
-              <a:buNone/>
-            </a:pPr>
-            <a:r>
-              <a:rPr lang="en"/>
-              <a:t>Solution</a:t>
-            </a:r>
-          </a:p>
-        </p:txBody>
-      </p:sp>
-      <p:sp>
-        <p:nvSpPr>
-          <p:cNvPr id="259" name="Shape 259"/>
-          <p:cNvSpPr txBox="1"/>
-          <p:nvPr>
-            <p:ph idx="1" type="subTitle"/>
-          </p:nvPr>
-        </p:nvSpPr>
-        <p:spPr>
-          <a:xfrm>
-            <a:off x="1297500" y="3538000"/>
-            <a:ext cx="1362300" cy="506100"/>
-          </a:xfrm>
-          <a:prstGeom prst="rect">
-            <a:avLst/>
-          </a:prstGeom>
-        </p:spPr>
-        <p:txBody>
-          <a:bodyPr anchorCtr="0" anchor="t" bIns="91425" lIns="91425" rIns="91425" tIns="91425">
-            <a:noAutofit/>
-          </a:bodyPr>
-          <a:lstStyle/>
-          <a:p>
-            <a:pPr lvl="0" rtl="0">
-              <a:spcBef>
-                <a:spcPts val="0"/>
-              </a:spcBef>
-              <a:buNone/>
-            </a:pPr>
-            <a:r>
-              <a:rPr lang="en"/>
-              <a:t>Speed: ReactJS</a:t>
-            </a:r>
-          </a:p>
-        </p:txBody>
-      </p:sp>
-      <p:pic>
-        <p:nvPicPr>
-          <p:cNvPr descr="react-logo.png" id="260" name="Shape 260"/>
-          <p:cNvPicPr preferRelativeResize="0"/>
-          <p:nvPr/>
-        </p:nvPicPr>
-        <p:blipFill>
-          <a:blip r:embed="rId3">
-            <a:alphaModFix/>
-          </a:blip>
-          <a:stretch>
-            <a:fillRect/>
-          </a:stretch>
-        </p:blipFill>
-        <p:spPr>
-          <a:xfrm>
-            <a:off x="1297500" y="2123050"/>
-            <a:ext cx="1286975" cy="1286975"/>
-          </a:xfrm>
-          <a:prstGeom prst="rect">
-            <a:avLst/>
-          </a:prstGeom>
-          <a:noFill/>
-          <a:ln>
-            <a:noFill/>
-          </a:ln>
-        </p:spPr>
-      </p:pic>
       <p:grpSp>
         <p:nvGrpSpPr>
-          <p:cNvPr id="261" name="Shape 261"/>
+          <p:cNvPr id="246" name="Shape 246"/>
           <p:cNvGrpSpPr/>
           <p:nvPr/>
         </p:nvGrpSpPr>
@@ -9544,7 +9651,7 @@
         </p:grpSpPr>
         <p:sp>
           <p:nvSpPr>
-            <p:cNvPr id="262" name="Shape 262"/>
+            <p:cNvPr id="247" name="Shape 247"/>
             <p:cNvSpPr/>
             <p:nvPr/>
           </p:nvSpPr>
@@ -9604,7 +9711,7 @@
         </p:sp>
         <p:sp>
           <p:nvSpPr>
-            <p:cNvPr id="263" name="Shape 263"/>
+            <p:cNvPr id="248" name="Shape 248"/>
             <p:cNvSpPr txBox="1"/>
             <p:nvPr/>
           </p:nvSpPr>
@@ -9662,7 +9769,7 @@
       </p:grpSp>
       <p:sp>
         <p:nvSpPr>
-          <p:cNvPr id="264" name="Shape 264"/>
+          <p:cNvPr id="249" name="Shape 249"/>
           <p:cNvSpPr/>
           <p:nvPr/>
         </p:nvSpPr>
@@ -9722,7 +9829,7 @@
       </p:sp>
       <p:grpSp>
         <p:nvGrpSpPr>
-          <p:cNvPr id="265" name="Shape 265"/>
+          <p:cNvPr id="250" name="Shape 250"/>
           <p:cNvGrpSpPr/>
           <p:nvPr/>
         </p:nvGrpSpPr>
@@ -9736,7 +9843,7 @@
         </p:grpSpPr>
         <p:sp>
           <p:nvSpPr>
-            <p:cNvPr id="266" name="Shape 266"/>
+            <p:cNvPr id="251" name="Shape 251"/>
             <p:cNvSpPr/>
             <p:nvPr/>
           </p:nvSpPr>
@@ -9803,7 +9910,7 @@
         </p:sp>
         <p:pic>
           <p:nvPicPr>
-            <p:cNvPr id="267" name="Shape 267"/>
+            <p:cNvPr id="252" name="Shape 252"/>
             <p:cNvPicPr preferRelativeResize="0"/>
             <p:nvPr/>
           </p:nvPicPr>
@@ -9831,7 +9938,7 @@
       </p:grpSp>
       <p:sp>
         <p:nvSpPr>
-          <p:cNvPr id="268" name="Shape 268"/>
+          <p:cNvPr id="253" name="Shape 253"/>
           <p:cNvSpPr/>
           <p:nvPr/>
         </p:nvSpPr>
@@ -9927,7 +10034,7 @@
       </p:sp>
       <p:sp>
         <p:nvSpPr>
-          <p:cNvPr id="269" name="Shape 269"/>
+          <p:cNvPr id="254" name="Shape 254"/>
           <p:cNvSpPr txBox="1"/>
           <p:nvPr/>
         </p:nvSpPr>
@@ -10014,7 +10121,7 @@
       </p:sp>
       <p:sp>
         <p:nvSpPr>
-          <p:cNvPr id="270" name="Shape 270"/>
+          <p:cNvPr id="255" name="Shape 255"/>
           <p:cNvSpPr/>
           <p:nvPr/>
         </p:nvSpPr>
@@ -10074,7 +10181,7 @@
       </p:sp>
       <p:sp>
         <p:nvSpPr>
-          <p:cNvPr id="271" name="Shape 271"/>
+          <p:cNvPr id="256" name="Shape 256"/>
           <p:cNvSpPr/>
           <p:nvPr/>
         </p:nvSpPr>
@@ -10170,7 +10277,7 @@
       </p:sp>
       <p:sp>
         <p:nvSpPr>
-          <p:cNvPr id="272" name="Shape 272"/>
+          <p:cNvPr id="257" name="Shape 257"/>
           <p:cNvSpPr txBox="1"/>
           <p:nvPr/>
         </p:nvSpPr>
@@ -10227,10 +10334,10 @@
       </p:sp>
       <p:cxnSp>
         <p:nvCxnSpPr>
-          <p:cNvPr id="273" name="Shape 273"/>
+          <p:cNvPr id="258" name="Shape 258"/>
           <p:cNvCxnSpPr>
-            <a:stCxn id="262" idx="3"/>
-            <a:endCxn id="264" idx="1"/>
+            <a:stCxn id="247" idx="3"/>
+            <a:endCxn id="249" idx="1"/>
           </p:cNvCxnSpPr>
           <p:nvPr/>
         </p:nvCxnSpPr>
@@ -10258,10 +10365,10 @@
       </p:cxnSp>
       <p:cxnSp>
         <p:nvCxnSpPr>
-          <p:cNvPr id="274" name="Shape 274"/>
+          <p:cNvPr id="259" name="Shape 259"/>
           <p:cNvCxnSpPr>
-            <a:stCxn id="264" idx="3"/>
-            <a:endCxn id="271" idx="2"/>
+            <a:stCxn id="249" idx="3"/>
+            <a:endCxn id="256" idx="2"/>
           </p:cNvCxnSpPr>
           <p:nvPr/>
         </p:nvCxnSpPr>
@@ -10287,7 +10394,7 @@
       </p:cxnSp>
       <p:sp>
         <p:nvSpPr>
-          <p:cNvPr id="275" name="Shape 275"/>
+          <p:cNvPr id="260" name="Shape 260"/>
           <p:cNvSpPr/>
           <p:nvPr/>
         </p:nvSpPr>
@@ -10354,7 +10461,7 @@
       </p:sp>
       <p:sp>
         <p:nvSpPr>
-          <p:cNvPr id="276" name="Shape 276"/>
+          <p:cNvPr id="261" name="Shape 261"/>
           <p:cNvSpPr/>
           <p:nvPr/>
         </p:nvSpPr>
@@ -10453,7 +10560,7 @@
       </p:sp>
       <p:pic>
         <p:nvPicPr>
-          <p:cNvPr id="277" name="Shape 277"/>
+          <p:cNvPr id="262" name="Shape 262"/>
           <p:cNvPicPr preferRelativeResize="0"/>
           <p:nvPr/>
         </p:nvPicPr>
@@ -10480,9 +10587,9 @@
       </p:pic>
       <p:cxnSp>
         <p:nvCxnSpPr>
-          <p:cNvPr id="278" name="Shape 278"/>
+          <p:cNvPr id="263" name="Shape 263"/>
           <p:cNvCxnSpPr>
-            <a:endCxn id="276" idx="1"/>
+            <a:endCxn id="261" idx="1"/>
           </p:cNvCxnSpPr>
           <p:nvPr/>
         </p:nvCxnSpPr>
@@ -10508,7 +10615,7 @@
       </p:cxnSp>
       <p:pic>
         <p:nvPicPr>
-          <p:cNvPr id="279" name="Shape 279"/>
+          <p:cNvPr id="264" name="Shape 264"/>
           <p:cNvPicPr preferRelativeResize="0"/>
           <p:nvPr/>
         </p:nvPicPr>
@@ -10535,7 +10642,7 @@
       </p:pic>
       <p:pic>
         <p:nvPicPr>
-          <p:cNvPr id="280" name="Shape 280"/>
+          <p:cNvPr id="265" name="Shape 265"/>
           <p:cNvPicPr preferRelativeResize="0"/>
           <p:nvPr/>
         </p:nvPicPr>
@@ -10562,7 +10669,7 @@
       </p:pic>
       <p:sp>
         <p:nvSpPr>
-          <p:cNvPr id="281" name="Shape 281"/>
+          <p:cNvPr id="266" name="Shape 266"/>
           <p:cNvSpPr txBox="1"/>
           <p:nvPr>
             <p:ph idx="2" type="body"/>
@@ -10592,6 +10699,193 @@
             <a:r>
               <a:rPr lang="en"/>
               <a:t>Docker</a:t>
+            </a:r>
+          </a:p>
+        </p:txBody>
+      </p:sp>
+    </p:spTree>
+  </p:cSld>
+  <p:clrMapOvr>
+    <a:masterClrMapping/>
+  </p:clrMapOvr>
+</p:sld>
+</file>
+
+<file path=ppt/slides/slide11.xml><?xml version="1.0" encoding="utf-8"?>
+<p:sld xmlns:a="http://schemas.openxmlformats.org/drawingml/2006/main" xmlns:r="http://schemas.openxmlformats.org/officeDocument/2006/relationships" xmlns:mc="http://schemas.openxmlformats.org/markup-compatibility/2006" xmlns:mv="urn:schemas-microsoft-com:mac:vml" xmlns:p="http://schemas.openxmlformats.org/presentationml/2006/main" xmlns:c="http://schemas.openxmlformats.org/drawingml/2006/chart" xmlns:dgm="http://schemas.openxmlformats.org/drawingml/2006/diagram" xmlns:o="urn:schemas-microsoft-com:office:office" xmlns:v="urn:schemas-microsoft-com:vml" xmlns:pvml="urn:schemas-microsoft-com:office:powerpoint" xmlns:com="http://schemas.openxmlformats.org/drawingml/2006/compatibility" xmlns:p14="http://schemas.microsoft.com/office/powerpoint/2010/main" xmlns:p15="http://schemas.microsoft.com/office/powerpoint/2012/main">
+  <p:cSld>
+    <p:spTree>
+      <p:nvGrpSpPr>
+        <p:cNvPr id="270" name="Shape 270"/>
+        <p:cNvGrpSpPr/>
+        <p:nvPr/>
+      </p:nvGrpSpPr>
+      <p:grpSpPr>
+        <a:xfrm>
+          <a:off x="0" y="0"/>
+          <a:ext cx="0" cy="0"/>
+          <a:chOff x="0" y="0"/>
+          <a:chExt cx="0" cy="0"/>
+        </a:xfrm>
+      </p:grpSpPr>
+      <p:sp>
+        <p:nvSpPr>
+          <p:cNvPr id="271" name="Shape 271"/>
+          <p:cNvSpPr txBox="1"/>
+          <p:nvPr>
+            <p:ph type="title"/>
+          </p:nvPr>
+        </p:nvSpPr>
+        <p:spPr>
+          <a:xfrm>
+            <a:off x="1297500" y="393750"/>
+            <a:ext cx="7038900" cy="914100"/>
+          </a:xfrm>
+          <a:prstGeom prst="rect">
+            <a:avLst/>
+          </a:prstGeom>
+        </p:spPr>
+        <p:txBody>
+          <a:bodyPr anchorCtr="0" anchor="t" bIns="91425" lIns="91425" rIns="91425" tIns="91425">
+            <a:noAutofit/>
+          </a:bodyPr>
+          <a:lstStyle/>
+          <a:p>
+            <a:pPr lvl="0" rtl="0">
+              <a:spcBef>
+                <a:spcPts val="0"/>
+              </a:spcBef>
+              <a:buNone/>
+            </a:pPr>
+            <a:r>
+              <a:rPr lang="en"/>
+              <a:t>Challenges deep-dive</a:t>
+            </a:r>
+          </a:p>
+        </p:txBody>
+      </p:sp>
+      <p:sp>
+        <p:nvSpPr>
+          <p:cNvPr id="272" name="Shape 272"/>
+          <p:cNvSpPr txBox="1"/>
+          <p:nvPr>
+            <p:ph idx="1" type="body"/>
+          </p:nvPr>
+        </p:nvSpPr>
+        <p:spPr>
+          <a:xfrm>
+            <a:off x="1297500" y="1567550"/>
+            <a:ext cx="3403200" cy="2911200"/>
+          </a:xfrm>
+          <a:prstGeom prst="rect">
+            <a:avLst/>
+          </a:prstGeom>
+        </p:spPr>
+        <p:txBody>
+          <a:bodyPr anchorCtr="0" anchor="t" bIns="91425" lIns="91425" rIns="91425" tIns="91425">
+            <a:noAutofit/>
+          </a:bodyPr>
+          <a:lstStyle/>
+          <a:p>
+            <a:pPr lvl="0" rtl="0">
+              <a:spcBef>
+                <a:spcPts val="0"/>
+              </a:spcBef>
+              <a:buNone/>
+            </a:pPr>
+            <a:r>
+              <a:rPr lang="en" sz="1600"/>
+              <a:t>Goal: Simplicity</a:t>
+            </a:r>
+          </a:p>
+          <a:p>
+            <a:pPr indent="-330200" lvl="0" marL="457200" rtl="0">
+              <a:spcBef>
+                <a:spcPts val="0"/>
+              </a:spcBef>
+              <a:buSzPct val="100000"/>
+            </a:pPr>
+            <a:r>
+              <a:rPr lang="en" sz="1600"/>
+              <a:t>Easier to upload genomes and get results</a:t>
+            </a:r>
+          </a:p>
+          <a:p>
+            <a:pPr indent="-330200" lvl="0" marL="457200" rtl="0">
+              <a:spcBef>
+                <a:spcPts val="0"/>
+              </a:spcBef>
+              <a:buSzPct val="100000"/>
+            </a:pPr>
+            <a:r>
+              <a:rPr lang="en" sz="1600"/>
+              <a:t>Intuitive navigation of the website</a:t>
+            </a:r>
+          </a:p>
+        </p:txBody>
+      </p:sp>
+      <p:sp>
+        <p:nvSpPr>
+          <p:cNvPr id="273" name="Shape 273"/>
+          <p:cNvSpPr txBox="1"/>
+          <p:nvPr>
+            <p:ph idx="2" type="body"/>
+          </p:nvPr>
+        </p:nvSpPr>
+        <p:spPr>
+          <a:xfrm>
+            <a:off x="4933221" y="1567550"/>
+            <a:ext cx="3403200" cy="2911200"/>
+          </a:xfrm>
+          <a:prstGeom prst="rect">
+            <a:avLst/>
+          </a:prstGeom>
+        </p:spPr>
+        <p:txBody>
+          <a:bodyPr anchorCtr="0" anchor="t" bIns="91425" lIns="91425" rIns="91425" tIns="91425">
+            <a:noAutofit/>
+          </a:bodyPr>
+          <a:lstStyle/>
+          <a:p>
+            <a:pPr lvl="0" rtl="0">
+              <a:spcBef>
+                <a:spcPts val="0"/>
+              </a:spcBef>
+              <a:buNone/>
+            </a:pPr>
+            <a:r>
+              <a:rPr lang="en" sz="1600"/>
+              <a:t>Solution: Familiar Design</a:t>
+            </a:r>
+          </a:p>
+          <a:p>
+            <a:pPr indent="-330200" lvl="0" marL="457200" rtl="0">
+              <a:spcBef>
+                <a:spcPts val="0"/>
+              </a:spcBef>
+              <a:spcAft>
+                <a:spcPts val="800"/>
+              </a:spcAft>
+              <a:buSzPct val="100000"/>
+            </a:pPr>
+            <a:r>
+              <a:rPr lang="en" sz="1600"/>
+              <a:t>One click results</a:t>
+            </a:r>
+          </a:p>
+          <a:p>
+            <a:pPr indent="-330200" lvl="0" marL="457200" rtl="0">
+              <a:spcBef>
+                <a:spcPts val="0"/>
+              </a:spcBef>
+              <a:spcAft>
+                <a:spcPts val="800"/>
+              </a:spcAft>
+              <a:buSzPct val="100000"/>
+            </a:pPr>
+            <a:r>
+              <a:rPr lang="en" sz="1600"/>
+              <a:t>Material design (Google)</a:t>
             </a:r>
           </a:p>
         </p:txBody>
@@ -10609,7 +10903,7 @@
   <p:cSld>
     <p:spTree>
       <p:nvGrpSpPr>
-        <p:cNvPr id="285" name="Shape 285"/>
+        <p:cNvPr id="277" name="Shape 277"/>
         <p:cNvGrpSpPr/>
         <p:nvPr/>
       </p:nvGrpSpPr>
@@ -10623,7 +10917,7 @@
       </p:grpSpPr>
       <p:sp>
         <p:nvSpPr>
-          <p:cNvPr id="286" name="Shape 286"/>
+          <p:cNvPr id="278" name="Shape 278"/>
           <p:cNvSpPr txBox="1"/>
           <p:nvPr>
             <p:ph type="title"/>
@@ -10659,7 +10953,7 @@
       </p:sp>
       <p:sp>
         <p:nvSpPr>
-          <p:cNvPr id="287" name="Shape 287"/>
+          <p:cNvPr id="279" name="Shape 279"/>
           <p:cNvSpPr txBox="1"/>
           <p:nvPr>
             <p:ph idx="1" type="subTitle"/>
@@ -10695,7 +10989,7 @@
       </p:sp>
       <p:pic>
         <p:nvPicPr>
-          <p:cNvPr descr="oneclick.png" id="288" name="Shape 288"/>
+          <p:cNvPr descr="oneclick.png" id="280" name="Shape 280"/>
           <p:cNvPicPr preferRelativeResize="0"/>
           <p:nvPr/>
         </p:nvPicPr>
@@ -10734,7 +11028,7 @@
   <p:cSld>
     <p:spTree>
       <p:nvGrpSpPr>
-        <p:cNvPr id="292" name="Shape 292"/>
+        <p:cNvPr id="284" name="Shape 284"/>
         <p:cNvGrpSpPr/>
         <p:nvPr/>
       </p:nvGrpSpPr>
@@ -10748,7 +11042,7 @@
       </p:grpSpPr>
       <p:sp>
         <p:nvSpPr>
-          <p:cNvPr id="293" name="Shape 293"/>
+          <p:cNvPr id="285" name="Shape 285"/>
           <p:cNvSpPr txBox="1"/>
           <p:nvPr>
             <p:ph type="title"/>
@@ -10784,7 +11078,7 @@
       </p:sp>
       <p:sp>
         <p:nvSpPr>
-          <p:cNvPr id="294" name="Shape 294"/>
+          <p:cNvPr id="286" name="Shape 286"/>
           <p:cNvSpPr txBox="1"/>
           <p:nvPr>
             <p:ph idx="1" type="body"/>
@@ -10820,7 +11114,7 @@
       </p:sp>
       <p:pic>
         <p:nvPicPr>
-          <p:cNvPr descr="spfy-results.png" id="295" name="Shape 295"/>
+          <p:cNvPr descr="spfy-results.png" id="287" name="Shape 287"/>
           <p:cNvPicPr preferRelativeResize="0"/>
           <p:nvPr/>
         </p:nvPicPr>
@@ -10855,6 +11149,167 @@
 </file>
 
 <file path=ppt/slides/slide14.xml><?xml version="1.0" encoding="utf-8"?>
+<p:sld xmlns:a="http://schemas.openxmlformats.org/drawingml/2006/main" xmlns:r="http://schemas.openxmlformats.org/officeDocument/2006/relationships" xmlns:mc="http://schemas.openxmlformats.org/markup-compatibility/2006" xmlns:mv="urn:schemas-microsoft-com:mac:vml" xmlns:p="http://schemas.openxmlformats.org/presentationml/2006/main" xmlns:c="http://schemas.openxmlformats.org/drawingml/2006/chart" xmlns:dgm="http://schemas.openxmlformats.org/drawingml/2006/diagram" xmlns:o="urn:schemas-microsoft-com:office:office" xmlns:v="urn:schemas-microsoft-com:vml" xmlns:pvml="urn:schemas-microsoft-com:office:powerpoint" xmlns:com="http://schemas.openxmlformats.org/drawingml/2006/compatibility" xmlns:p14="http://schemas.microsoft.com/office/powerpoint/2010/main" xmlns:p15="http://schemas.microsoft.com/office/powerpoint/2012/main">
+  <p:cSld>
+    <p:spTree>
+      <p:nvGrpSpPr>
+        <p:cNvPr id="291" name="Shape 291"/>
+        <p:cNvGrpSpPr/>
+        <p:nvPr/>
+      </p:nvGrpSpPr>
+      <p:grpSpPr>
+        <a:xfrm>
+          <a:off x="0" y="0"/>
+          <a:ext cx="0" cy="0"/>
+          <a:chOff x="0" y="0"/>
+          <a:chExt cx="0" cy="0"/>
+        </a:xfrm>
+      </p:grpSpPr>
+      <p:sp>
+        <p:nvSpPr>
+          <p:cNvPr id="292" name="Shape 292"/>
+          <p:cNvSpPr txBox="1"/>
+          <p:nvPr>
+            <p:ph type="title"/>
+          </p:nvPr>
+        </p:nvSpPr>
+        <p:spPr>
+          <a:xfrm>
+            <a:off x="1297500" y="1658325"/>
+            <a:ext cx="1974600" cy="1751700"/>
+          </a:xfrm>
+          <a:prstGeom prst="rect">
+            <a:avLst/>
+          </a:prstGeom>
+        </p:spPr>
+        <p:txBody>
+          <a:bodyPr anchorCtr="0" anchor="t" bIns="91425" lIns="91425" rIns="91425" tIns="91425">
+            <a:noAutofit/>
+          </a:bodyPr>
+          <a:lstStyle/>
+          <a:p>
+            <a:pPr lvl="0" rtl="0">
+              <a:spcBef>
+                <a:spcPts val="0"/>
+              </a:spcBef>
+              <a:buNone/>
+            </a:pPr>
+            <a:r>
+              <a:rPr lang="en"/>
+              <a:t>Solution</a:t>
+            </a:r>
+          </a:p>
+        </p:txBody>
+      </p:sp>
+      <p:sp>
+        <p:nvSpPr>
+          <p:cNvPr id="293" name="Shape 293"/>
+          <p:cNvSpPr txBox="1"/>
+          <p:nvPr>
+            <p:ph idx="1" type="subTitle"/>
+          </p:nvPr>
+        </p:nvSpPr>
+        <p:spPr>
+          <a:xfrm>
+            <a:off x="1297500" y="3538000"/>
+            <a:ext cx="2170200" cy="506100"/>
+          </a:xfrm>
+          <a:prstGeom prst="rect">
+            <a:avLst/>
+          </a:prstGeom>
+        </p:spPr>
+        <p:txBody>
+          <a:bodyPr anchorCtr="0" anchor="t" bIns="91425" lIns="91425" rIns="91425" tIns="91425">
+            <a:noAutofit/>
+          </a:bodyPr>
+          <a:lstStyle/>
+          <a:p>
+            <a:pPr lvl="0" rtl="0">
+              <a:spcBef>
+                <a:spcPts val="0"/>
+              </a:spcBef>
+              <a:buNone/>
+            </a:pPr>
+            <a:r>
+              <a:rPr lang="en"/>
+              <a:t>Simplicity: material design</a:t>
+            </a:r>
+          </a:p>
+        </p:txBody>
+      </p:sp>
+      <p:pic>
+        <p:nvPicPr>
+          <p:cNvPr descr="screen-results_list.png" id="294" name="Shape 294"/>
+          <p:cNvPicPr preferRelativeResize="0"/>
+          <p:nvPr/>
+        </p:nvPicPr>
+        <p:blipFill>
+          <a:blip r:embed="rId3">
+            <a:alphaModFix/>
+          </a:blip>
+          <a:stretch>
+            <a:fillRect/>
+          </a:stretch>
+        </p:blipFill>
+        <p:spPr>
+          <a:xfrm>
+            <a:off x="3467700" y="1265673"/>
+            <a:ext cx="5091326" cy="2612149"/>
+          </a:xfrm>
+          <a:prstGeom prst="rect">
+            <a:avLst/>
+          </a:prstGeom>
+          <a:noFill/>
+          <a:ln>
+            <a:noFill/>
+          </a:ln>
+        </p:spPr>
+      </p:pic>
+      <p:sp>
+        <p:nvSpPr>
+          <p:cNvPr id="295" name="Shape 295"/>
+          <p:cNvSpPr txBox="1"/>
+          <p:nvPr>
+            <p:ph idx="2" type="body"/>
+          </p:nvPr>
+        </p:nvSpPr>
+        <p:spPr>
+          <a:xfrm>
+            <a:off x="1104000" y="4302900"/>
+            <a:ext cx="6936000" cy="523800"/>
+          </a:xfrm>
+          <a:prstGeom prst="rect">
+            <a:avLst/>
+          </a:prstGeom>
+        </p:spPr>
+        <p:txBody>
+          <a:bodyPr anchorCtr="0" anchor="t" bIns="91425" lIns="91425" rIns="91425" tIns="91425">
+            <a:noAutofit/>
+          </a:bodyPr>
+          <a:lstStyle/>
+          <a:p>
+            <a:pPr lvl="0" rtl="0" algn="ctr">
+              <a:spcBef>
+                <a:spcPts val="0"/>
+              </a:spcBef>
+              <a:buNone/>
+            </a:pPr>
+            <a:r>
+              <a:rPr lang="en"/>
+              <a:t>Card Based</a:t>
+            </a:r>
+          </a:p>
+        </p:txBody>
+      </p:sp>
+    </p:spTree>
+  </p:cSld>
+  <p:clrMapOvr>
+    <a:masterClrMapping/>
+  </p:clrMapOvr>
+</p:sld>
+</file>
+
+<file path=ppt/slides/slide15.xml><?xml version="1.0" encoding="utf-8"?>
 <p:sld xmlns:a="http://schemas.openxmlformats.org/drawingml/2006/main" xmlns:r="http://schemas.openxmlformats.org/officeDocument/2006/relationships" xmlns:mc="http://schemas.openxmlformats.org/markup-compatibility/2006" xmlns:mv="urn:schemas-microsoft-com:mac:vml" xmlns:p="http://schemas.openxmlformats.org/presentationml/2006/main" xmlns:c="http://schemas.openxmlformats.org/drawingml/2006/chart" xmlns:dgm="http://schemas.openxmlformats.org/drawingml/2006/diagram" xmlns:o="urn:schemas-microsoft-com:office:office" xmlns:v="urn:schemas-microsoft-com:vml" xmlns:pvml="urn:schemas-microsoft-com:office:powerpoint" xmlns:com="http://schemas.openxmlformats.org/drawingml/2006/compatibility" xmlns:p14="http://schemas.microsoft.com/office/powerpoint/2010/main" xmlns:p15="http://schemas.microsoft.com/office/powerpoint/2012/main">
   <p:cSld>
     <p:spTree>
@@ -10881,8 +11336,8 @@
         </p:nvSpPr>
         <p:spPr>
           <a:xfrm>
-            <a:off x="1297500" y="1658325"/>
-            <a:ext cx="1974600" cy="1751700"/>
+            <a:off x="1297500" y="393750"/>
+            <a:ext cx="7038900" cy="914100"/>
           </a:xfrm>
           <a:prstGeom prst="rect">
             <a:avLst/>
@@ -10902,7 +11357,7 @@
             </a:pPr>
             <a:r>
               <a:rPr lang="en"/>
-              <a:t>Solution</a:t>
+              <a:t>Challenges deep-dive</a:t>
             </a:r>
           </a:p>
         </p:txBody>
@@ -10912,13 +11367,13 @@
           <p:cNvPr id="301" name="Shape 301"/>
           <p:cNvSpPr txBox="1"/>
           <p:nvPr>
-            <p:ph idx="1" type="subTitle"/>
+            <p:ph idx="1" type="body"/>
           </p:nvPr>
         </p:nvSpPr>
         <p:spPr>
           <a:xfrm>
-            <a:off x="1297500" y="3538000"/>
-            <a:ext cx="2170200" cy="506100"/>
+            <a:off x="1297500" y="1567550"/>
+            <a:ext cx="3403200" cy="2911200"/>
           </a:xfrm>
           <a:prstGeom prst="rect">
             <a:avLst/>
@@ -10937,43 +11392,43 @@
               <a:buNone/>
             </a:pPr>
             <a:r>
-              <a:rPr lang="en"/>
-              <a:t>Simplicity: material design</a:t>
+              <a:rPr lang="en" sz="1600"/>
+              <a:t>Goal: </a:t>
+            </a:r>
+            <a:r>
+              <a:rPr lang="en" sz="1600"/>
+              <a:t>Scalability</a:t>
+            </a:r>
+          </a:p>
+          <a:p>
+            <a:pPr indent="-330200" lvl="0" marL="457200" rtl="0">
+              <a:spcBef>
+                <a:spcPts val="0"/>
+              </a:spcBef>
+              <a:buSzPct val="100000"/>
+            </a:pPr>
+            <a:r>
+              <a:rPr lang="en" sz="1600"/>
+              <a:t>Quickly integrate new analyses &amp; results</a:t>
+            </a:r>
+          </a:p>
+          <a:p>
+            <a:pPr indent="-330200" lvl="0" marL="457200" rtl="0">
+              <a:spcBef>
+                <a:spcPts val="0"/>
+              </a:spcBef>
+              <a:buSzPct val="100000"/>
+            </a:pPr>
+            <a:r>
+              <a:rPr lang="en" sz="1600"/>
+              <a:t>Ability to perform group comparisons across thousands of genomes</a:t>
             </a:r>
           </a:p>
         </p:txBody>
       </p:sp>
-      <p:pic>
-        <p:nvPicPr>
-          <p:cNvPr descr="screen-results_list.png" id="302" name="Shape 302"/>
-          <p:cNvPicPr preferRelativeResize="0"/>
-          <p:nvPr/>
-        </p:nvPicPr>
-        <p:blipFill>
-          <a:blip r:embed="rId3">
-            <a:alphaModFix/>
-          </a:blip>
-          <a:stretch>
-            <a:fillRect/>
-          </a:stretch>
-        </p:blipFill>
-        <p:spPr>
-          <a:xfrm>
-            <a:off x="3467700" y="1265673"/>
-            <a:ext cx="5091326" cy="2612149"/>
-          </a:xfrm>
-          <a:prstGeom prst="rect">
-            <a:avLst/>
-          </a:prstGeom>
-          <a:noFill/>
-          <a:ln>
-            <a:noFill/>
-          </a:ln>
-        </p:spPr>
-      </p:pic>
-      <p:sp>
-        <p:nvSpPr>
-          <p:cNvPr id="303" name="Shape 303"/>
+      <p:sp>
+        <p:nvSpPr>
+          <p:cNvPr id="302" name="Shape 302"/>
           <p:cNvSpPr txBox="1"/>
           <p:nvPr>
             <p:ph idx="2" type="body"/>
@@ -10981,8 +11436,8 @@
         </p:nvSpPr>
         <p:spPr>
           <a:xfrm>
-            <a:off x="1104000" y="4302900"/>
-            <a:ext cx="6936000" cy="523800"/>
+            <a:off x="4933221" y="1567550"/>
+            <a:ext cx="3403200" cy="2911200"/>
           </a:xfrm>
           <a:prstGeom prst="rect">
             <a:avLst/>
@@ -10994,208 +11449,46 @@
           </a:bodyPr>
           <a:lstStyle/>
           <a:p>
-            <a:pPr lvl="0" rtl="0" algn="ctr">
+            <a:pPr lvl="0" rtl="0">
               <a:spcBef>
                 <a:spcPts val="0"/>
               </a:spcBef>
               <a:buNone/>
             </a:pPr>
             <a:r>
-              <a:rPr lang="en"/>
-              <a:t>Card Based</a:t>
+              <a:rPr lang="en" sz="1600"/>
+              <a:t>Solution: Technology</a:t>
+            </a:r>
+          </a:p>
+          <a:p>
+            <a:pPr indent="-330200" lvl="0" marL="457200" rtl="0">
+              <a:spcBef>
+                <a:spcPts val="0"/>
+              </a:spcBef>
+              <a:buSzPct val="100000"/>
+            </a:pPr>
+            <a:r>
+              <a:rPr lang="en" sz="1600"/>
+              <a:t>Graph database</a:t>
+            </a:r>
+          </a:p>
+          <a:p>
+            <a:pPr indent="-330200" lvl="0" marL="457200" rtl="0">
+              <a:spcBef>
+                <a:spcPts val="0"/>
+              </a:spcBef>
+              <a:spcAft>
+                <a:spcPts val="800"/>
+              </a:spcAft>
+              <a:buSzPct val="100000"/>
+            </a:pPr>
+            <a:r>
+              <a:rPr lang="en" sz="1600"/>
+              <a:t>Pandas, SciPy</a:t>
             </a:r>
           </a:p>
         </p:txBody>
       </p:sp>
-    </p:spTree>
-  </p:cSld>
-  <p:clrMapOvr>
-    <a:masterClrMapping/>
-  </p:clrMapOvr>
-</p:sld>
-</file>
-
-<file path=ppt/slides/slide15.xml><?xml version="1.0" encoding="utf-8"?>
-<p:sld xmlns:a="http://schemas.openxmlformats.org/drawingml/2006/main" xmlns:r="http://schemas.openxmlformats.org/officeDocument/2006/relationships" xmlns:mc="http://schemas.openxmlformats.org/markup-compatibility/2006" xmlns:mv="urn:schemas-microsoft-com:mac:vml" xmlns:p="http://schemas.openxmlformats.org/presentationml/2006/main" xmlns:c="http://schemas.openxmlformats.org/drawingml/2006/chart" xmlns:dgm="http://schemas.openxmlformats.org/drawingml/2006/diagram" xmlns:o="urn:schemas-microsoft-com:office:office" xmlns:v="urn:schemas-microsoft-com:vml" xmlns:pvml="urn:schemas-microsoft-com:office:powerpoint" xmlns:com="http://schemas.openxmlformats.org/drawingml/2006/compatibility" xmlns:p14="http://schemas.microsoft.com/office/powerpoint/2010/main" xmlns:p15="http://schemas.microsoft.com/office/powerpoint/2012/main">
-  <p:cSld>
-    <p:spTree>
-      <p:nvGrpSpPr>
-        <p:cNvPr id="307" name="Shape 307"/>
-        <p:cNvGrpSpPr/>
-        <p:nvPr/>
-      </p:nvGrpSpPr>
-      <p:grpSpPr>
-        <a:xfrm>
-          <a:off x="0" y="0"/>
-          <a:ext cx="0" cy="0"/>
-          <a:chOff x="0" y="0"/>
-          <a:chExt cx="0" cy="0"/>
-        </a:xfrm>
-      </p:grpSpPr>
-      <p:sp>
-        <p:nvSpPr>
-          <p:cNvPr id="308" name="Shape 308"/>
-          <p:cNvSpPr txBox="1"/>
-          <p:nvPr>
-            <p:ph type="title"/>
-          </p:nvPr>
-        </p:nvSpPr>
-        <p:spPr>
-          <a:xfrm>
-            <a:off x="1297500" y="1658325"/>
-            <a:ext cx="1974600" cy="1751700"/>
-          </a:xfrm>
-          <a:prstGeom prst="rect">
-            <a:avLst/>
-          </a:prstGeom>
-        </p:spPr>
-        <p:txBody>
-          <a:bodyPr anchorCtr="0" anchor="t" bIns="91425" lIns="91425" rIns="91425" tIns="91425">
-            <a:noAutofit/>
-          </a:bodyPr>
-          <a:lstStyle/>
-          <a:p>
-            <a:pPr lvl="0" rtl="0">
-              <a:spcBef>
-                <a:spcPts val="0"/>
-              </a:spcBef>
-              <a:buNone/>
-            </a:pPr>
-            <a:r>
-              <a:rPr lang="en"/>
-              <a:t>Solution</a:t>
-            </a:r>
-          </a:p>
-        </p:txBody>
-      </p:sp>
-      <p:sp>
-        <p:nvSpPr>
-          <p:cNvPr id="309" name="Shape 309"/>
-          <p:cNvSpPr txBox="1"/>
-          <p:nvPr>
-            <p:ph idx="1" type="subTitle"/>
-          </p:nvPr>
-        </p:nvSpPr>
-        <p:spPr>
-          <a:xfrm>
-            <a:off x="1297500" y="3538000"/>
-            <a:ext cx="2170200" cy="506100"/>
-          </a:xfrm>
-          <a:prstGeom prst="rect">
-            <a:avLst/>
-          </a:prstGeom>
-        </p:spPr>
-        <p:txBody>
-          <a:bodyPr anchorCtr="0" anchor="t" bIns="91425" lIns="91425" rIns="91425" tIns="91425">
-            <a:noAutofit/>
-          </a:bodyPr>
-          <a:lstStyle/>
-          <a:p>
-            <a:pPr lvl="0" rtl="0">
-              <a:spcBef>
-                <a:spcPts val="0"/>
-              </a:spcBef>
-              <a:buNone/>
-            </a:pPr>
-            <a:r>
-              <a:rPr lang="en"/>
-              <a:t>Scalability: graph database</a:t>
-            </a:r>
-          </a:p>
-        </p:txBody>
-      </p:sp>
-      <p:sp>
-        <p:nvSpPr>
-          <p:cNvPr id="310" name="Shape 310"/>
-          <p:cNvSpPr txBox="1"/>
-          <p:nvPr>
-            <p:ph idx="2" type="body"/>
-          </p:nvPr>
-        </p:nvSpPr>
-        <p:spPr>
-          <a:xfrm>
-            <a:off x="1104000" y="4302900"/>
-            <a:ext cx="6936000" cy="523800"/>
-          </a:xfrm>
-          <a:prstGeom prst="rect">
-            <a:avLst/>
-          </a:prstGeom>
-        </p:spPr>
-        <p:txBody>
-          <a:bodyPr anchorCtr="0" anchor="t" bIns="91425" lIns="91425" rIns="91425" tIns="91425">
-            <a:noAutofit/>
-          </a:bodyPr>
-          <a:lstStyle/>
-          <a:p>
-            <a:pPr lvl="0" rtl="0" algn="ctr">
-              <a:spcBef>
-                <a:spcPts val="0"/>
-              </a:spcBef>
-              <a:buNone/>
-            </a:pPr>
-            <a:r>
-              <a:rPr lang="en"/>
-              <a:t>Semantic Web</a:t>
-            </a:r>
-          </a:p>
-        </p:txBody>
-      </p:sp>
-      <p:pic>
-        <p:nvPicPr>
-          <p:cNvPr descr="Screen Shot 2017-08-01 at 1.48.17 PM.png" id="311" name="Shape 311"/>
-          <p:cNvPicPr preferRelativeResize="0"/>
-          <p:nvPr/>
-        </p:nvPicPr>
-        <p:blipFill>
-          <a:blip r:embed="rId3">
-            <a:alphaModFix/>
-          </a:blip>
-          <a:stretch>
-            <a:fillRect/>
-          </a:stretch>
-        </p:blipFill>
-        <p:spPr>
-          <a:xfrm>
-            <a:off x="3925650" y="886673"/>
-            <a:ext cx="4419899" cy="3416226"/>
-          </a:xfrm>
-          <a:prstGeom prst="rect">
-            <a:avLst/>
-          </a:prstGeom>
-          <a:noFill/>
-          <a:ln>
-            <a:noFill/>
-          </a:ln>
-        </p:spPr>
-      </p:pic>
-      <p:pic>
-        <p:nvPicPr>
-          <p:cNvPr descr="blazegraph.png" id="312" name="Shape 312"/>
-          <p:cNvPicPr preferRelativeResize="0"/>
-          <p:nvPr/>
-        </p:nvPicPr>
-        <p:blipFill>
-          <a:blip r:embed="rId4">
-            <a:alphaModFix/>
-          </a:blip>
-          <a:stretch>
-            <a:fillRect/>
-          </a:stretch>
-        </p:blipFill>
-        <p:spPr>
-          <a:xfrm>
-            <a:off x="1077675" y="2261650"/>
-            <a:ext cx="2609850" cy="1276350"/>
-          </a:xfrm>
-          <a:prstGeom prst="rect">
-            <a:avLst/>
-          </a:prstGeom>
-          <a:noFill/>
-          <a:ln>
-            <a:noFill/>
-          </a:ln>
-        </p:spPr>
-      </p:pic>
     </p:spTree>
   </p:cSld>
   <p:clrMapOvr>
@@ -11209,7 +11502,7 @@
   <p:cSld>
     <p:spTree>
       <p:nvGrpSpPr>
-        <p:cNvPr id="316" name="Shape 316"/>
+        <p:cNvPr id="306" name="Shape 306"/>
         <p:cNvGrpSpPr/>
         <p:nvPr/>
       </p:nvGrpSpPr>
@@ -11223,7 +11516,7 @@
       </p:grpSpPr>
       <p:sp>
         <p:nvSpPr>
-          <p:cNvPr id="317" name="Shape 317"/>
+          <p:cNvPr id="307" name="Shape 307"/>
           <p:cNvSpPr txBox="1"/>
           <p:nvPr>
             <p:ph type="title"/>
@@ -11259,7 +11552,7 @@
       </p:sp>
       <p:sp>
         <p:nvSpPr>
-          <p:cNvPr id="318" name="Shape 318"/>
+          <p:cNvPr id="308" name="Shape 308"/>
           <p:cNvSpPr txBox="1"/>
           <p:nvPr>
             <p:ph idx="1" type="subTitle"/>
@@ -11295,7 +11588,7 @@
       </p:sp>
       <p:sp>
         <p:nvSpPr>
-          <p:cNvPr id="319" name="Shape 319"/>
+          <p:cNvPr id="309" name="Shape 309"/>
           <p:cNvSpPr txBox="1"/>
           <p:nvPr>
             <p:ph idx="2" type="body"/>
@@ -11324,14 +11617,14 @@
             </a:pPr>
             <a:r>
               <a:rPr lang="en"/>
-              <a:t>Docker</a:t>
+              <a:t>Semantic Web</a:t>
             </a:r>
           </a:p>
         </p:txBody>
       </p:sp>
       <p:pic>
         <p:nvPicPr>
-          <p:cNvPr descr="blazegraph.png" id="320" name="Shape 320"/>
+          <p:cNvPr descr="Screen Shot 2017-08-01 at 1.48.17 PM.png" id="310" name="Shape 310"/>
           <p:cNvPicPr preferRelativeResize="0"/>
           <p:nvPr/>
         </p:nvPicPr>
@@ -11345,8 +11638,8 @@
         </p:blipFill>
         <p:spPr>
           <a:xfrm>
-            <a:off x="1077675" y="2261650"/>
-            <a:ext cx="2609850" cy="1276350"/>
+            <a:off x="3925650" y="886673"/>
+            <a:ext cx="4419899" cy="3416226"/>
           </a:xfrm>
           <a:prstGeom prst="rect">
             <a:avLst/>
@@ -11357,9 +11650,198 @@
           </a:ln>
         </p:spPr>
       </p:pic>
-      <p:sp>
-        <p:nvSpPr>
-          <p:cNvPr id="321" name="Shape 321"/>
+      <p:pic>
+        <p:nvPicPr>
+          <p:cNvPr descr="blazegraph.png" id="311" name="Shape 311"/>
+          <p:cNvPicPr preferRelativeResize="0"/>
+          <p:nvPr/>
+        </p:nvPicPr>
+        <p:blipFill>
+          <a:blip r:embed="rId4">
+            <a:alphaModFix/>
+          </a:blip>
+          <a:stretch>
+            <a:fillRect/>
+          </a:stretch>
+        </p:blipFill>
+        <p:spPr>
+          <a:xfrm>
+            <a:off x="1077675" y="2261650"/>
+            <a:ext cx="2609850" cy="1276350"/>
+          </a:xfrm>
+          <a:prstGeom prst="rect">
+            <a:avLst/>
+          </a:prstGeom>
+          <a:noFill/>
+          <a:ln>
+            <a:noFill/>
+          </a:ln>
+        </p:spPr>
+      </p:pic>
+    </p:spTree>
+  </p:cSld>
+  <p:clrMapOvr>
+    <a:masterClrMapping/>
+  </p:clrMapOvr>
+</p:sld>
+</file>
+
+<file path=ppt/slides/slide17.xml><?xml version="1.0" encoding="utf-8"?>
+<p:sld xmlns:a="http://schemas.openxmlformats.org/drawingml/2006/main" xmlns:r="http://schemas.openxmlformats.org/officeDocument/2006/relationships" xmlns:mc="http://schemas.openxmlformats.org/markup-compatibility/2006" xmlns:mv="urn:schemas-microsoft-com:mac:vml" xmlns:p="http://schemas.openxmlformats.org/presentationml/2006/main" xmlns:c="http://schemas.openxmlformats.org/drawingml/2006/chart" xmlns:dgm="http://schemas.openxmlformats.org/drawingml/2006/diagram" xmlns:o="urn:schemas-microsoft-com:office:office" xmlns:v="urn:schemas-microsoft-com:vml" xmlns:pvml="urn:schemas-microsoft-com:office:powerpoint" xmlns:com="http://schemas.openxmlformats.org/drawingml/2006/compatibility" xmlns:p14="http://schemas.microsoft.com/office/powerpoint/2010/main" xmlns:p15="http://schemas.microsoft.com/office/powerpoint/2012/main">
+  <p:cSld>
+    <p:spTree>
+      <p:nvGrpSpPr>
+        <p:cNvPr id="315" name="Shape 315"/>
+        <p:cNvGrpSpPr/>
+        <p:nvPr/>
+      </p:nvGrpSpPr>
+      <p:grpSpPr>
+        <a:xfrm>
+          <a:off x="0" y="0"/>
+          <a:ext cx="0" cy="0"/>
+          <a:chOff x="0" y="0"/>
+          <a:chExt cx="0" cy="0"/>
+        </a:xfrm>
+      </p:grpSpPr>
+      <p:sp>
+        <p:nvSpPr>
+          <p:cNvPr id="316" name="Shape 316"/>
+          <p:cNvSpPr txBox="1"/>
+          <p:nvPr>
+            <p:ph type="title"/>
+          </p:nvPr>
+        </p:nvSpPr>
+        <p:spPr>
+          <a:xfrm>
+            <a:off x="1297500" y="1658325"/>
+            <a:ext cx="1974600" cy="1751700"/>
+          </a:xfrm>
+          <a:prstGeom prst="rect">
+            <a:avLst/>
+          </a:prstGeom>
+        </p:spPr>
+        <p:txBody>
+          <a:bodyPr anchorCtr="0" anchor="t" bIns="91425" lIns="91425" rIns="91425" tIns="91425">
+            <a:noAutofit/>
+          </a:bodyPr>
+          <a:lstStyle/>
+          <a:p>
+            <a:pPr lvl="0" rtl="0">
+              <a:spcBef>
+                <a:spcPts val="0"/>
+              </a:spcBef>
+              <a:buNone/>
+            </a:pPr>
+            <a:r>
+              <a:rPr lang="en"/>
+              <a:t>Solution</a:t>
+            </a:r>
+          </a:p>
+        </p:txBody>
+      </p:sp>
+      <p:sp>
+        <p:nvSpPr>
+          <p:cNvPr id="317" name="Shape 317"/>
+          <p:cNvSpPr txBox="1"/>
+          <p:nvPr>
+            <p:ph idx="1" type="subTitle"/>
+          </p:nvPr>
+        </p:nvSpPr>
+        <p:spPr>
+          <a:xfrm>
+            <a:off x="1297500" y="3538000"/>
+            <a:ext cx="2170200" cy="506100"/>
+          </a:xfrm>
+          <a:prstGeom prst="rect">
+            <a:avLst/>
+          </a:prstGeom>
+        </p:spPr>
+        <p:txBody>
+          <a:bodyPr anchorCtr="0" anchor="t" bIns="91425" lIns="91425" rIns="91425" tIns="91425">
+            <a:noAutofit/>
+          </a:bodyPr>
+          <a:lstStyle/>
+          <a:p>
+            <a:pPr lvl="0" rtl="0">
+              <a:spcBef>
+                <a:spcPts val="0"/>
+              </a:spcBef>
+              <a:buNone/>
+            </a:pPr>
+            <a:r>
+              <a:rPr lang="en"/>
+              <a:t>Scalability: graph database</a:t>
+            </a:r>
+          </a:p>
+        </p:txBody>
+      </p:sp>
+      <p:sp>
+        <p:nvSpPr>
+          <p:cNvPr id="318" name="Shape 318"/>
+          <p:cNvSpPr txBox="1"/>
+          <p:nvPr>
+            <p:ph idx="2" type="body"/>
+          </p:nvPr>
+        </p:nvSpPr>
+        <p:spPr>
+          <a:xfrm>
+            <a:off x="1104000" y="4302900"/>
+            <a:ext cx="6936000" cy="523800"/>
+          </a:xfrm>
+          <a:prstGeom prst="rect">
+            <a:avLst/>
+          </a:prstGeom>
+        </p:spPr>
+        <p:txBody>
+          <a:bodyPr anchorCtr="0" anchor="t" bIns="91425" lIns="91425" rIns="91425" tIns="91425">
+            <a:noAutofit/>
+          </a:bodyPr>
+          <a:lstStyle/>
+          <a:p>
+            <a:pPr lvl="0" rtl="0" algn="ctr">
+              <a:spcBef>
+                <a:spcPts val="0"/>
+              </a:spcBef>
+              <a:buNone/>
+            </a:pPr>
+            <a:r>
+              <a:rPr lang="en"/>
+              <a:t>Docker</a:t>
+            </a:r>
+          </a:p>
+        </p:txBody>
+      </p:sp>
+      <p:pic>
+        <p:nvPicPr>
+          <p:cNvPr descr="blazegraph.png" id="319" name="Shape 319"/>
+          <p:cNvPicPr preferRelativeResize="0"/>
+          <p:nvPr/>
+        </p:nvPicPr>
+        <p:blipFill>
+          <a:blip r:embed="rId3">
+            <a:alphaModFix/>
+          </a:blip>
+          <a:stretch>
+            <a:fillRect/>
+          </a:stretch>
+        </p:blipFill>
+        <p:spPr>
+          <a:xfrm>
+            <a:off x="1077675" y="2261650"/>
+            <a:ext cx="2609850" cy="1276350"/>
+          </a:xfrm>
+          <a:prstGeom prst="rect">
+            <a:avLst/>
+          </a:prstGeom>
+          <a:noFill/>
+          <a:ln>
+            <a:noFill/>
+          </a:ln>
+        </p:spPr>
+      </p:pic>
+      <p:sp>
+        <p:nvSpPr>
+          <p:cNvPr id="320" name="Shape 320"/>
           <p:cNvSpPr/>
           <p:nvPr/>
         </p:nvSpPr>
@@ -11419,7 +11901,7 @@
       </p:sp>
       <p:sp>
         <p:nvSpPr>
-          <p:cNvPr id="322" name="Shape 322"/>
+          <p:cNvPr id="321" name="Shape 321"/>
           <p:cNvSpPr txBox="1"/>
           <p:nvPr/>
         </p:nvSpPr>
@@ -11476,7 +11958,7 @@
       </p:sp>
       <p:sp>
         <p:nvSpPr>
-          <p:cNvPr id="323" name="Shape 323"/>
+          <p:cNvPr id="322" name="Shape 322"/>
           <p:cNvSpPr/>
           <p:nvPr/>
         </p:nvSpPr>
@@ -11543,7 +12025,7 @@
       </p:sp>
       <p:sp>
         <p:nvSpPr>
-          <p:cNvPr id="324" name="Shape 324"/>
+          <p:cNvPr id="323" name="Shape 323"/>
           <p:cNvSpPr/>
           <p:nvPr/>
         </p:nvSpPr>
@@ -11603,7 +12085,7 @@
       </p:sp>
       <p:sp>
         <p:nvSpPr>
-          <p:cNvPr id="325" name="Shape 325"/>
+          <p:cNvPr id="324" name="Shape 324"/>
           <p:cNvSpPr txBox="1"/>
           <p:nvPr/>
         </p:nvSpPr>
@@ -11660,7 +12142,7 @@
       </p:sp>
       <p:sp>
         <p:nvSpPr>
-          <p:cNvPr id="326" name="Shape 326"/>
+          <p:cNvPr id="325" name="Shape 325"/>
           <p:cNvSpPr/>
           <p:nvPr/>
         </p:nvSpPr>
@@ -11759,7 +12241,7 @@
       </p:sp>
       <p:sp>
         <p:nvSpPr>
-          <p:cNvPr id="327" name="Shape 327"/>
+          <p:cNvPr id="326" name="Shape 326"/>
           <p:cNvSpPr/>
           <p:nvPr/>
         </p:nvSpPr>
@@ -11826,7 +12308,7 @@
       </p:sp>
       <p:sp>
         <p:nvSpPr>
-          <p:cNvPr id="328" name="Shape 328"/>
+          <p:cNvPr id="327" name="Shape 327"/>
           <p:cNvSpPr/>
           <p:nvPr/>
         </p:nvSpPr>
@@ -11925,7 +12407,7 @@
       </p:sp>
       <p:sp>
         <p:nvSpPr>
-          <p:cNvPr id="329" name="Shape 329"/>
+          <p:cNvPr id="328" name="Shape 328"/>
           <p:cNvSpPr/>
           <p:nvPr/>
         </p:nvSpPr>
@@ -11985,7 +12467,7 @@
       </p:sp>
       <p:sp>
         <p:nvSpPr>
-          <p:cNvPr id="330" name="Shape 330"/>
+          <p:cNvPr id="329" name="Shape 329"/>
           <p:cNvSpPr txBox="1"/>
           <p:nvPr/>
         </p:nvSpPr>
@@ -12042,7 +12524,7 @@
       </p:sp>
       <p:sp>
         <p:nvSpPr>
-          <p:cNvPr id="331" name="Shape 331"/>
+          <p:cNvPr id="330" name="Shape 330"/>
           <p:cNvSpPr/>
           <p:nvPr/>
         </p:nvSpPr>
@@ -12141,7 +12623,7 @@
       </p:sp>
       <p:grpSp>
         <p:nvGrpSpPr>
-          <p:cNvPr id="332" name="Shape 332"/>
+          <p:cNvPr id="331" name="Shape 331"/>
           <p:cNvGrpSpPr/>
           <p:nvPr/>
         </p:nvGrpSpPr>
@@ -12155,7 +12637,7 @@
         </p:grpSpPr>
         <p:sp>
           <p:nvSpPr>
-            <p:cNvPr id="333" name="Shape 333"/>
+            <p:cNvPr id="332" name="Shape 332"/>
             <p:cNvSpPr/>
             <p:nvPr/>
           </p:nvSpPr>
@@ -12215,7 +12697,7 @@
         </p:sp>
         <p:sp>
           <p:nvSpPr>
-            <p:cNvPr id="334" name="Shape 334"/>
+            <p:cNvPr id="333" name="Shape 333"/>
             <p:cNvSpPr txBox="1"/>
             <p:nvPr/>
           </p:nvSpPr>
@@ -12273,7 +12755,7 @@
       </p:grpSp>
       <p:sp>
         <p:nvSpPr>
-          <p:cNvPr id="335" name="Shape 335"/>
+          <p:cNvPr id="334" name="Shape 334"/>
           <p:cNvSpPr/>
           <p:nvPr/>
         </p:nvSpPr>
@@ -12372,9 +12854,9 @@
       </p:sp>
       <p:cxnSp>
         <p:nvCxnSpPr>
-          <p:cNvPr id="336" name="Shape 336"/>
+          <p:cNvPr id="335" name="Shape 335"/>
           <p:cNvCxnSpPr>
-            <a:stCxn id="329" idx="2"/>
+            <a:stCxn id="328" idx="2"/>
           </p:cNvCxnSpPr>
           <p:nvPr/>
         </p:nvCxnSpPr>
@@ -12400,9 +12882,9 @@
       </p:cxnSp>
       <p:cxnSp>
         <p:nvCxnSpPr>
-          <p:cNvPr id="337" name="Shape 337"/>
+          <p:cNvPr id="336" name="Shape 336"/>
           <p:cNvCxnSpPr>
-            <a:stCxn id="324" idx="2"/>
+            <a:stCxn id="323" idx="2"/>
           </p:cNvCxnSpPr>
           <p:nvPr/>
         </p:nvCxnSpPr>
@@ -12426,6 +12908,33 @@
           </a:ln>
         </p:spPr>
       </p:cxnSp>
+      <p:pic>
+        <p:nvPicPr>
+          <p:cNvPr id="337" name="Shape 337"/>
+          <p:cNvPicPr preferRelativeResize="0"/>
+          <p:nvPr/>
+        </p:nvPicPr>
+        <p:blipFill rotWithShape="1">
+          <a:blip r:embed="rId4">
+            <a:alphaModFix/>
+          </a:blip>
+          <a:srcRect b="0" l="0" r="0" t="0"/>
+          <a:stretch/>
+        </p:blipFill>
+        <p:spPr>
+          <a:xfrm>
+            <a:off x="3671422" y="3579646"/>
+            <a:ext cx="305100" cy="305100"/>
+          </a:xfrm>
+          <a:prstGeom prst="rect">
+            <a:avLst/>
+          </a:prstGeom>
+          <a:noFill/>
+          <a:ln>
+            <a:noFill/>
+          </a:ln>
+        </p:spPr>
+      </p:pic>
       <p:pic>
         <p:nvPicPr>
           <p:cNvPr id="338" name="Shape 338"/>
@@ -12441,7 +12950,7 @@
         </p:blipFill>
         <p:spPr>
           <a:xfrm>
-            <a:off x="3671422" y="3579646"/>
+            <a:off x="5158697" y="3579646"/>
             <a:ext cx="305100" cy="305100"/>
           </a:xfrm>
           <a:prstGeom prst="rect">
@@ -12468,7 +12977,7 @@
         </p:blipFill>
         <p:spPr>
           <a:xfrm>
-            <a:off x="5158697" y="3579646"/>
+            <a:off x="6666622" y="3579646"/>
             <a:ext cx="305100" cy="305100"/>
           </a:xfrm>
           <a:prstGeom prst="rect">
@@ -12483,33 +12992,6 @@
       <p:pic>
         <p:nvPicPr>
           <p:cNvPr id="340" name="Shape 340"/>
-          <p:cNvPicPr preferRelativeResize="0"/>
-          <p:nvPr/>
-        </p:nvPicPr>
-        <p:blipFill rotWithShape="1">
-          <a:blip r:embed="rId4">
-            <a:alphaModFix/>
-          </a:blip>
-          <a:srcRect b="0" l="0" r="0" t="0"/>
-          <a:stretch/>
-        </p:blipFill>
-        <p:spPr>
-          <a:xfrm>
-            <a:off x="6666622" y="3579646"/>
-            <a:ext cx="305100" cy="305100"/>
-          </a:xfrm>
-          <a:prstGeom prst="rect">
-            <a:avLst/>
-          </a:prstGeom>
-          <a:noFill/>
-          <a:ln>
-            <a:noFill/>
-          </a:ln>
-        </p:spPr>
-      </p:pic>
-      <p:pic>
-        <p:nvPicPr>
-          <p:cNvPr id="341" name="Shape 341"/>
           <p:cNvPicPr preferRelativeResize="0"/>
           <p:nvPr/>
         </p:nvPicPr>
@@ -12536,10 +13018,10 @@
       </p:pic>
       <p:cxnSp>
         <p:nvCxnSpPr>
-          <p:cNvPr id="342" name="Shape 342"/>
+          <p:cNvPr id="341" name="Shape 341"/>
           <p:cNvCxnSpPr>
-            <a:stCxn id="321" idx="2"/>
-            <a:endCxn id="333" idx="2"/>
+            <a:stCxn id="320" idx="2"/>
+            <a:endCxn id="332" idx="2"/>
           </p:cNvCxnSpPr>
           <p:nvPr/>
         </p:nvCxnSpPr>
@@ -12565,195 +13047,6 @@
           </a:ln>
         </p:spPr>
       </p:cxnSp>
-    </p:spTree>
-  </p:cSld>
-  <p:clrMapOvr>
-    <a:masterClrMapping/>
-  </p:clrMapOvr>
-</p:sld>
-</file>
-
-<file path=ppt/slides/slide17.xml><?xml version="1.0" encoding="utf-8"?>
-<p:sld xmlns:a="http://schemas.openxmlformats.org/drawingml/2006/main" xmlns:r="http://schemas.openxmlformats.org/officeDocument/2006/relationships" xmlns:mc="http://schemas.openxmlformats.org/markup-compatibility/2006" xmlns:mv="urn:schemas-microsoft-com:mac:vml" xmlns:p="http://schemas.openxmlformats.org/presentationml/2006/main" xmlns:c="http://schemas.openxmlformats.org/drawingml/2006/chart" xmlns:dgm="http://schemas.openxmlformats.org/drawingml/2006/diagram" xmlns:o="urn:schemas-microsoft-com:office:office" xmlns:v="urn:schemas-microsoft-com:vml" xmlns:pvml="urn:schemas-microsoft-com:office:powerpoint" xmlns:com="http://schemas.openxmlformats.org/drawingml/2006/compatibility" xmlns:p14="http://schemas.microsoft.com/office/powerpoint/2010/main" xmlns:p15="http://schemas.microsoft.com/office/powerpoint/2012/main">
-  <p:cSld>
-    <p:spTree>
-      <p:nvGrpSpPr>
-        <p:cNvPr id="346" name="Shape 346"/>
-        <p:cNvGrpSpPr/>
-        <p:nvPr/>
-      </p:nvGrpSpPr>
-      <p:grpSpPr>
-        <a:xfrm>
-          <a:off x="0" y="0"/>
-          <a:ext cx="0" cy="0"/>
-          <a:chOff x="0" y="0"/>
-          <a:chExt cx="0" cy="0"/>
-        </a:xfrm>
-      </p:grpSpPr>
-      <p:sp>
-        <p:nvSpPr>
-          <p:cNvPr id="347" name="Shape 347"/>
-          <p:cNvSpPr txBox="1"/>
-          <p:nvPr>
-            <p:ph type="title"/>
-          </p:nvPr>
-        </p:nvSpPr>
-        <p:spPr>
-          <a:xfrm>
-            <a:off x="1297500" y="1658325"/>
-            <a:ext cx="1974600" cy="1751700"/>
-          </a:xfrm>
-          <a:prstGeom prst="rect">
-            <a:avLst/>
-          </a:prstGeom>
-        </p:spPr>
-        <p:txBody>
-          <a:bodyPr anchorCtr="0" anchor="t" bIns="91425" lIns="91425" rIns="91425" tIns="91425">
-            <a:noAutofit/>
-          </a:bodyPr>
-          <a:lstStyle/>
-          <a:p>
-            <a:pPr lvl="0" rtl="0">
-              <a:spcBef>
-                <a:spcPts val="0"/>
-              </a:spcBef>
-              <a:buNone/>
-            </a:pPr>
-            <a:r>
-              <a:rPr lang="en"/>
-              <a:t>Solution</a:t>
-            </a:r>
-          </a:p>
-        </p:txBody>
-      </p:sp>
-      <p:sp>
-        <p:nvSpPr>
-          <p:cNvPr id="348" name="Shape 348"/>
-          <p:cNvSpPr txBox="1"/>
-          <p:nvPr>
-            <p:ph idx="1" type="subTitle"/>
-          </p:nvPr>
-        </p:nvSpPr>
-        <p:spPr>
-          <a:xfrm>
-            <a:off x="1297500" y="3538000"/>
-            <a:ext cx="2170200" cy="506100"/>
-          </a:xfrm>
-          <a:prstGeom prst="rect">
-            <a:avLst/>
-          </a:prstGeom>
-        </p:spPr>
-        <p:txBody>
-          <a:bodyPr anchorCtr="0" anchor="t" bIns="91425" lIns="91425" rIns="91425" tIns="91425">
-            <a:noAutofit/>
-          </a:bodyPr>
-          <a:lstStyle/>
-          <a:p>
-            <a:pPr lvl="0" rtl="0">
-              <a:spcBef>
-                <a:spcPts val="0"/>
-              </a:spcBef>
-              <a:buNone/>
-            </a:pPr>
-            <a:r>
-              <a:rPr lang="en"/>
-              <a:t>Scalability: pandas, scipy</a:t>
-            </a:r>
-          </a:p>
-        </p:txBody>
-      </p:sp>
-      <p:sp>
-        <p:nvSpPr>
-          <p:cNvPr id="349" name="Shape 349"/>
-          <p:cNvSpPr txBox="1"/>
-          <p:nvPr>
-            <p:ph idx="2" type="body"/>
-          </p:nvPr>
-        </p:nvSpPr>
-        <p:spPr>
-          <a:xfrm>
-            <a:off x="1104000" y="4302900"/>
-            <a:ext cx="6936000" cy="523800"/>
-          </a:xfrm>
-          <a:prstGeom prst="rect">
-            <a:avLst/>
-          </a:prstGeom>
-        </p:spPr>
-        <p:txBody>
-          <a:bodyPr anchorCtr="0" anchor="t" bIns="91425" lIns="91425" rIns="91425" tIns="91425">
-            <a:noAutofit/>
-          </a:bodyPr>
-          <a:lstStyle/>
-          <a:p>
-            <a:pPr lvl="0" rtl="0" algn="ctr">
-              <a:spcBef>
-                <a:spcPts val="0"/>
-              </a:spcBef>
-              <a:buNone/>
-            </a:pPr>
-            <a:r>
-              <a:rPr lang="en"/>
-              <a:t>Python Wrappers to C Code</a:t>
-            </a:r>
-          </a:p>
-        </p:txBody>
-      </p:sp>
-      <p:pic>
-        <p:nvPicPr>
-          <p:cNvPr descr="pandas_logo.png" id="350" name="Shape 350"/>
-          <p:cNvPicPr preferRelativeResize="0"/>
-          <p:nvPr/>
-        </p:nvPicPr>
-        <p:blipFill>
-          <a:blip r:embed="rId3">
-            <a:alphaModFix/>
-          </a:blip>
-          <a:stretch>
-            <a:fillRect/>
-          </a:stretch>
-        </p:blipFill>
-        <p:spPr>
-          <a:xfrm>
-            <a:off x="3467700" y="1466918"/>
-            <a:ext cx="5307450" cy="1105730"/>
-          </a:xfrm>
-          <a:prstGeom prst="rect">
-            <a:avLst/>
-          </a:prstGeom>
-          <a:noFill/>
-          <a:ln>
-            <a:noFill/>
-          </a:ln>
-        </p:spPr>
-      </p:pic>
-      <p:pic>
-        <p:nvPicPr>
-          <p:cNvPr descr="scipy.gif" id="351" name="Shape 351"/>
-          <p:cNvPicPr preferRelativeResize="0"/>
-          <p:nvPr/>
-        </p:nvPicPr>
-        <p:blipFill>
-          <a:blip r:embed="rId4">
-            <a:alphaModFix/>
-          </a:blip>
-          <a:stretch>
-            <a:fillRect/>
-          </a:stretch>
-        </p:blipFill>
-        <p:spPr>
-          <a:xfrm>
-            <a:off x="3467699" y="2928225"/>
-            <a:ext cx="5307450" cy="899075"/>
-          </a:xfrm>
-          <a:prstGeom prst="rect">
-            <a:avLst/>
-          </a:prstGeom>
-          <a:noFill/>
-          <a:ln>
-            <a:noFill/>
-          </a:ln>
-        </p:spPr>
-      </p:pic>
     </p:spTree>
   </p:cSld>
   <p:clrMapOvr>
@@ -12767,7 +13060,7 @@
   <p:cSld>
     <p:spTree>
       <p:nvGrpSpPr>
-        <p:cNvPr id="355" name="Shape 355"/>
+        <p:cNvPr id="345" name="Shape 345"/>
         <p:cNvGrpSpPr/>
         <p:nvPr/>
       </p:nvGrpSpPr>
@@ -12781,7 +13074,7 @@
       </p:grpSpPr>
       <p:sp>
         <p:nvSpPr>
-          <p:cNvPr id="356" name="Shape 356"/>
+          <p:cNvPr id="346" name="Shape 346"/>
           <p:cNvSpPr txBox="1"/>
           <p:nvPr>
             <p:ph type="title"/>
@@ -12789,20 +13082,20 @@
         </p:nvSpPr>
         <p:spPr>
           <a:xfrm>
-            <a:off x="823850" y="2053000"/>
-            <a:ext cx="4587000" cy="1148700"/>
+            <a:off x="1297500" y="1658325"/>
+            <a:ext cx="1974600" cy="1751700"/>
           </a:xfrm>
           <a:prstGeom prst="rect">
             <a:avLst/>
           </a:prstGeom>
         </p:spPr>
         <p:txBody>
-          <a:bodyPr anchorCtr="0" anchor="ctr" bIns="91425" lIns="91425" rIns="91425" tIns="91425">
+          <a:bodyPr anchorCtr="0" anchor="t" bIns="91425" lIns="91425" rIns="91425" tIns="91425">
             <a:noAutofit/>
           </a:bodyPr>
           <a:lstStyle/>
           <a:p>
-            <a:pPr lvl="0">
+            <a:pPr lvl="0" rtl="0">
               <a:spcBef>
                 <a:spcPts val="0"/>
               </a:spcBef>
@@ -12810,11 +13103,139 @@
             </a:pPr>
             <a:r>
               <a:rPr lang="en"/>
-              <a:t>Implementation</a:t>
+              <a:t>Solution</a:t>
             </a:r>
           </a:p>
         </p:txBody>
       </p:sp>
+      <p:sp>
+        <p:nvSpPr>
+          <p:cNvPr id="347" name="Shape 347"/>
+          <p:cNvSpPr txBox="1"/>
+          <p:nvPr>
+            <p:ph idx="1" type="subTitle"/>
+          </p:nvPr>
+        </p:nvSpPr>
+        <p:spPr>
+          <a:xfrm>
+            <a:off x="1297500" y="3538000"/>
+            <a:ext cx="2170200" cy="506100"/>
+          </a:xfrm>
+          <a:prstGeom prst="rect">
+            <a:avLst/>
+          </a:prstGeom>
+        </p:spPr>
+        <p:txBody>
+          <a:bodyPr anchorCtr="0" anchor="t" bIns="91425" lIns="91425" rIns="91425" tIns="91425">
+            <a:noAutofit/>
+          </a:bodyPr>
+          <a:lstStyle/>
+          <a:p>
+            <a:pPr lvl="0" rtl="0">
+              <a:spcBef>
+                <a:spcPts val="0"/>
+              </a:spcBef>
+              <a:buNone/>
+            </a:pPr>
+            <a:r>
+              <a:rPr lang="en"/>
+              <a:t>Scalability: pandas, scipy</a:t>
+            </a:r>
+          </a:p>
+        </p:txBody>
+      </p:sp>
+      <p:sp>
+        <p:nvSpPr>
+          <p:cNvPr id="348" name="Shape 348"/>
+          <p:cNvSpPr txBox="1"/>
+          <p:nvPr>
+            <p:ph idx="2" type="body"/>
+          </p:nvPr>
+        </p:nvSpPr>
+        <p:spPr>
+          <a:xfrm>
+            <a:off x="1104000" y="4302900"/>
+            <a:ext cx="6936000" cy="523800"/>
+          </a:xfrm>
+          <a:prstGeom prst="rect">
+            <a:avLst/>
+          </a:prstGeom>
+        </p:spPr>
+        <p:txBody>
+          <a:bodyPr anchorCtr="0" anchor="t" bIns="91425" lIns="91425" rIns="91425" tIns="91425">
+            <a:noAutofit/>
+          </a:bodyPr>
+          <a:lstStyle/>
+          <a:p>
+            <a:pPr lvl="0" rtl="0" algn="ctr">
+              <a:spcBef>
+                <a:spcPts val="0"/>
+              </a:spcBef>
+              <a:buNone/>
+            </a:pPr>
+            <a:r>
+              <a:rPr lang="en"/>
+              <a:t>Python Wrappers to C Code</a:t>
+            </a:r>
+          </a:p>
+        </p:txBody>
+      </p:sp>
+      <p:pic>
+        <p:nvPicPr>
+          <p:cNvPr descr="pandas_logo.png" id="349" name="Shape 349"/>
+          <p:cNvPicPr preferRelativeResize="0"/>
+          <p:nvPr/>
+        </p:nvPicPr>
+        <p:blipFill>
+          <a:blip r:embed="rId3">
+            <a:alphaModFix/>
+          </a:blip>
+          <a:stretch>
+            <a:fillRect/>
+          </a:stretch>
+        </p:blipFill>
+        <p:spPr>
+          <a:xfrm>
+            <a:off x="3467700" y="1466918"/>
+            <a:ext cx="5307450" cy="1105730"/>
+          </a:xfrm>
+          <a:prstGeom prst="rect">
+            <a:avLst/>
+          </a:prstGeom>
+          <a:noFill/>
+          <a:ln>
+            <a:noFill/>
+          </a:ln>
+        </p:spPr>
+      </p:pic>
+      <p:pic>
+        <p:nvPicPr>
+          <p:cNvPr descr="scipy.gif" id="350" name="Shape 350"/>
+          <p:cNvPicPr preferRelativeResize="0"/>
+          <p:nvPr/>
+        </p:nvPicPr>
+        <p:blipFill>
+          <a:blip r:embed="rId4">
+            <a:alphaModFix/>
+          </a:blip>
+          <a:stretch>
+            <a:fillRect/>
+          </a:stretch>
+        </p:blipFill>
+        <p:spPr>
+          <a:xfrm>
+            <a:off x="3467699" y="2928225"/>
+            <a:ext cx="5307450" cy="899075"/>
+          </a:xfrm>
+          <a:prstGeom prst="rect">
+            <a:avLst/>
+          </a:prstGeom>
+          <a:noFill/>
+          <a:ln>
+            <a:noFill/>
+          </a:ln>
+        </p:spPr>
+      </p:pic>
     </p:spTree>
   </p:cSld>
   <p:clrMapOvr>
@@ -12828,7 +13249,7 @@
   <p:cSld>
     <p:spTree>
       <p:nvGrpSpPr>
-        <p:cNvPr id="360" name="Shape 360"/>
+        <p:cNvPr id="354" name="Shape 354"/>
         <p:cNvGrpSpPr/>
         <p:nvPr/>
       </p:nvGrpSpPr>
@@ -12842,7 +13263,856 @@
       </p:grpSpPr>
       <p:sp>
         <p:nvSpPr>
-          <p:cNvPr descr="Background pointer shape in timeline graphic" id="361" name="Shape 361"/>
+          <p:cNvPr id="355" name="Shape 355"/>
+          <p:cNvSpPr txBox="1"/>
+          <p:nvPr>
+            <p:ph type="title"/>
+          </p:nvPr>
+        </p:nvSpPr>
+        <p:spPr>
+          <a:xfrm>
+            <a:off x="1297500" y="393750"/>
+            <a:ext cx="7038900" cy="914100"/>
+          </a:xfrm>
+          <a:prstGeom prst="rect">
+            <a:avLst/>
+          </a:prstGeom>
+        </p:spPr>
+        <p:txBody>
+          <a:bodyPr anchorCtr="0" anchor="t" bIns="91425" lIns="91425" rIns="91425" tIns="91425">
+            <a:noAutofit/>
+          </a:bodyPr>
+          <a:lstStyle/>
+          <a:p>
+            <a:pPr lvl="0">
+              <a:spcBef>
+                <a:spcPts val="0"/>
+              </a:spcBef>
+              <a:buNone/>
+            </a:pPr>
+            <a:r>
+              <a:rPr lang="en"/>
+              <a:t>Challenges deep-dive</a:t>
+            </a:r>
+          </a:p>
+        </p:txBody>
+      </p:sp>
+      <p:sp>
+        <p:nvSpPr>
+          <p:cNvPr id="356" name="Shape 356"/>
+          <p:cNvSpPr/>
+          <p:nvPr/>
+        </p:nvSpPr>
+        <p:spPr>
+          <a:xfrm>
+            <a:off x="432350" y="1304875"/>
+            <a:ext cx="2469299" cy="607800"/>
+          </a:xfrm>
+          <a:prstGeom prst="homePlate">
+            <a:avLst>
+              <a:gd fmla="val 50000" name="adj"/>
+            </a:avLst>
+          </a:prstGeom>
+          <a:solidFill>
+            <a:schemeClr val="dk1"/>
+          </a:solidFill>
+          <a:ln>
+            <a:noFill/>
+          </a:ln>
+        </p:spPr>
+        <p:txBody>
+          <a:bodyPr anchorCtr="0" anchor="ctr" bIns="121875" lIns="121875" rIns="121875" tIns="121875">
+            <a:noAutofit/>
+          </a:bodyPr>
+          <a:lstStyle/>
+          <a:p>
+            <a:pPr lvl="0">
+              <a:spcBef>
+                <a:spcPts val="0"/>
+              </a:spcBef>
+              <a:buNone/>
+            </a:pPr>
+            <a:r>
+              <a:t/>
+            </a:r>
+            <a:endParaRPr/>
+          </a:p>
+        </p:txBody>
+      </p:sp>
+      <p:sp>
+        <p:nvSpPr>
+          <p:cNvPr id="357" name="Shape 357"/>
+          <p:cNvSpPr txBox="1"/>
+          <p:nvPr>
+            <p:ph idx="4294967295" type="body"/>
+          </p:nvPr>
+        </p:nvSpPr>
+        <p:spPr>
+          <a:xfrm>
+            <a:off x="432350" y="1451575"/>
+            <a:ext cx="2257199" cy="314400"/>
+          </a:xfrm>
+          <a:prstGeom prst="rect">
+            <a:avLst/>
+          </a:prstGeom>
+        </p:spPr>
+        <p:txBody>
+          <a:bodyPr anchorCtr="0" anchor="ctr" bIns="91425" lIns="91425" rIns="91425" tIns="91425">
+            <a:noAutofit/>
+          </a:bodyPr>
+          <a:lstStyle/>
+          <a:p>
+            <a:pPr lvl="0">
+              <a:lnSpc>
+                <a:spcPct val="100000"/>
+              </a:lnSpc>
+              <a:spcBef>
+                <a:spcPts val="0"/>
+              </a:spcBef>
+              <a:spcAft>
+                <a:spcPts val="0"/>
+              </a:spcAft>
+              <a:buNone/>
+            </a:pPr>
+            <a:r>
+              <a:rPr lang="en"/>
+              <a:t>Speed</a:t>
+            </a:r>
+          </a:p>
+        </p:txBody>
+      </p:sp>
+      <p:sp>
+        <p:nvSpPr>
+          <p:cNvPr id="358" name="Shape 358"/>
+          <p:cNvSpPr txBox="1"/>
+          <p:nvPr>
+            <p:ph idx="4294967295" type="body"/>
+          </p:nvPr>
+        </p:nvSpPr>
+        <p:spPr>
+          <a:xfrm>
+            <a:off x="432350" y="2070575"/>
+            <a:ext cx="2471699" cy="2650799"/>
+          </a:xfrm>
+          <a:prstGeom prst="rect">
+            <a:avLst/>
+          </a:prstGeom>
+        </p:spPr>
+        <p:txBody>
+          <a:bodyPr anchorCtr="0" anchor="t" bIns="91425" lIns="91425" rIns="91425" tIns="91425">
+            <a:noAutofit/>
+          </a:bodyPr>
+          <a:lstStyle/>
+          <a:p>
+            <a:pPr lvl="0">
+              <a:spcBef>
+                <a:spcPts val="0"/>
+              </a:spcBef>
+              <a:spcAft>
+                <a:spcPts val="800"/>
+              </a:spcAft>
+              <a:buNone/>
+            </a:pPr>
+            <a:r>
+              <a:rPr b="1" lang="en" sz="1600"/>
+              <a:t>Modernize</a:t>
+            </a:r>
+          </a:p>
+          <a:p>
+            <a:pPr indent="-330200" lvl="0" marL="457200" rtl="0">
+              <a:spcBef>
+                <a:spcPts val="0"/>
+              </a:spcBef>
+              <a:spcAft>
+                <a:spcPts val="800"/>
+              </a:spcAft>
+              <a:buSzPct val="100000"/>
+            </a:pPr>
+            <a:r>
+              <a:rPr lang="en" sz="1600"/>
+              <a:t>Task queues</a:t>
+            </a:r>
+          </a:p>
+          <a:p>
+            <a:pPr indent="-330200" lvl="0" marL="457200">
+              <a:spcBef>
+                <a:spcPts val="0"/>
+              </a:spcBef>
+              <a:spcAft>
+                <a:spcPts val="800"/>
+              </a:spcAft>
+              <a:buSzPct val="100000"/>
+            </a:pPr>
+            <a:r>
+              <a:rPr lang="en" sz="1600"/>
+              <a:t>ReactJS</a:t>
+            </a:r>
+          </a:p>
+        </p:txBody>
+      </p:sp>
+      <p:sp>
+        <p:nvSpPr>
+          <p:cNvPr id="359" name="Shape 359"/>
+          <p:cNvSpPr/>
+          <p:nvPr/>
+        </p:nvSpPr>
+        <p:spPr>
+          <a:xfrm>
+            <a:off x="3044776" y="1304875"/>
+            <a:ext cx="2760599" cy="607800"/>
+          </a:xfrm>
+          <a:prstGeom prst="chevron">
+            <a:avLst>
+              <a:gd fmla="val 50000" name="adj"/>
+            </a:avLst>
+          </a:prstGeom>
+          <a:solidFill>
+            <a:schemeClr val="dk1"/>
+          </a:solidFill>
+          <a:ln>
+            <a:noFill/>
+          </a:ln>
+        </p:spPr>
+        <p:txBody>
+          <a:bodyPr anchorCtr="0" anchor="ctr" bIns="121875" lIns="121875" rIns="121875" tIns="121875">
+            <a:noAutofit/>
+          </a:bodyPr>
+          <a:lstStyle/>
+          <a:p>
+            <a:pPr lvl="0">
+              <a:spcBef>
+                <a:spcPts val="0"/>
+              </a:spcBef>
+              <a:buNone/>
+            </a:pPr>
+            <a:r>
+              <a:t/>
+            </a:r>
+            <a:endParaRPr/>
+          </a:p>
+        </p:txBody>
+      </p:sp>
+      <p:sp>
+        <p:nvSpPr>
+          <p:cNvPr id="360" name="Shape 360"/>
+          <p:cNvSpPr txBox="1"/>
+          <p:nvPr>
+            <p:ph idx="4294967295" type="body"/>
+          </p:nvPr>
+        </p:nvSpPr>
+        <p:spPr>
+          <a:xfrm>
+            <a:off x="3336150" y="1451575"/>
+            <a:ext cx="2257199" cy="314400"/>
+          </a:xfrm>
+          <a:prstGeom prst="rect">
+            <a:avLst/>
+          </a:prstGeom>
+        </p:spPr>
+        <p:txBody>
+          <a:bodyPr anchorCtr="0" anchor="ctr" bIns="91425" lIns="91425" rIns="91425" tIns="91425">
+            <a:noAutofit/>
+          </a:bodyPr>
+          <a:lstStyle/>
+          <a:p>
+            <a:pPr lvl="0">
+              <a:lnSpc>
+                <a:spcPct val="100000"/>
+              </a:lnSpc>
+              <a:spcBef>
+                <a:spcPts val="0"/>
+              </a:spcBef>
+              <a:spcAft>
+                <a:spcPts val="0"/>
+              </a:spcAft>
+              <a:buNone/>
+            </a:pPr>
+            <a:r>
+              <a:rPr lang="en"/>
+              <a:t>Simplicity</a:t>
+            </a:r>
+          </a:p>
+        </p:txBody>
+      </p:sp>
+      <p:sp>
+        <p:nvSpPr>
+          <p:cNvPr id="361" name="Shape 361"/>
+          <p:cNvSpPr txBox="1"/>
+          <p:nvPr>
+            <p:ph idx="4294967295" type="body"/>
+          </p:nvPr>
+        </p:nvSpPr>
+        <p:spPr>
+          <a:xfrm>
+            <a:off x="3336146" y="2070575"/>
+            <a:ext cx="2471699" cy="2650799"/>
+          </a:xfrm>
+          <a:prstGeom prst="rect">
+            <a:avLst/>
+          </a:prstGeom>
+        </p:spPr>
+        <p:txBody>
+          <a:bodyPr anchorCtr="0" anchor="t" bIns="91425" lIns="91425" rIns="91425" tIns="91425">
+            <a:noAutofit/>
+          </a:bodyPr>
+          <a:lstStyle/>
+          <a:p>
+            <a:pPr lvl="0">
+              <a:spcBef>
+                <a:spcPts val="0"/>
+              </a:spcBef>
+              <a:spcAft>
+                <a:spcPts val="800"/>
+              </a:spcAft>
+              <a:buNone/>
+            </a:pPr>
+            <a:r>
+              <a:rPr b="1" lang="en" sz="1600"/>
+              <a:t>Familiar Design</a:t>
+            </a:r>
+          </a:p>
+          <a:p>
+            <a:pPr indent="-330200" lvl="0" marL="457200" rtl="0">
+              <a:spcBef>
+                <a:spcPts val="0"/>
+              </a:spcBef>
+              <a:spcAft>
+                <a:spcPts val="800"/>
+              </a:spcAft>
+              <a:buSzPct val="100000"/>
+            </a:pPr>
+            <a:r>
+              <a:rPr lang="en" sz="1600"/>
+              <a:t>One click results</a:t>
+            </a:r>
+          </a:p>
+          <a:p>
+            <a:pPr indent="-330200" lvl="0" marL="457200">
+              <a:spcBef>
+                <a:spcPts val="0"/>
+              </a:spcBef>
+              <a:spcAft>
+                <a:spcPts val="800"/>
+              </a:spcAft>
+              <a:buSzPct val="100000"/>
+              <a:buNone/>
+            </a:pPr>
+            <a:r>
+              <a:rPr lang="en" sz="1600"/>
+              <a:t>Material design (Google)</a:t>
+            </a:r>
+          </a:p>
+        </p:txBody>
+      </p:sp>
+      <p:sp>
+        <p:nvSpPr>
+          <p:cNvPr id="362" name="Shape 362"/>
+          <p:cNvSpPr/>
+          <p:nvPr/>
+        </p:nvSpPr>
+        <p:spPr>
+          <a:xfrm>
+            <a:off x="5948501" y="1304875"/>
+            <a:ext cx="2760599" cy="607800"/>
+          </a:xfrm>
+          <a:prstGeom prst="chevron">
+            <a:avLst>
+              <a:gd fmla="val 50000" name="adj"/>
+            </a:avLst>
+          </a:prstGeom>
+          <a:solidFill>
+            <a:schemeClr val="dk1"/>
+          </a:solidFill>
+          <a:ln>
+            <a:noFill/>
+          </a:ln>
+        </p:spPr>
+        <p:txBody>
+          <a:bodyPr anchorCtr="0" anchor="ctr" bIns="121875" lIns="121875" rIns="121875" tIns="121875">
+            <a:noAutofit/>
+          </a:bodyPr>
+          <a:lstStyle/>
+          <a:p>
+            <a:pPr lvl="0">
+              <a:spcBef>
+                <a:spcPts val="0"/>
+              </a:spcBef>
+              <a:buNone/>
+            </a:pPr>
+            <a:r>
+              <a:t/>
+            </a:r>
+            <a:endParaRPr/>
+          </a:p>
+        </p:txBody>
+      </p:sp>
+      <p:sp>
+        <p:nvSpPr>
+          <p:cNvPr id="363" name="Shape 363"/>
+          <p:cNvSpPr txBox="1"/>
+          <p:nvPr>
+            <p:ph idx="4294967295" type="body"/>
+          </p:nvPr>
+        </p:nvSpPr>
+        <p:spPr>
+          <a:xfrm>
+            <a:off x="6254232" y="1451575"/>
+            <a:ext cx="2257199" cy="314400"/>
+          </a:xfrm>
+          <a:prstGeom prst="rect">
+            <a:avLst/>
+          </a:prstGeom>
+        </p:spPr>
+        <p:txBody>
+          <a:bodyPr anchorCtr="0" anchor="ctr" bIns="91425" lIns="91425" rIns="91425" tIns="91425">
+            <a:noAutofit/>
+          </a:bodyPr>
+          <a:lstStyle/>
+          <a:p>
+            <a:pPr lvl="0">
+              <a:lnSpc>
+                <a:spcPct val="100000"/>
+              </a:lnSpc>
+              <a:spcBef>
+                <a:spcPts val="0"/>
+              </a:spcBef>
+              <a:spcAft>
+                <a:spcPts val="0"/>
+              </a:spcAft>
+              <a:buNone/>
+            </a:pPr>
+            <a:r>
+              <a:rPr lang="en"/>
+              <a:t>Scalability</a:t>
+            </a:r>
+          </a:p>
+        </p:txBody>
+      </p:sp>
+      <p:sp>
+        <p:nvSpPr>
+          <p:cNvPr id="364" name="Shape 364"/>
+          <p:cNvSpPr txBox="1"/>
+          <p:nvPr>
+            <p:ph idx="4294967295" type="body"/>
+          </p:nvPr>
+        </p:nvSpPr>
+        <p:spPr>
+          <a:xfrm>
+            <a:off x="6254225" y="2070575"/>
+            <a:ext cx="2471699" cy="2650799"/>
+          </a:xfrm>
+          <a:prstGeom prst="rect">
+            <a:avLst/>
+          </a:prstGeom>
+        </p:spPr>
+        <p:txBody>
+          <a:bodyPr anchorCtr="0" anchor="t" bIns="91425" lIns="91425" rIns="91425" tIns="91425">
+            <a:noAutofit/>
+          </a:bodyPr>
+          <a:lstStyle/>
+          <a:p>
+            <a:pPr lvl="0" rtl="0">
+              <a:spcBef>
+                <a:spcPts val="0"/>
+              </a:spcBef>
+              <a:spcAft>
+                <a:spcPts val="800"/>
+              </a:spcAft>
+              <a:buNone/>
+            </a:pPr>
+            <a:r>
+              <a:rPr b="1" lang="en" sz="1600"/>
+              <a:t>Technology</a:t>
+            </a:r>
+          </a:p>
+          <a:p>
+            <a:pPr indent="-330200" lvl="0" marL="457200" rtl="0">
+              <a:spcBef>
+                <a:spcPts val="0"/>
+              </a:spcBef>
+              <a:spcAft>
+                <a:spcPts val="800"/>
+              </a:spcAft>
+              <a:buSzPct val="100000"/>
+            </a:pPr>
+            <a:r>
+              <a:rPr lang="en" sz="1600"/>
+              <a:t>Graph database</a:t>
+            </a:r>
+          </a:p>
+          <a:p>
+            <a:pPr indent="-330200" lvl="0" marL="457200">
+              <a:spcBef>
+                <a:spcPts val="0"/>
+              </a:spcBef>
+              <a:spcAft>
+                <a:spcPts val="800"/>
+              </a:spcAft>
+              <a:buSzPct val="100000"/>
+            </a:pPr>
+            <a:r>
+              <a:rPr lang="en" sz="1600"/>
+              <a:t>Pandas, SciPy</a:t>
+            </a:r>
+          </a:p>
+        </p:txBody>
+      </p:sp>
+    </p:spTree>
+  </p:cSld>
+  <p:clrMapOvr>
+    <a:masterClrMapping/>
+  </p:clrMapOvr>
+</p:sld>
+</file>
+
+<file path=ppt/slides/slide2.xml><?xml version="1.0" encoding="utf-8"?>
+<p:sld xmlns:a="http://schemas.openxmlformats.org/drawingml/2006/main" xmlns:r="http://schemas.openxmlformats.org/officeDocument/2006/relationships" xmlns:mc="http://schemas.openxmlformats.org/markup-compatibility/2006" xmlns:mv="urn:schemas-microsoft-com:mac:vml" xmlns:p="http://schemas.openxmlformats.org/presentationml/2006/main" xmlns:c="http://schemas.openxmlformats.org/drawingml/2006/chart" xmlns:dgm="http://schemas.openxmlformats.org/drawingml/2006/diagram" xmlns:o="urn:schemas-microsoft-com:office:office" xmlns:v="urn:schemas-microsoft-com:vml" xmlns:pvml="urn:schemas-microsoft-com:office:powerpoint" xmlns:com="http://schemas.openxmlformats.org/drawingml/2006/compatibility" xmlns:p14="http://schemas.microsoft.com/office/powerpoint/2010/main" xmlns:p15="http://schemas.microsoft.com/office/powerpoint/2012/main">
+  <p:cSld>
+    <p:spTree>
+      <p:nvGrpSpPr>
+        <p:cNvPr id="140" name="Shape 140"/>
+        <p:cNvGrpSpPr/>
+        <p:nvPr/>
+      </p:nvGrpSpPr>
+      <p:grpSpPr>
+        <a:xfrm>
+          <a:off x="0" y="0"/>
+          <a:ext cx="0" cy="0"/>
+          <a:chOff x="0" y="0"/>
+          <a:chExt cx="0" cy="0"/>
+        </a:xfrm>
+      </p:grpSpPr>
+      <p:sp>
+        <p:nvSpPr>
+          <p:cNvPr id="141" name="Shape 141"/>
+          <p:cNvSpPr txBox="1"/>
+          <p:nvPr>
+            <p:ph type="title"/>
+          </p:nvPr>
+        </p:nvSpPr>
+        <p:spPr>
+          <a:xfrm>
+            <a:off x="1297500" y="393750"/>
+            <a:ext cx="7038900" cy="914100"/>
+          </a:xfrm>
+          <a:prstGeom prst="rect">
+            <a:avLst/>
+          </a:prstGeom>
+        </p:spPr>
+        <p:txBody>
+          <a:bodyPr anchorCtr="0" anchor="t" bIns="91425" lIns="91425" rIns="91425" tIns="91425">
+            <a:noAutofit/>
+          </a:bodyPr>
+          <a:lstStyle/>
+          <a:p>
+            <a:pPr lvl="0">
+              <a:spcBef>
+                <a:spcPts val="0"/>
+              </a:spcBef>
+              <a:buNone/>
+            </a:pPr>
+            <a:r>
+              <a:rPr lang="en"/>
+              <a:t>Kevin Le</a:t>
+            </a:r>
+          </a:p>
+        </p:txBody>
+      </p:sp>
+      <p:sp>
+        <p:nvSpPr>
+          <p:cNvPr id="142" name="Shape 142"/>
+          <p:cNvSpPr txBox="1"/>
+          <p:nvPr>
+            <p:ph idx="1" type="body"/>
+          </p:nvPr>
+        </p:nvSpPr>
+        <p:spPr>
+          <a:xfrm>
+            <a:off x="1297500" y="1567550"/>
+            <a:ext cx="3403200" cy="2911200"/>
+          </a:xfrm>
+          <a:prstGeom prst="rect">
+            <a:avLst/>
+          </a:prstGeom>
+        </p:spPr>
+        <p:txBody>
+          <a:bodyPr anchorCtr="0" anchor="t" bIns="91425" lIns="91425" rIns="91425" tIns="91425">
+            <a:noAutofit/>
+          </a:bodyPr>
+          <a:lstStyle/>
+          <a:p>
+            <a:pPr lvl="0" rtl="0">
+              <a:spcBef>
+                <a:spcPts val="0"/>
+              </a:spcBef>
+              <a:buNone/>
+            </a:pPr>
+            <a:r>
+              <a:rPr lang="en"/>
+              <a:t>Currently:</a:t>
+            </a:r>
+          </a:p>
+          <a:p>
+            <a:pPr indent="-228600" lvl="0" marL="457200" rtl="0">
+              <a:spcBef>
+                <a:spcPts val="0"/>
+              </a:spcBef>
+            </a:pPr>
+            <a:r>
+              <a:rPr lang="en"/>
+              <a:t>BASc Software Engineering (uOttawa)</a:t>
+            </a:r>
+          </a:p>
+          <a:p>
+            <a:pPr indent="-228600" lvl="1" marL="914400" rtl="0">
+              <a:spcBef>
+                <a:spcPts val="0"/>
+              </a:spcBef>
+            </a:pPr>
+            <a:r>
+              <a:rPr lang="en"/>
+              <a:t>Focus on applied math</a:t>
+            </a:r>
+          </a:p>
+          <a:p>
+            <a:pPr indent="-228600" lvl="0" marL="457200" rtl="0">
+              <a:spcBef>
+                <a:spcPts val="0"/>
+              </a:spcBef>
+            </a:pPr>
+            <a:r>
+              <a:rPr lang="en"/>
+              <a:t>Co-op @NML Lethbridge (8-months)</a:t>
+            </a:r>
+          </a:p>
+          <a:p>
+            <a:pPr lvl="0" rtl="0">
+              <a:spcBef>
+                <a:spcPts val="0"/>
+              </a:spcBef>
+              <a:buNone/>
+            </a:pPr>
+            <a:r>
+              <a:rPr lang="en"/>
+              <a:t>Previously Completed:</a:t>
+            </a:r>
+          </a:p>
+          <a:p>
+            <a:pPr indent="-228600" lvl="0" marL="457200" rtl="0">
+              <a:spcBef>
+                <a:spcPts val="0"/>
+              </a:spcBef>
+            </a:pPr>
+            <a:r>
+              <a:rPr lang="en"/>
+              <a:t>BSc Neuroscience (Dalhousie)</a:t>
+            </a:r>
+          </a:p>
+          <a:p>
+            <a:pPr indent="-228600" lvl="1" marL="914400" rtl="0">
+              <a:spcBef>
+                <a:spcPts val="0"/>
+              </a:spcBef>
+            </a:pPr>
+            <a:r>
+              <a:rPr lang="en"/>
+              <a:t>Transgenic mouse models of Alzheimer’s</a:t>
+            </a:r>
+          </a:p>
+          <a:p>
+            <a:pPr indent="-228600" lvl="1" marL="914400" rtl="0">
+              <a:spcBef>
+                <a:spcPts val="0"/>
+              </a:spcBef>
+            </a:pPr>
+            <a:r>
+              <a:rPr lang="en"/>
+              <a:t>Cryptography &amp; network security</a:t>
+            </a:r>
+          </a:p>
+        </p:txBody>
+      </p:sp>
+      <p:sp>
+        <p:nvSpPr>
+          <p:cNvPr id="143" name="Shape 143"/>
+          <p:cNvSpPr txBox="1"/>
+          <p:nvPr>
+            <p:ph idx="2" type="body"/>
+          </p:nvPr>
+        </p:nvSpPr>
+        <p:spPr>
+          <a:xfrm>
+            <a:off x="4933221" y="1567550"/>
+            <a:ext cx="3403200" cy="2911200"/>
+          </a:xfrm>
+          <a:prstGeom prst="rect">
+            <a:avLst/>
+          </a:prstGeom>
+        </p:spPr>
+        <p:txBody>
+          <a:bodyPr anchorCtr="0" anchor="t" bIns="91425" lIns="91425" rIns="91425" tIns="91425">
+            <a:noAutofit/>
+          </a:bodyPr>
+          <a:lstStyle/>
+          <a:p>
+            <a:pPr lvl="0">
+              <a:spcBef>
+                <a:spcPts val="0"/>
+              </a:spcBef>
+              <a:buNone/>
+            </a:pPr>
+            <a:r>
+              <a:rPr lang="en"/>
+              <a:t>Software Background:</a:t>
+            </a:r>
+          </a:p>
+          <a:p>
+            <a:pPr indent="-228600" lvl="0" marL="457200" rtl="0">
+              <a:spcBef>
+                <a:spcPts val="0"/>
+              </a:spcBef>
+            </a:pPr>
+            <a:r>
+              <a:rPr lang="en"/>
+              <a:t>Largely Python</a:t>
+            </a:r>
+          </a:p>
+          <a:p>
+            <a:pPr indent="-228600" lvl="0" marL="457200" rtl="0">
+              <a:spcBef>
+                <a:spcPts val="0"/>
+              </a:spcBef>
+            </a:pPr>
+            <a:r>
+              <a:rPr lang="en"/>
+              <a:t>Linux</a:t>
+            </a:r>
+          </a:p>
+          <a:p>
+            <a:pPr indent="-228600" lvl="0" marL="457200" rtl="0">
+              <a:spcBef>
+                <a:spcPts val="0"/>
+              </a:spcBef>
+            </a:pPr>
+            <a:r>
+              <a:rPr lang="en"/>
+              <a:t>Virtualization</a:t>
+            </a:r>
+          </a:p>
+          <a:p>
+            <a:pPr lvl="0" rtl="0">
+              <a:spcBef>
+                <a:spcPts val="0"/>
+              </a:spcBef>
+              <a:buNone/>
+            </a:pPr>
+            <a:r>
+              <a:rPr lang="en"/>
+              <a:t>Career Goals:</a:t>
+            </a:r>
+          </a:p>
+          <a:p>
+            <a:pPr indent="-228600" lvl="0" marL="457200">
+              <a:spcBef>
+                <a:spcPts val="0"/>
+              </a:spcBef>
+            </a:pPr>
+            <a:r>
+              <a:rPr lang="en"/>
+              <a:t>Big-data companies</a:t>
+            </a:r>
+          </a:p>
+        </p:txBody>
+      </p:sp>
+    </p:spTree>
+  </p:cSld>
+  <p:clrMapOvr>
+    <a:masterClrMapping/>
+  </p:clrMapOvr>
+</p:sld>
+</file>
+
+<file path=ppt/slides/slide20.xml><?xml version="1.0" encoding="utf-8"?>
+<p:sld xmlns:a="http://schemas.openxmlformats.org/drawingml/2006/main" xmlns:r="http://schemas.openxmlformats.org/officeDocument/2006/relationships" xmlns:mc="http://schemas.openxmlformats.org/markup-compatibility/2006" xmlns:mv="urn:schemas-microsoft-com:mac:vml" xmlns:p="http://schemas.openxmlformats.org/presentationml/2006/main" xmlns:c="http://schemas.openxmlformats.org/drawingml/2006/chart" xmlns:dgm="http://schemas.openxmlformats.org/drawingml/2006/diagram" xmlns:o="urn:schemas-microsoft-com:office:office" xmlns:v="urn:schemas-microsoft-com:vml" xmlns:pvml="urn:schemas-microsoft-com:office:powerpoint" xmlns:com="http://schemas.openxmlformats.org/drawingml/2006/compatibility" xmlns:p14="http://schemas.microsoft.com/office/powerpoint/2010/main" xmlns:p15="http://schemas.microsoft.com/office/powerpoint/2012/main">
+  <p:cSld>
+    <p:spTree>
+      <p:nvGrpSpPr>
+        <p:cNvPr id="368" name="Shape 368"/>
+        <p:cNvGrpSpPr/>
+        <p:nvPr/>
+      </p:nvGrpSpPr>
+      <p:grpSpPr>
+        <a:xfrm>
+          <a:off x="0" y="0"/>
+          <a:ext cx="0" cy="0"/>
+          <a:chOff x="0" y="0"/>
+          <a:chExt cx="0" cy="0"/>
+        </a:xfrm>
+      </p:grpSpPr>
+      <p:sp>
+        <p:nvSpPr>
+          <p:cNvPr id="369" name="Shape 369"/>
+          <p:cNvSpPr txBox="1"/>
+          <p:nvPr>
+            <p:ph type="title"/>
+          </p:nvPr>
+        </p:nvSpPr>
+        <p:spPr>
+          <a:xfrm>
+            <a:off x="823850" y="2053000"/>
+            <a:ext cx="4587000" cy="1148700"/>
+          </a:xfrm>
+          <a:prstGeom prst="rect">
+            <a:avLst/>
+          </a:prstGeom>
+        </p:spPr>
+        <p:txBody>
+          <a:bodyPr anchorCtr="0" anchor="ctr" bIns="91425" lIns="91425" rIns="91425" tIns="91425">
+            <a:noAutofit/>
+          </a:bodyPr>
+          <a:lstStyle/>
+          <a:p>
+            <a:pPr lvl="0">
+              <a:spcBef>
+                <a:spcPts val="0"/>
+              </a:spcBef>
+              <a:buNone/>
+            </a:pPr>
+            <a:r>
+              <a:rPr lang="en"/>
+              <a:t>Timeline</a:t>
+            </a:r>
+          </a:p>
+        </p:txBody>
+      </p:sp>
+    </p:spTree>
+  </p:cSld>
+  <p:clrMapOvr>
+    <a:masterClrMapping/>
+  </p:clrMapOvr>
+</p:sld>
+</file>
+
+<file path=ppt/slides/slide21.xml><?xml version="1.0" encoding="utf-8"?>
+<p:sld xmlns:a="http://schemas.openxmlformats.org/drawingml/2006/main" xmlns:r="http://schemas.openxmlformats.org/officeDocument/2006/relationships" xmlns:mc="http://schemas.openxmlformats.org/markup-compatibility/2006" xmlns:mv="urn:schemas-microsoft-com:mac:vml" xmlns:p="http://schemas.openxmlformats.org/presentationml/2006/main" xmlns:c="http://schemas.openxmlformats.org/drawingml/2006/chart" xmlns:dgm="http://schemas.openxmlformats.org/drawingml/2006/diagram" xmlns:o="urn:schemas-microsoft-com:office:office" xmlns:v="urn:schemas-microsoft-com:vml" xmlns:pvml="urn:schemas-microsoft-com:office:powerpoint" xmlns:com="http://schemas.openxmlformats.org/drawingml/2006/compatibility" xmlns:p14="http://schemas.microsoft.com/office/powerpoint/2010/main" xmlns:p15="http://schemas.microsoft.com/office/powerpoint/2012/main">
+  <p:cSld>
+    <p:spTree>
+      <p:nvGrpSpPr>
+        <p:cNvPr id="373" name="Shape 373"/>
+        <p:cNvGrpSpPr/>
+        <p:nvPr/>
+      </p:nvGrpSpPr>
+      <p:grpSpPr>
+        <a:xfrm>
+          <a:off x="0" y="0"/>
+          <a:ext cx="0" cy="0"/>
+          <a:chOff x="0" y="0"/>
+          <a:chExt cx="0" cy="0"/>
+        </a:xfrm>
+      </p:grpSpPr>
+      <p:sp>
+        <p:nvSpPr>
+          <p:cNvPr descr="Background pointer shape in timeline graphic" id="374" name="Shape 374"/>
           <p:cNvSpPr/>
           <p:nvPr/>
         </p:nvSpPr>
@@ -12890,7 +14160,7 @@
       </p:sp>
       <p:sp>
         <p:nvSpPr>
-          <p:cNvPr id="362" name="Shape 362"/>
+          <p:cNvPr id="375" name="Shape 375"/>
           <p:cNvSpPr txBox="1"/>
           <p:nvPr>
             <p:ph idx="4294967295" type="body"/>
@@ -12932,7 +14202,7 @@
       </p:sp>
       <p:grpSp>
         <p:nvGrpSpPr>
-          <p:cNvPr id="363" name="Shape 363"/>
+          <p:cNvPr id="376" name="Shape 376"/>
           <p:cNvGrpSpPr/>
           <p:nvPr/>
         </p:nvGrpSpPr>
@@ -12946,7 +14216,7 @@
         </p:grpSpPr>
         <p:cxnSp>
           <p:nvCxnSpPr>
-            <p:cNvPr id="364" name="Shape 364"/>
+            <p:cNvPr id="377" name="Shape 377"/>
             <p:cNvCxnSpPr/>
             <p:nvPr/>
           </p:nvCxnSpPr>
@@ -12972,7 +14242,7 @@
         </p:cxnSp>
         <p:sp>
           <p:nvSpPr>
-            <p:cNvPr id="365" name="Shape 365"/>
+            <p:cNvPr id="378" name="Shape 378"/>
             <p:cNvSpPr/>
             <p:nvPr/>
           </p:nvSpPr>
@@ -13013,7 +14283,7 @@
       </p:grpSp>
       <p:sp>
         <p:nvSpPr>
-          <p:cNvPr id="366" name="Shape 366"/>
+          <p:cNvPr id="379" name="Shape 379"/>
           <p:cNvSpPr txBox="1"/>
           <p:nvPr>
             <p:ph idx="4294967295" type="body"/>
@@ -13061,7 +14331,7 @@
       </p:sp>
       <p:sp>
         <p:nvSpPr>
-          <p:cNvPr descr="Background pointer shape in timeline graphic" id="367" name="Shape 367"/>
+          <p:cNvPr descr="Background pointer shape in timeline graphic" id="380" name="Shape 380"/>
           <p:cNvSpPr/>
           <p:nvPr/>
         </p:nvSpPr>
@@ -13109,7 +14379,7 @@
       </p:sp>
       <p:sp>
         <p:nvSpPr>
-          <p:cNvPr id="368" name="Shape 368"/>
+          <p:cNvPr id="381" name="Shape 381"/>
           <p:cNvSpPr txBox="1"/>
           <p:nvPr>
             <p:ph idx="4294967295" type="body"/>
@@ -13151,7 +14421,7 @@
       </p:sp>
       <p:grpSp>
         <p:nvGrpSpPr>
-          <p:cNvPr id="369" name="Shape 369"/>
+          <p:cNvPr id="382" name="Shape 382"/>
           <p:cNvGrpSpPr/>
           <p:nvPr/>
         </p:nvGrpSpPr>
@@ -13165,7 +14435,7 @@
         </p:grpSpPr>
         <p:cxnSp>
           <p:nvCxnSpPr>
-            <p:cNvPr id="370" name="Shape 370"/>
+            <p:cNvPr id="383" name="Shape 383"/>
             <p:cNvCxnSpPr/>
             <p:nvPr/>
           </p:nvCxnSpPr>
@@ -13191,7 +14461,7 @@
         </p:cxnSp>
         <p:sp>
           <p:nvSpPr>
-            <p:cNvPr id="371" name="Shape 371"/>
+            <p:cNvPr id="384" name="Shape 384"/>
             <p:cNvSpPr/>
             <p:nvPr/>
           </p:nvSpPr>
@@ -13232,7 +14502,7 @@
       </p:grpSp>
       <p:sp>
         <p:nvSpPr>
-          <p:cNvPr id="372" name="Shape 372"/>
+          <p:cNvPr id="385" name="Shape 385"/>
           <p:cNvSpPr txBox="1"/>
           <p:nvPr>
             <p:ph idx="4294967295" type="body"/>
@@ -13292,7 +14562,7 @@
       </p:sp>
       <p:sp>
         <p:nvSpPr>
-          <p:cNvPr descr="Background pointer shape in timeline graphic" id="373" name="Shape 373"/>
+          <p:cNvPr descr="Background pointer shape in timeline graphic" id="386" name="Shape 386"/>
           <p:cNvSpPr/>
           <p:nvPr/>
         </p:nvSpPr>
@@ -13340,7 +14610,7 @@
       </p:sp>
       <p:sp>
         <p:nvSpPr>
-          <p:cNvPr id="374" name="Shape 374"/>
+          <p:cNvPr id="387" name="Shape 387"/>
           <p:cNvSpPr txBox="1"/>
           <p:nvPr>
             <p:ph idx="4294967295" type="body"/>
@@ -13382,7 +14652,7 @@
       </p:sp>
       <p:grpSp>
         <p:nvGrpSpPr>
-          <p:cNvPr id="375" name="Shape 375"/>
+          <p:cNvPr id="388" name="Shape 388"/>
           <p:cNvGrpSpPr/>
           <p:nvPr/>
         </p:nvGrpSpPr>
@@ -13396,7 +14666,7 @@
         </p:grpSpPr>
         <p:cxnSp>
           <p:nvCxnSpPr>
-            <p:cNvPr id="376" name="Shape 376"/>
+            <p:cNvPr id="389" name="Shape 389"/>
             <p:cNvCxnSpPr/>
             <p:nvPr/>
           </p:nvCxnSpPr>
@@ -13422,7 +14692,7 @@
         </p:cxnSp>
         <p:sp>
           <p:nvSpPr>
-            <p:cNvPr id="377" name="Shape 377"/>
+            <p:cNvPr id="390" name="Shape 390"/>
             <p:cNvSpPr/>
             <p:nvPr/>
           </p:nvSpPr>
@@ -13463,7 +14733,7 @@
       </p:grpSp>
       <p:sp>
         <p:nvSpPr>
-          <p:cNvPr id="378" name="Shape 378"/>
+          <p:cNvPr id="391" name="Shape 391"/>
           <p:cNvSpPr txBox="1"/>
           <p:nvPr>
             <p:ph idx="4294967295" type="body"/>
@@ -13523,7 +14793,7 @@
       </p:sp>
       <p:sp>
         <p:nvSpPr>
-          <p:cNvPr descr="Background pointer shape in timeline graphic" id="379" name="Shape 379"/>
+          <p:cNvPr descr="Background pointer shape in timeline graphic" id="392" name="Shape 392"/>
           <p:cNvSpPr/>
           <p:nvPr/>
         </p:nvSpPr>
@@ -13571,7 +14841,7 @@
       </p:sp>
       <p:sp>
         <p:nvSpPr>
-          <p:cNvPr id="380" name="Shape 380"/>
+          <p:cNvPr id="393" name="Shape 393"/>
           <p:cNvSpPr txBox="1"/>
           <p:nvPr>
             <p:ph idx="4294967295" type="body"/>
@@ -13613,7 +14883,7 @@
       </p:sp>
       <p:grpSp>
         <p:nvGrpSpPr>
-          <p:cNvPr id="381" name="Shape 381"/>
+          <p:cNvPr id="394" name="Shape 394"/>
           <p:cNvGrpSpPr/>
           <p:nvPr/>
         </p:nvGrpSpPr>
@@ -13627,7 +14897,7 @@
         </p:grpSpPr>
         <p:cxnSp>
           <p:nvCxnSpPr>
-            <p:cNvPr id="382" name="Shape 382"/>
+            <p:cNvPr id="395" name="Shape 395"/>
             <p:cNvCxnSpPr/>
             <p:nvPr/>
           </p:nvCxnSpPr>
@@ -13653,7 +14923,7 @@
         </p:cxnSp>
         <p:sp>
           <p:nvSpPr>
-            <p:cNvPr id="383" name="Shape 383"/>
+            <p:cNvPr id="396" name="Shape 396"/>
             <p:cNvSpPr/>
             <p:nvPr/>
           </p:nvSpPr>
@@ -13694,7 +14964,7 @@
       </p:grpSp>
       <p:sp>
         <p:nvSpPr>
-          <p:cNvPr id="384" name="Shape 384"/>
+          <p:cNvPr id="397" name="Shape 397"/>
           <p:cNvSpPr txBox="1"/>
           <p:nvPr>
             <p:ph idx="4294967295" type="body"/>
@@ -13748,12 +15018,12 @@
 </p:sld>
 </file>
 
-<file path=ppt/slides/slide2.xml><?xml version="1.0" encoding="utf-8"?>
+<file path=ppt/slides/slide22.xml><?xml version="1.0" encoding="utf-8"?>
 <p:sld xmlns:a="http://schemas.openxmlformats.org/drawingml/2006/main" xmlns:r="http://schemas.openxmlformats.org/officeDocument/2006/relationships" xmlns:mc="http://schemas.openxmlformats.org/markup-compatibility/2006" xmlns:mv="urn:schemas-microsoft-com:mac:vml" xmlns:p="http://schemas.openxmlformats.org/presentationml/2006/main" xmlns:c="http://schemas.openxmlformats.org/drawingml/2006/chart" xmlns:dgm="http://schemas.openxmlformats.org/drawingml/2006/diagram" xmlns:o="urn:schemas-microsoft-com:office:office" xmlns:v="urn:schemas-microsoft-com:vml" xmlns:pvml="urn:schemas-microsoft-com:office:powerpoint" xmlns:com="http://schemas.openxmlformats.org/drawingml/2006/compatibility" xmlns:p14="http://schemas.microsoft.com/office/powerpoint/2010/main" xmlns:p15="http://schemas.microsoft.com/office/powerpoint/2012/main">
   <p:cSld>
     <p:spTree>
       <p:nvGrpSpPr>
-        <p:cNvPr id="140" name="Shape 140"/>
+        <p:cNvPr id="401" name="Shape 401"/>
         <p:cNvGrpSpPr/>
         <p:nvPr/>
       </p:nvGrpSpPr>
@@ -13767,274 +15037,7 @@
       </p:grpSpPr>
       <p:sp>
         <p:nvSpPr>
-          <p:cNvPr id="141" name="Shape 141"/>
-          <p:cNvSpPr txBox="1"/>
-          <p:nvPr>
-            <p:ph type="title"/>
-          </p:nvPr>
-        </p:nvSpPr>
-        <p:spPr>
-          <a:xfrm>
-            <a:off x="1297500" y="393750"/>
-            <a:ext cx="7038900" cy="914100"/>
-          </a:xfrm>
-          <a:prstGeom prst="rect">
-            <a:avLst/>
-          </a:prstGeom>
-        </p:spPr>
-        <p:txBody>
-          <a:bodyPr anchorCtr="0" anchor="t" bIns="91425" lIns="91425" rIns="91425" tIns="91425">
-            <a:noAutofit/>
-          </a:bodyPr>
-          <a:lstStyle/>
-          <a:p>
-            <a:pPr lvl="0">
-              <a:spcBef>
-                <a:spcPts val="0"/>
-              </a:spcBef>
-              <a:buNone/>
-            </a:pPr>
-            <a:r>
-              <a:rPr lang="en"/>
-              <a:t>Kevin Le</a:t>
-            </a:r>
-          </a:p>
-        </p:txBody>
-      </p:sp>
-      <p:sp>
-        <p:nvSpPr>
-          <p:cNvPr id="142" name="Shape 142"/>
-          <p:cNvSpPr txBox="1"/>
-          <p:nvPr>
-            <p:ph idx="1" type="body"/>
-          </p:nvPr>
-        </p:nvSpPr>
-        <p:spPr>
-          <a:xfrm>
-            <a:off x="1297500" y="1567550"/>
-            <a:ext cx="3403200" cy="2911200"/>
-          </a:xfrm>
-          <a:prstGeom prst="rect">
-            <a:avLst/>
-          </a:prstGeom>
-        </p:spPr>
-        <p:txBody>
-          <a:bodyPr anchorCtr="0" anchor="t" bIns="91425" lIns="91425" rIns="91425" tIns="91425">
-            <a:noAutofit/>
-          </a:bodyPr>
-          <a:lstStyle/>
-          <a:p>
-            <a:pPr lvl="0" rtl="0">
-              <a:spcBef>
-                <a:spcPts val="0"/>
-              </a:spcBef>
-              <a:buNone/>
-            </a:pPr>
-            <a:r>
-              <a:rPr lang="en"/>
-              <a:t>Currently:</a:t>
-            </a:r>
-          </a:p>
-          <a:p>
-            <a:pPr indent="-228600" lvl="0" marL="457200" rtl="0">
-              <a:spcBef>
-                <a:spcPts val="0"/>
-              </a:spcBef>
-            </a:pPr>
-            <a:r>
-              <a:rPr lang="en"/>
-              <a:t>BASc Software Engineering (uOttawa)</a:t>
-            </a:r>
-          </a:p>
-          <a:p>
-            <a:pPr indent="-228600" lvl="1" marL="914400" rtl="0">
-              <a:spcBef>
-                <a:spcPts val="0"/>
-              </a:spcBef>
-            </a:pPr>
-            <a:r>
-              <a:rPr lang="en"/>
-              <a:t>Focus on applied math</a:t>
-            </a:r>
-          </a:p>
-          <a:p>
-            <a:pPr indent="-228600" lvl="0" marL="457200" rtl="0">
-              <a:spcBef>
-                <a:spcPts val="0"/>
-              </a:spcBef>
-            </a:pPr>
-            <a:r>
-              <a:rPr lang="en"/>
-              <a:t>Co-op @NML Lethbridge (8-months)</a:t>
-            </a:r>
-          </a:p>
-          <a:p>
-            <a:pPr lvl="0" rtl="0">
-              <a:spcBef>
-                <a:spcPts val="0"/>
-              </a:spcBef>
-              <a:buNone/>
-            </a:pPr>
-            <a:r>
-              <a:rPr lang="en"/>
-              <a:t>Previously Completed:</a:t>
-            </a:r>
-          </a:p>
-          <a:p>
-            <a:pPr indent="-228600" lvl="0" marL="457200" rtl="0">
-              <a:spcBef>
-                <a:spcPts val="0"/>
-              </a:spcBef>
-            </a:pPr>
-            <a:r>
-              <a:rPr lang="en"/>
-              <a:t>BSc Neuroscience (Dalhousie)</a:t>
-            </a:r>
-          </a:p>
-          <a:p>
-            <a:pPr indent="-228600" lvl="1" marL="914400" rtl="0">
-              <a:spcBef>
-                <a:spcPts val="0"/>
-              </a:spcBef>
-            </a:pPr>
-            <a:r>
-              <a:rPr lang="en"/>
-              <a:t>Transgenic mouse models of Alzheimer’s</a:t>
-            </a:r>
-          </a:p>
-          <a:p>
-            <a:pPr indent="-228600" lvl="1" marL="914400" rtl="0">
-              <a:spcBef>
-                <a:spcPts val="0"/>
-              </a:spcBef>
-            </a:pPr>
-            <a:r>
-              <a:rPr lang="en"/>
-              <a:t>Cryptography &amp; network security</a:t>
-            </a:r>
-          </a:p>
-        </p:txBody>
-      </p:sp>
-      <p:sp>
-        <p:nvSpPr>
-          <p:cNvPr id="143" name="Shape 143"/>
-          <p:cNvSpPr txBox="1"/>
-          <p:nvPr>
-            <p:ph idx="2" type="body"/>
-          </p:nvPr>
-        </p:nvSpPr>
-        <p:spPr>
-          <a:xfrm>
-            <a:off x="4933221" y="1567550"/>
-            <a:ext cx="3403200" cy="2911200"/>
-          </a:xfrm>
-          <a:prstGeom prst="rect">
-            <a:avLst/>
-          </a:prstGeom>
-        </p:spPr>
-        <p:txBody>
-          <a:bodyPr anchorCtr="0" anchor="t" bIns="91425" lIns="91425" rIns="91425" tIns="91425">
-            <a:noAutofit/>
-          </a:bodyPr>
-          <a:lstStyle/>
-          <a:p>
-            <a:pPr lvl="0">
-              <a:spcBef>
-                <a:spcPts val="0"/>
-              </a:spcBef>
-              <a:buNone/>
-            </a:pPr>
-            <a:r>
-              <a:rPr lang="en"/>
-              <a:t>Software Background:</a:t>
-            </a:r>
-          </a:p>
-          <a:p>
-            <a:pPr indent="-228600" lvl="0" marL="457200" rtl="0">
-              <a:spcBef>
-                <a:spcPts val="0"/>
-              </a:spcBef>
-            </a:pPr>
-            <a:r>
-              <a:rPr lang="en"/>
-              <a:t>Largely Python</a:t>
-            </a:r>
-          </a:p>
-          <a:p>
-            <a:pPr indent="-228600" lvl="0" marL="457200" rtl="0">
-              <a:spcBef>
-                <a:spcPts val="0"/>
-              </a:spcBef>
-            </a:pPr>
-            <a:r>
-              <a:rPr lang="en"/>
-              <a:t>Linux</a:t>
-            </a:r>
-          </a:p>
-          <a:p>
-            <a:pPr indent="-228600" lvl="0" marL="457200" rtl="0">
-              <a:spcBef>
-                <a:spcPts val="0"/>
-              </a:spcBef>
-            </a:pPr>
-            <a:r>
-              <a:rPr lang="en"/>
-              <a:t>Virtualization</a:t>
-            </a:r>
-          </a:p>
-          <a:p>
-            <a:pPr lvl="0" rtl="0">
-              <a:spcBef>
-                <a:spcPts val="0"/>
-              </a:spcBef>
-              <a:buNone/>
-            </a:pPr>
-            <a:r>
-              <a:rPr lang="en"/>
-              <a:t>Career Goals:</a:t>
-            </a:r>
-          </a:p>
-          <a:p>
-            <a:pPr indent="-228600" lvl="0" marL="457200">
-              <a:spcBef>
-                <a:spcPts val="0"/>
-              </a:spcBef>
-            </a:pPr>
-            <a:r>
-              <a:rPr lang="en"/>
-              <a:t>Big-data companies</a:t>
-            </a:r>
-          </a:p>
-        </p:txBody>
-      </p:sp>
-    </p:spTree>
-  </p:cSld>
-  <p:clrMapOvr>
-    <a:masterClrMapping/>
-  </p:clrMapOvr>
-</p:sld>
-</file>
-
-<file path=ppt/slides/slide20.xml><?xml version="1.0" encoding="utf-8"?>
-<p:sld xmlns:a="http://schemas.openxmlformats.org/drawingml/2006/main" xmlns:r="http://schemas.openxmlformats.org/officeDocument/2006/relationships" xmlns:mc="http://schemas.openxmlformats.org/markup-compatibility/2006" xmlns:mv="urn:schemas-microsoft-com:mac:vml" xmlns:p="http://schemas.openxmlformats.org/presentationml/2006/main" xmlns:c="http://schemas.openxmlformats.org/drawingml/2006/chart" xmlns:dgm="http://schemas.openxmlformats.org/drawingml/2006/diagram" xmlns:o="urn:schemas-microsoft-com:office:office" xmlns:v="urn:schemas-microsoft-com:vml" xmlns:pvml="urn:schemas-microsoft-com:office:powerpoint" xmlns:com="http://schemas.openxmlformats.org/drawingml/2006/compatibility" xmlns:p14="http://schemas.microsoft.com/office/powerpoint/2010/main" xmlns:p15="http://schemas.microsoft.com/office/powerpoint/2012/main">
-  <p:cSld>
-    <p:spTree>
-      <p:nvGrpSpPr>
-        <p:cNvPr id="388" name="Shape 388"/>
-        <p:cNvGrpSpPr/>
-        <p:nvPr/>
-      </p:nvGrpSpPr>
-      <p:grpSpPr>
-        <a:xfrm>
-          <a:off x="0" y="0"/>
-          <a:ext cx="0" cy="0"/>
-          <a:chOff x="0" y="0"/>
-          <a:chExt cx="0" cy="0"/>
-        </a:xfrm>
-      </p:grpSpPr>
-      <p:sp>
-        <p:nvSpPr>
-          <p:cNvPr descr="Background pointer shape in timeline graphic" id="389" name="Shape 389"/>
+          <p:cNvPr descr="Background pointer shape in timeline graphic" id="402" name="Shape 402"/>
           <p:cNvSpPr/>
           <p:nvPr/>
         </p:nvSpPr>
@@ -14082,7 +15085,7 @@
       </p:sp>
       <p:sp>
         <p:nvSpPr>
-          <p:cNvPr id="390" name="Shape 390"/>
+          <p:cNvPr id="403" name="Shape 403"/>
           <p:cNvSpPr txBox="1"/>
           <p:nvPr>
             <p:ph idx="4294967295" type="body"/>
@@ -14124,7 +15127,7 @@
       </p:sp>
       <p:grpSp>
         <p:nvGrpSpPr>
-          <p:cNvPr id="391" name="Shape 391"/>
+          <p:cNvPr id="404" name="Shape 404"/>
           <p:cNvGrpSpPr/>
           <p:nvPr/>
         </p:nvGrpSpPr>
@@ -14138,7 +15141,7 @@
         </p:grpSpPr>
         <p:cxnSp>
           <p:nvCxnSpPr>
-            <p:cNvPr id="392" name="Shape 392"/>
+            <p:cNvPr id="405" name="Shape 405"/>
             <p:cNvCxnSpPr/>
             <p:nvPr/>
           </p:nvCxnSpPr>
@@ -14164,7 +15167,7 @@
         </p:cxnSp>
         <p:sp>
           <p:nvSpPr>
-            <p:cNvPr id="393" name="Shape 393"/>
+            <p:cNvPr id="406" name="Shape 406"/>
             <p:cNvSpPr/>
             <p:nvPr/>
           </p:nvSpPr>
@@ -14205,7 +15208,7 @@
       </p:grpSp>
       <p:sp>
         <p:nvSpPr>
-          <p:cNvPr id="394" name="Shape 394"/>
+          <p:cNvPr id="407" name="Shape 407"/>
           <p:cNvSpPr txBox="1"/>
           <p:nvPr>
             <p:ph idx="4294967295" type="body"/>
@@ -14253,7 +15256,7 @@
       </p:sp>
       <p:sp>
         <p:nvSpPr>
-          <p:cNvPr descr="Background pointer shape in timeline graphic" id="395" name="Shape 395"/>
+          <p:cNvPr descr="Background pointer shape in timeline graphic" id="408" name="Shape 408"/>
           <p:cNvSpPr/>
           <p:nvPr/>
         </p:nvSpPr>
@@ -14301,7 +15304,7 @@
       </p:sp>
       <p:sp>
         <p:nvSpPr>
-          <p:cNvPr id="396" name="Shape 396"/>
+          <p:cNvPr id="409" name="Shape 409"/>
           <p:cNvSpPr txBox="1"/>
           <p:nvPr>
             <p:ph idx="4294967295" type="body"/>
@@ -14343,7 +15346,7 @@
       </p:sp>
       <p:grpSp>
         <p:nvGrpSpPr>
-          <p:cNvPr id="397" name="Shape 397"/>
+          <p:cNvPr id="410" name="Shape 410"/>
           <p:cNvGrpSpPr/>
           <p:nvPr/>
         </p:nvGrpSpPr>
@@ -14357,7 +15360,7 @@
         </p:grpSpPr>
         <p:cxnSp>
           <p:nvCxnSpPr>
-            <p:cNvPr id="398" name="Shape 398"/>
+            <p:cNvPr id="411" name="Shape 411"/>
             <p:cNvCxnSpPr/>
             <p:nvPr/>
           </p:nvCxnSpPr>
@@ -14383,7 +15386,7 @@
         </p:cxnSp>
         <p:sp>
           <p:nvSpPr>
-            <p:cNvPr id="399" name="Shape 399"/>
+            <p:cNvPr id="412" name="Shape 412"/>
             <p:cNvSpPr/>
             <p:nvPr/>
           </p:nvSpPr>
@@ -14424,7 +15427,7 @@
       </p:grpSp>
       <p:sp>
         <p:nvSpPr>
-          <p:cNvPr id="400" name="Shape 400"/>
+          <p:cNvPr id="413" name="Shape 413"/>
           <p:cNvSpPr txBox="1"/>
           <p:nvPr>
             <p:ph idx="4294967295" type="body"/>
@@ -14472,7 +15475,7 @@
       </p:sp>
       <p:sp>
         <p:nvSpPr>
-          <p:cNvPr descr="Background pointer shape in timeline graphic" id="401" name="Shape 401"/>
+          <p:cNvPr descr="Background pointer shape in timeline graphic" id="414" name="Shape 414"/>
           <p:cNvSpPr/>
           <p:nvPr/>
         </p:nvSpPr>
@@ -14520,7 +15523,7 @@
       </p:sp>
       <p:sp>
         <p:nvSpPr>
-          <p:cNvPr id="402" name="Shape 402"/>
+          <p:cNvPr id="415" name="Shape 415"/>
           <p:cNvSpPr txBox="1"/>
           <p:nvPr>
             <p:ph idx="4294967295" type="body"/>
@@ -14562,7 +15565,7 @@
       </p:sp>
       <p:grpSp>
         <p:nvGrpSpPr>
-          <p:cNvPr id="403" name="Shape 403"/>
+          <p:cNvPr id="416" name="Shape 416"/>
           <p:cNvGrpSpPr/>
           <p:nvPr/>
         </p:nvGrpSpPr>
@@ -14576,7 +15579,7 @@
         </p:grpSpPr>
         <p:cxnSp>
           <p:nvCxnSpPr>
-            <p:cNvPr id="404" name="Shape 404"/>
+            <p:cNvPr id="417" name="Shape 417"/>
             <p:cNvCxnSpPr/>
             <p:nvPr/>
           </p:nvCxnSpPr>
@@ -14602,7 +15605,7 @@
         </p:cxnSp>
         <p:sp>
           <p:nvSpPr>
-            <p:cNvPr id="405" name="Shape 405"/>
+            <p:cNvPr id="418" name="Shape 418"/>
             <p:cNvSpPr/>
             <p:nvPr/>
           </p:nvSpPr>
@@ -14643,7 +15646,7 @@
       </p:grpSp>
       <p:sp>
         <p:nvSpPr>
-          <p:cNvPr id="406" name="Shape 406"/>
+          <p:cNvPr id="419" name="Shape 419"/>
           <p:cNvSpPr txBox="1"/>
           <p:nvPr>
             <p:ph idx="4294967295" type="body"/>
@@ -14703,7 +15706,7 @@
       </p:sp>
       <p:sp>
         <p:nvSpPr>
-          <p:cNvPr descr="Background pointer shape in timeline graphic" id="407" name="Shape 407"/>
+          <p:cNvPr descr="Background pointer shape in timeline graphic" id="420" name="Shape 420"/>
           <p:cNvSpPr/>
           <p:nvPr/>
         </p:nvSpPr>
@@ -14751,7 +15754,7 @@
       </p:sp>
       <p:sp>
         <p:nvSpPr>
-          <p:cNvPr id="408" name="Shape 408"/>
+          <p:cNvPr id="421" name="Shape 421"/>
           <p:cNvSpPr txBox="1"/>
           <p:nvPr>
             <p:ph idx="4294967295" type="body"/>
@@ -14793,7 +15796,7 @@
       </p:sp>
       <p:grpSp>
         <p:nvGrpSpPr>
-          <p:cNvPr id="409" name="Shape 409"/>
+          <p:cNvPr id="422" name="Shape 422"/>
           <p:cNvGrpSpPr/>
           <p:nvPr/>
         </p:nvGrpSpPr>
@@ -14807,7 +15810,7 @@
         </p:grpSpPr>
         <p:cxnSp>
           <p:nvCxnSpPr>
-            <p:cNvPr id="410" name="Shape 410"/>
+            <p:cNvPr id="423" name="Shape 423"/>
             <p:cNvCxnSpPr/>
             <p:nvPr/>
           </p:nvCxnSpPr>
@@ -14833,7 +15836,7 @@
         </p:cxnSp>
         <p:sp>
           <p:nvSpPr>
-            <p:cNvPr id="411" name="Shape 411"/>
+            <p:cNvPr id="424" name="Shape 424"/>
             <p:cNvSpPr/>
             <p:nvPr/>
           </p:nvSpPr>
@@ -14874,7 +15877,7 @@
       </p:grpSp>
       <p:sp>
         <p:nvSpPr>
-          <p:cNvPr id="412" name="Shape 412"/>
+          <p:cNvPr id="425" name="Shape 425"/>
           <p:cNvSpPr txBox="1"/>
           <p:nvPr>
             <p:ph idx="4294967295" type="body"/>
@@ -14916,12 +15919,12 @@
 </p:sld>
 </file>
 
-<file path=ppt/slides/slide21.xml><?xml version="1.0" encoding="utf-8"?>
+<file path=ppt/slides/slide23.xml><?xml version="1.0" encoding="utf-8"?>
 <p:sld xmlns:a="http://schemas.openxmlformats.org/drawingml/2006/main" xmlns:r="http://schemas.openxmlformats.org/officeDocument/2006/relationships" xmlns:mc="http://schemas.openxmlformats.org/markup-compatibility/2006" xmlns:mv="urn:schemas-microsoft-com:mac:vml" xmlns:p="http://schemas.openxmlformats.org/presentationml/2006/main" xmlns:c="http://schemas.openxmlformats.org/drawingml/2006/chart" xmlns:dgm="http://schemas.openxmlformats.org/drawingml/2006/diagram" xmlns:o="urn:schemas-microsoft-com:office:office" xmlns:v="urn:schemas-microsoft-com:vml" xmlns:pvml="urn:schemas-microsoft-com:office:powerpoint" xmlns:com="http://schemas.openxmlformats.org/drawingml/2006/compatibility" xmlns:p14="http://schemas.microsoft.com/office/powerpoint/2010/main" xmlns:p15="http://schemas.microsoft.com/office/powerpoint/2012/main">
   <p:cSld>
     <p:spTree>
       <p:nvGrpSpPr>
-        <p:cNvPr id="416" name="Shape 416"/>
+        <p:cNvPr id="429" name="Shape 429"/>
         <p:cNvGrpSpPr/>
         <p:nvPr/>
       </p:nvGrpSpPr>
@@ -14935,7 +15938,7 @@
       </p:grpSpPr>
       <p:sp>
         <p:nvSpPr>
-          <p:cNvPr id="417" name="Shape 417"/>
+          <p:cNvPr id="430" name="Shape 430"/>
           <p:cNvSpPr txBox="1"/>
           <p:nvPr>
             <p:ph type="title"/>
@@ -14971,7 +15974,7 @@
       </p:sp>
       <p:sp>
         <p:nvSpPr>
-          <p:cNvPr id="418" name="Shape 418"/>
+          <p:cNvPr id="431" name="Shape 431"/>
           <p:cNvSpPr txBox="1"/>
           <p:nvPr>
             <p:ph idx="1" type="subTitle"/>
@@ -15007,7 +16010,7 @@
       </p:sp>
       <p:pic>
         <p:nvPicPr>
-          <p:cNvPr descr="Screen Shot 2017-08-01 at 2.05.49 PM.png" id="419" name="Shape 419"/>
+          <p:cNvPr descr="Screen Shot 2017-08-01 at 2.05.49 PM.png" id="432" name="Shape 432"/>
           <p:cNvPicPr preferRelativeResize="0"/>
           <p:nvPr/>
         </p:nvPicPr>
@@ -15041,12 +16044,12 @@
 </p:sld>
 </file>
 
-<file path=ppt/slides/slide22.xml><?xml version="1.0" encoding="utf-8"?>
+<file path=ppt/slides/slide24.xml><?xml version="1.0" encoding="utf-8"?>
 <p:sld xmlns:a="http://schemas.openxmlformats.org/drawingml/2006/main" xmlns:r="http://schemas.openxmlformats.org/officeDocument/2006/relationships" xmlns:mc="http://schemas.openxmlformats.org/markup-compatibility/2006" xmlns:mv="urn:schemas-microsoft-com:mac:vml" xmlns:p="http://schemas.openxmlformats.org/presentationml/2006/main" xmlns:c="http://schemas.openxmlformats.org/drawingml/2006/chart" xmlns:dgm="http://schemas.openxmlformats.org/drawingml/2006/diagram" xmlns:o="urn:schemas-microsoft-com:office:office" xmlns:v="urn:schemas-microsoft-com:vml" xmlns:pvml="urn:schemas-microsoft-com:office:powerpoint" xmlns:com="http://schemas.openxmlformats.org/drawingml/2006/compatibility" xmlns:p14="http://schemas.microsoft.com/office/powerpoint/2010/main" xmlns:p15="http://schemas.microsoft.com/office/powerpoint/2012/main">
   <p:cSld>
     <p:spTree>
       <p:nvGrpSpPr>
-        <p:cNvPr id="423" name="Shape 423"/>
+        <p:cNvPr id="436" name="Shape 436"/>
         <p:cNvGrpSpPr/>
         <p:nvPr/>
       </p:nvGrpSpPr>
@@ -15060,7 +16063,7 @@
       </p:grpSpPr>
       <p:sp>
         <p:nvSpPr>
-          <p:cNvPr id="424" name="Shape 424"/>
+          <p:cNvPr id="437" name="Shape 437"/>
           <p:cNvSpPr txBox="1"/>
           <p:nvPr>
             <p:ph type="title"/>
@@ -15090,6 +16093,511 @@
             <a:r>
               <a:rPr lang="en"/>
               <a:t>Live Demo</a:t>
+            </a:r>
+          </a:p>
+        </p:txBody>
+      </p:sp>
+    </p:spTree>
+  </p:cSld>
+  <p:clrMapOvr>
+    <a:masterClrMapping/>
+  </p:clrMapOvr>
+</p:sld>
+</file>
+
+<file path=ppt/slides/slide25.xml><?xml version="1.0" encoding="utf-8"?>
+<p:sld xmlns:a="http://schemas.openxmlformats.org/drawingml/2006/main" xmlns:r="http://schemas.openxmlformats.org/officeDocument/2006/relationships" xmlns:mc="http://schemas.openxmlformats.org/markup-compatibility/2006" xmlns:mv="urn:schemas-microsoft-com:mac:vml" xmlns:p="http://schemas.openxmlformats.org/presentationml/2006/main" xmlns:c="http://schemas.openxmlformats.org/drawingml/2006/chart" xmlns:dgm="http://schemas.openxmlformats.org/drawingml/2006/diagram" xmlns:o="urn:schemas-microsoft-com:office:office" xmlns:v="urn:schemas-microsoft-com:vml" xmlns:pvml="urn:schemas-microsoft-com:office:powerpoint" xmlns:com="http://schemas.openxmlformats.org/drawingml/2006/compatibility" xmlns:p14="http://schemas.microsoft.com/office/powerpoint/2010/main" xmlns:p15="http://schemas.microsoft.com/office/powerpoint/2012/main">
+  <p:cSld>
+    <p:spTree>
+      <p:nvGrpSpPr>
+        <p:cNvPr id="441" name="Shape 441"/>
+        <p:cNvGrpSpPr/>
+        <p:nvPr/>
+      </p:nvGrpSpPr>
+      <p:grpSpPr>
+        <a:xfrm>
+          <a:off x="0" y="0"/>
+          <a:ext cx="0" cy="0"/>
+          <a:chOff x="0" y="0"/>
+          <a:chExt cx="0" cy="0"/>
+        </a:xfrm>
+      </p:grpSpPr>
+      <p:sp>
+        <p:nvSpPr>
+          <p:cNvPr id="442" name="Shape 442"/>
+          <p:cNvSpPr txBox="1"/>
+          <p:nvPr>
+            <p:ph type="title"/>
+          </p:nvPr>
+        </p:nvSpPr>
+        <p:spPr>
+          <a:xfrm>
+            <a:off x="1297500" y="393750"/>
+            <a:ext cx="7038900" cy="914100"/>
+          </a:xfrm>
+          <a:prstGeom prst="rect">
+            <a:avLst/>
+          </a:prstGeom>
+        </p:spPr>
+        <p:txBody>
+          <a:bodyPr anchorCtr="0" anchor="t" bIns="91425" lIns="91425" rIns="91425" tIns="91425">
+            <a:noAutofit/>
+          </a:bodyPr>
+          <a:lstStyle/>
+          <a:p>
+            <a:pPr lvl="0" rtl="0">
+              <a:spcBef>
+                <a:spcPts val="0"/>
+              </a:spcBef>
+              <a:buNone/>
+            </a:pPr>
+            <a:r>
+              <a:rPr lang="en"/>
+              <a:t>End Result:</a:t>
+            </a:r>
+          </a:p>
+        </p:txBody>
+      </p:sp>
+      <p:grpSp>
+        <p:nvGrpSpPr>
+          <p:cNvPr id="443" name="Shape 443"/>
+          <p:cNvGrpSpPr/>
+          <p:nvPr/>
+        </p:nvGrpSpPr>
+        <p:grpSpPr>
+          <a:xfrm>
+            <a:off x="431925" y="1304875"/>
+            <a:ext cx="2628925" cy="3416400"/>
+            <a:chOff x="431925" y="1304875"/>
+            <a:chExt cx="2628925" cy="3416400"/>
+          </a:xfrm>
+        </p:grpSpPr>
+        <p:sp>
+          <p:nvSpPr>
+            <p:cNvPr id="444" name="Shape 444"/>
+            <p:cNvSpPr txBox="1"/>
+            <p:nvPr/>
+          </p:nvSpPr>
+          <p:spPr>
+            <a:xfrm>
+              <a:off x="431925" y="1304875"/>
+              <a:ext cx="2628900" cy="464100"/>
+            </a:xfrm>
+            <a:prstGeom prst="rect">
+              <a:avLst/>
+            </a:prstGeom>
+            <a:solidFill>
+              <a:schemeClr val="dk1"/>
+            </a:solidFill>
+            <a:ln>
+              <a:noFill/>
+            </a:ln>
+          </p:spPr>
+          <p:txBody>
+            <a:bodyPr anchorCtr="0" anchor="ctr" bIns="91425" lIns="91425" rIns="91425" tIns="91425">
+              <a:noAutofit/>
+            </a:bodyPr>
+            <a:lstStyle/>
+            <a:p>
+              <a:pPr lvl="0">
+                <a:spcBef>
+                  <a:spcPts val="0"/>
+                </a:spcBef>
+                <a:buNone/>
+              </a:pPr>
+              <a:r>
+                <a:t/>
+              </a:r>
+              <a:endParaRPr/>
+            </a:p>
+          </p:txBody>
+        </p:sp>
+        <p:sp>
+          <p:nvSpPr>
+            <p:cNvPr id="445" name="Shape 445"/>
+            <p:cNvSpPr/>
+            <p:nvPr/>
+          </p:nvSpPr>
+          <p:spPr>
+            <a:xfrm>
+              <a:off x="431950" y="1304875"/>
+              <a:ext cx="2628900" cy="3416400"/>
+            </a:xfrm>
+            <a:prstGeom prst="rect">
+              <a:avLst/>
+            </a:prstGeom>
+            <a:noFill/>
+            <a:ln cap="flat" cmpd="sng" w="9525">
+              <a:solidFill>
+                <a:schemeClr val="dk1"/>
+              </a:solidFill>
+              <a:prstDash val="solid"/>
+              <a:round/>
+              <a:headEnd len="med" w="med" type="none"/>
+              <a:tailEnd len="med" w="med" type="none"/>
+            </a:ln>
+          </p:spPr>
+          <p:txBody>
+            <a:bodyPr anchorCtr="0" anchor="ctr" bIns="91425" lIns="91425" rIns="91425" tIns="91425">
+              <a:noAutofit/>
+            </a:bodyPr>
+            <a:lstStyle/>
+            <a:p>
+              <a:pPr lvl="0">
+                <a:spcBef>
+                  <a:spcPts val="0"/>
+                </a:spcBef>
+                <a:buNone/>
+              </a:pPr>
+              <a:r>
+                <a:t/>
+              </a:r>
+              <a:endParaRPr/>
+            </a:p>
+          </p:txBody>
+        </p:sp>
+      </p:grpSp>
+      <p:sp>
+        <p:nvSpPr>
+          <p:cNvPr id="446" name="Shape 446"/>
+          <p:cNvSpPr txBox="1"/>
+          <p:nvPr>
+            <p:ph idx="4294967295" type="body"/>
+          </p:nvPr>
+        </p:nvSpPr>
+        <p:spPr>
+          <a:xfrm>
+            <a:off x="508325" y="1850300"/>
+            <a:ext cx="2478600" cy="2794800"/>
+          </a:xfrm>
+          <a:prstGeom prst="rect">
+            <a:avLst/>
+          </a:prstGeom>
+        </p:spPr>
+        <p:txBody>
+          <a:bodyPr anchorCtr="0" anchor="t" bIns="91425" lIns="91425" rIns="91425" tIns="91425">
+            <a:noAutofit/>
+          </a:bodyPr>
+          <a:lstStyle/>
+          <a:p>
+            <a:pPr indent="-330200" lvl="0" marL="457200" rtl="0">
+              <a:spcBef>
+                <a:spcPts val="0"/>
+              </a:spcBef>
+              <a:buSzPct val="100000"/>
+            </a:pPr>
+            <a:r>
+              <a:rPr lang="en" sz="1600"/>
+              <a:t>Real-time serotype, VF, AMR prediction</a:t>
+            </a:r>
+          </a:p>
+          <a:p>
+            <a:pPr indent="-330200" lvl="0" marL="457200" rtl="0">
+              <a:spcBef>
+                <a:spcPts val="0"/>
+              </a:spcBef>
+              <a:buSzPct val="100000"/>
+            </a:pPr>
+            <a:r>
+              <a:rPr lang="en" sz="1600"/>
+              <a:t>Within 2-3 minutes</a:t>
+            </a:r>
+          </a:p>
+        </p:txBody>
+      </p:sp>
+      <p:grpSp>
+        <p:nvGrpSpPr>
+          <p:cNvPr id="447" name="Shape 447"/>
+          <p:cNvGrpSpPr/>
+          <p:nvPr/>
+        </p:nvGrpSpPr>
+        <p:grpSpPr>
+          <a:xfrm>
+            <a:off x="3320450" y="1304875"/>
+            <a:ext cx="2632500" cy="3416400"/>
+            <a:chOff x="3320450" y="1304875"/>
+            <a:chExt cx="2632500" cy="3416400"/>
+          </a:xfrm>
+        </p:grpSpPr>
+        <p:sp>
+          <p:nvSpPr>
+            <p:cNvPr id="448" name="Shape 448"/>
+            <p:cNvSpPr txBox="1"/>
+            <p:nvPr/>
+          </p:nvSpPr>
+          <p:spPr>
+            <a:xfrm>
+              <a:off x="3324050" y="1304875"/>
+              <a:ext cx="2628900" cy="464100"/>
+            </a:xfrm>
+            <a:prstGeom prst="rect">
+              <a:avLst/>
+            </a:prstGeom>
+            <a:solidFill>
+              <a:schemeClr val="dk1"/>
+            </a:solidFill>
+            <a:ln>
+              <a:noFill/>
+            </a:ln>
+          </p:spPr>
+          <p:txBody>
+            <a:bodyPr anchorCtr="0" anchor="ctr" bIns="91425" lIns="91425" rIns="91425" tIns="91425">
+              <a:noAutofit/>
+            </a:bodyPr>
+            <a:lstStyle/>
+            <a:p>
+              <a:pPr lvl="0">
+                <a:spcBef>
+                  <a:spcPts val="0"/>
+                </a:spcBef>
+                <a:buNone/>
+              </a:pPr>
+              <a:r>
+                <a:t/>
+              </a:r>
+              <a:endParaRPr/>
+            </a:p>
+          </p:txBody>
+        </p:sp>
+        <p:sp>
+          <p:nvSpPr>
+            <p:cNvPr id="449" name="Shape 449"/>
+            <p:cNvSpPr/>
+            <p:nvPr/>
+          </p:nvSpPr>
+          <p:spPr>
+            <a:xfrm>
+              <a:off x="3320450" y="1304875"/>
+              <a:ext cx="2628900" cy="3416400"/>
+            </a:xfrm>
+            <a:prstGeom prst="rect">
+              <a:avLst/>
+            </a:prstGeom>
+            <a:noFill/>
+            <a:ln cap="flat" cmpd="sng" w="9525">
+              <a:solidFill>
+                <a:schemeClr val="dk1"/>
+              </a:solidFill>
+              <a:prstDash val="solid"/>
+              <a:round/>
+              <a:headEnd len="med" w="med" type="none"/>
+              <a:tailEnd len="med" w="med" type="none"/>
+            </a:ln>
+          </p:spPr>
+          <p:txBody>
+            <a:bodyPr anchorCtr="0" anchor="ctr" bIns="91425" lIns="91425" rIns="91425" tIns="91425">
+              <a:noAutofit/>
+            </a:bodyPr>
+            <a:lstStyle/>
+            <a:p>
+              <a:pPr lvl="0">
+                <a:spcBef>
+                  <a:spcPts val="0"/>
+                </a:spcBef>
+                <a:buNone/>
+              </a:pPr>
+              <a:r>
+                <a:t/>
+              </a:r>
+              <a:endParaRPr/>
+            </a:p>
+          </p:txBody>
+        </p:sp>
+      </p:grpSp>
+      <p:sp>
+        <p:nvSpPr>
+          <p:cNvPr id="450" name="Shape 450"/>
+          <p:cNvSpPr txBox="1"/>
+          <p:nvPr>
+            <p:ph idx="4294967295" type="body"/>
+          </p:nvPr>
+        </p:nvSpPr>
+        <p:spPr>
+          <a:xfrm>
+            <a:off x="3396775" y="1850300"/>
+            <a:ext cx="2478600" cy="2794800"/>
+          </a:xfrm>
+          <a:prstGeom prst="rect">
+            <a:avLst/>
+          </a:prstGeom>
+        </p:spPr>
+        <p:txBody>
+          <a:bodyPr anchorCtr="0" anchor="t" bIns="91425" lIns="91425" rIns="91425" tIns="91425">
+            <a:noAutofit/>
+          </a:bodyPr>
+          <a:lstStyle/>
+          <a:p>
+            <a:pPr indent="-330200" lvl="0" marL="457200" rtl="0">
+              <a:spcBef>
+                <a:spcPts val="0"/>
+              </a:spcBef>
+              <a:buSzPct val="100000"/>
+            </a:pPr>
+            <a:r>
+              <a:rPr lang="en" sz="1600"/>
+              <a:t>Storage and retrieval of genomes &amp; results in a Graph Database</a:t>
+            </a:r>
+          </a:p>
+          <a:p>
+            <a:pPr indent="-330200" lvl="0" marL="457200" rtl="0">
+              <a:spcBef>
+                <a:spcPts val="0"/>
+              </a:spcBef>
+              <a:buSzPct val="100000"/>
+            </a:pPr>
+            <a:r>
+              <a:rPr lang="en" sz="1600"/>
+              <a:t>Test set: 5353 GenBank genomes</a:t>
+            </a:r>
+            <a:br>
+              <a:rPr lang="en" sz="1600"/>
+            </a:br>
+          </a:p>
+        </p:txBody>
+      </p:sp>
+      <p:grpSp>
+        <p:nvGrpSpPr>
+          <p:cNvPr id="451" name="Shape 451"/>
+          <p:cNvGrpSpPr/>
+          <p:nvPr/>
+        </p:nvGrpSpPr>
+        <p:grpSpPr>
+          <a:xfrm>
+            <a:off x="6212550" y="1304875"/>
+            <a:ext cx="2632500" cy="3416400"/>
+            <a:chOff x="6212550" y="1304875"/>
+            <a:chExt cx="2632500" cy="3416400"/>
+          </a:xfrm>
+        </p:grpSpPr>
+        <p:sp>
+          <p:nvSpPr>
+            <p:cNvPr id="452" name="Shape 452"/>
+            <p:cNvSpPr/>
+            <p:nvPr/>
+          </p:nvSpPr>
+          <p:spPr>
+            <a:xfrm>
+              <a:off x="6215400" y="1304875"/>
+              <a:ext cx="2628900" cy="3416400"/>
+            </a:xfrm>
+            <a:prstGeom prst="rect">
+              <a:avLst/>
+            </a:prstGeom>
+            <a:noFill/>
+            <a:ln cap="flat" cmpd="sng" w="9525">
+              <a:solidFill>
+                <a:schemeClr val="dk1"/>
+              </a:solidFill>
+              <a:prstDash val="solid"/>
+              <a:round/>
+              <a:headEnd len="med" w="med" type="none"/>
+              <a:tailEnd len="med" w="med" type="none"/>
+            </a:ln>
+          </p:spPr>
+          <p:txBody>
+            <a:bodyPr anchorCtr="0" anchor="ctr" bIns="91425" lIns="91425" rIns="91425" tIns="91425">
+              <a:noAutofit/>
+            </a:bodyPr>
+            <a:lstStyle/>
+            <a:p>
+              <a:pPr lvl="0">
+                <a:spcBef>
+                  <a:spcPts val="0"/>
+                </a:spcBef>
+                <a:buNone/>
+              </a:pPr>
+              <a:r>
+                <a:t/>
+              </a:r>
+              <a:endParaRPr/>
+            </a:p>
+          </p:txBody>
+        </p:sp>
+        <p:sp>
+          <p:nvSpPr>
+            <p:cNvPr id="453" name="Shape 453"/>
+            <p:cNvSpPr txBox="1"/>
+            <p:nvPr/>
+          </p:nvSpPr>
+          <p:spPr>
+            <a:xfrm>
+              <a:off x="6212550" y="1304875"/>
+              <a:ext cx="2632500" cy="464100"/>
+            </a:xfrm>
+            <a:prstGeom prst="rect">
+              <a:avLst/>
+            </a:prstGeom>
+            <a:solidFill>
+              <a:schemeClr val="dk1"/>
+            </a:solidFill>
+            <a:ln>
+              <a:noFill/>
+            </a:ln>
+          </p:spPr>
+          <p:txBody>
+            <a:bodyPr anchorCtr="0" anchor="ctr" bIns="91425" lIns="91425" rIns="91425" tIns="91425">
+              <a:noAutofit/>
+            </a:bodyPr>
+            <a:lstStyle/>
+            <a:p>
+              <a:pPr lvl="0">
+                <a:spcBef>
+                  <a:spcPts val="0"/>
+                </a:spcBef>
+                <a:buNone/>
+              </a:pPr>
+              <a:r>
+                <a:t/>
+              </a:r>
+              <a:endParaRPr/>
+            </a:p>
+          </p:txBody>
+        </p:sp>
+      </p:grpSp>
+      <p:sp>
+        <p:nvSpPr>
+          <p:cNvPr id="454" name="Shape 454"/>
+          <p:cNvSpPr txBox="1"/>
+          <p:nvPr>
+            <p:ph idx="4294967295" type="body"/>
+          </p:nvPr>
+        </p:nvSpPr>
+        <p:spPr>
+          <a:xfrm>
+            <a:off x="6286400" y="1850300"/>
+            <a:ext cx="2478600" cy="2794800"/>
+          </a:xfrm>
+          <a:prstGeom prst="rect">
+            <a:avLst/>
+          </a:prstGeom>
+        </p:spPr>
+        <p:txBody>
+          <a:bodyPr anchorCtr="0" anchor="t" bIns="91425" lIns="91425" rIns="91425" tIns="91425">
+            <a:noAutofit/>
+          </a:bodyPr>
+          <a:lstStyle/>
+          <a:p>
+            <a:pPr indent="-330200" lvl="0" marL="457200" rtl="0">
+              <a:spcBef>
+                <a:spcPts val="0"/>
+              </a:spcBef>
+              <a:buSzPct val="100000"/>
+            </a:pPr>
+            <a:r>
+              <a:rPr lang="en" sz="1600"/>
+              <a:t>Live group comparisons of database entries within seconds</a:t>
+            </a:r>
+          </a:p>
+          <a:p>
+            <a:pPr indent="-330200" lvl="0" marL="457200" rtl="0">
+              <a:spcBef>
+                <a:spcPts val="0"/>
+              </a:spcBef>
+              <a:buSzPct val="100000"/>
+            </a:pPr>
+            <a:r>
+              <a:rPr lang="en" sz="1600"/>
+              <a:t>Ex. O157 vs O53 for all known VFs</a:t>
             </a:r>
           </a:p>
         </p:txBody>
@@ -15249,151 +16757,6 @@
           <p:cNvPr id="155" name="Shape 155"/>
           <p:cNvSpPr txBox="1"/>
           <p:nvPr>
-            <p:ph idx="1" type="body"/>
-          </p:nvPr>
-        </p:nvSpPr>
-        <p:spPr>
-          <a:xfrm>
-            <a:off x="812725" y="4305375"/>
-            <a:ext cx="6936000" cy="523800"/>
-          </a:xfrm>
-          <a:prstGeom prst="rect">
-            <a:avLst/>
-          </a:prstGeom>
-        </p:spPr>
-        <p:txBody>
-          <a:bodyPr anchorCtr="0" anchor="ctr" bIns="91425" lIns="91425" rIns="91425" tIns="91425">
-            <a:noAutofit/>
-          </a:bodyPr>
-          <a:lstStyle/>
-          <a:p>
-            <a:pPr lvl="0">
-              <a:spcBef>
-                <a:spcPts val="0"/>
-              </a:spcBef>
-              <a:buNone/>
-            </a:pPr>
-            <a:r>
-              <a:rPr lang="en"/>
-              <a:t>Background: existing functions</a:t>
-            </a:r>
-          </a:p>
-        </p:txBody>
-      </p:sp>
-      <p:pic>
-        <p:nvPicPr>
-          <p:cNvPr descr="12866_2016_680_Fig6_HTML.jpg" id="156" name="Shape 156"/>
-          <p:cNvPicPr preferRelativeResize="0"/>
-          <p:nvPr/>
-        </p:nvPicPr>
-        <p:blipFill>
-          <a:blip r:embed="rId3">
-            <a:alphaModFix/>
-          </a:blip>
-          <a:stretch>
-            <a:fillRect/>
-          </a:stretch>
-        </p:blipFill>
-        <p:spPr>
-          <a:xfrm>
-            <a:off x="203300" y="139675"/>
-            <a:ext cx="4061700" cy="2495500"/>
-          </a:xfrm>
-          <a:prstGeom prst="rect">
-            <a:avLst/>
-          </a:prstGeom>
-          <a:noFill/>
-          <a:ln>
-            <a:noFill/>
-          </a:ln>
-        </p:spPr>
-      </p:pic>
-      <p:pic>
-        <p:nvPicPr>
-          <p:cNvPr descr="12866_2016_680_Fig7_HTML.jpg" id="157" name="Shape 157"/>
-          <p:cNvPicPr preferRelativeResize="0"/>
-          <p:nvPr/>
-        </p:nvPicPr>
-        <p:blipFill>
-          <a:blip r:embed="rId4">
-            <a:alphaModFix/>
-          </a:blip>
-          <a:stretch>
-            <a:fillRect/>
-          </a:stretch>
-        </p:blipFill>
-        <p:spPr>
-          <a:xfrm>
-            <a:off x="6212550" y="139675"/>
-            <a:ext cx="2697530" cy="4000575"/>
-          </a:xfrm>
-          <a:prstGeom prst="rect">
-            <a:avLst/>
-          </a:prstGeom>
-          <a:noFill/>
-          <a:ln>
-            <a:noFill/>
-          </a:ln>
-        </p:spPr>
-      </p:pic>
-      <p:pic>
-        <p:nvPicPr>
-          <p:cNvPr descr="12866_2016_680_Fig8_HTML.jpg" id="158" name="Shape 158"/>
-          <p:cNvPicPr preferRelativeResize="0"/>
-          <p:nvPr/>
-        </p:nvPicPr>
-        <p:blipFill>
-          <a:blip r:embed="rId5">
-            <a:alphaModFix/>
-          </a:blip>
-          <a:stretch>
-            <a:fillRect/>
-          </a:stretch>
-        </p:blipFill>
-        <p:spPr>
-          <a:xfrm>
-            <a:off x="812725" y="1644750"/>
-            <a:ext cx="5219082" cy="2495499"/>
-          </a:xfrm>
-          <a:prstGeom prst="rect">
-            <a:avLst/>
-          </a:prstGeom>
-          <a:noFill/>
-          <a:ln>
-            <a:noFill/>
-          </a:ln>
-        </p:spPr>
-      </p:pic>
-    </p:spTree>
-  </p:cSld>
-  <p:clrMapOvr>
-    <a:masterClrMapping/>
-  </p:clrMapOvr>
-</p:sld>
-</file>
-
-<file path=ppt/slides/slide5.xml><?xml version="1.0" encoding="utf-8"?>
-<p:sld xmlns:a="http://schemas.openxmlformats.org/drawingml/2006/main" xmlns:r="http://schemas.openxmlformats.org/officeDocument/2006/relationships" xmlns:mc="http://schemas.openxmlformats.org/markup-compatibility/2006" xmlns:mv="urn:schemas-microsoft-com:mac:vml" xmlns:p="http://schemas.openxmlformats.org/presentationml/2006/main" xmlns:c="http://schemas.openxmlformats.org/drawingml/2006/chart" xmlns:dgm="http://schemas.openxmlformats.org/drawingml/2006/diagram" xmlns:o="urn:schemas-microsoft-com:office:office" xmlns:v="urn:schemas-microsoft-com:vml" xmlns:pvml="urn:schemas-microsoft-com:office:powerpoint" xmlns:com="http://schemas.openxmlformats.org/drawingml/2006/compatibility" xmlns:p14="http://schemas.microsoft.com/office/powerpoint/2010/main" xmlns:p15="http://schemas.microsoft.com/office/powerpoint/2012/main">
-  <p:cSld>
-    <p:spTree>
-      <p:nvGrpSpPr>
-        <p:cNvPr id="162" name="Shape 162"/>
-        <p:cNvGrpSpPr/>
-        <p:nvPr/>
-      </p:nvGrpSpPr>
-      <p:grpSpPr>
-        <a:xfrm>
-          <a:off x="0" y="0"/>
-          <a:ext cx="0" cy="0"/>
-          <a:chOff x="0" y="0"/>
-          <a:chExt cx="0" cy="0"/>
-        </a:xfrm>
-      </p:grpSpPr>
-      <p:sp>
-        <p:nvSpPr>
-          <p:cNvPr id="163" name="Shape 163"/>
-          <p:cNvSpPr txBox="1"/>
-          <p:nvPr>
             <p:ph type="title"/>
           </p:nvPr>
         </p:nvSpPr>
@@ -15427,7 +16790,7 @@
       </p:sp>
       <p:grpSp>
         <p:nvGrpSpPr>
-          <p:cNvPr id="164" name="Shape 164"/>
+          <p:cNvPr id="156" name="Shape 156"/>
           <p:cNvGrpSpPr/>
           <p:nvPr/>
         </p:nvGrpSpPr>
@@ -15441,7 +16804,7 @@
         </p:grpSpPr>
         <p:sp>
           <p:nvSpPr>
-            <p:cNvPr id="165" name="Shape 165"/>
+            <p:cNvPr id="157" name="Shape 157"/>
             <p:cNvSpPr txBox="1"/>
             <p:nvPr/>
           </p:nvSpPr>
@@ -15481,7 +16844,7 @@
         </p:sp>
         <p:sp>
           <p:nvSpPr>
-            <p:cNvPr id="166" name="Shape 166"/>
+            <p:cNvPr id="158" name="Shape 158"/>
             <p:cNvSpPr/>
             <p:nvPr/>
           </p:nvSpPr>
@@ -15526,7 +16889,7 @@
       </p:grpSp>
       <p:sp>
         <p:nvSpPr>
-          <p:cNvPr id="167" name="Shape 167"/>
+          <p:cNvPr id="159" name="Shape 159"/>
           <p:cNvSpPr txBox="1"/>
           <p:nvPr>
             <p:ph idx="4294967295" type="body"/>
@@ -15565,7 +16928,7 @@
       </p:sp>
       <p:sp>
         <p:nvSpPr>
-          <p:cNvPr id="168" name="Shape 168"/>
+          <p:cNvPr id="160" name="Shape 160"/>
           <p:cNvSpPr txBox="1"/>
           <p:nvPr>
             <p:ph idx="4294967295" type="body"/>
@@ -15613,7 +16976,7 @@
       </p:sp>
       <p:grpSp>
         <p:nvGrpSpPr>
-          <p:cNvPr id="169" name="Shape 169"/>
+          <p:cNvPr id="161" name="Shape 161"/>
           <p:cNvGrpSpPr/>
           <p:nvPr/>
         </p:nvGrpSpPr>
@@ -15627,7 +16990,7 @@
         </p:grpSpPr>
         <p:sp>
           <p:nvSpPr>
-            <p:cNvPr id="170" name="Shape 170"/>
+            <p:cNvPr id="162" name="Shape 162"/>
             <p:cNvSpPr txBox="1"/>
             <p:nvPr/>
           </p:nvSpPr>
@@ -15667,7 +17030,7 @@
         </p:sp>
         <p:sp>
           <p:nvSpPr>
-            <p:cNvPr id="171" name="Shape 171"/>
+            <p:cNvPr id="163" name="Shape 163"/>
             <p:cNvSpPr/>
             <p:nvPr/>
           </p:nvSpPr>
@@ -15712,7 +17075,7 @@
       </p:grpSp>
       <p:sp>
         <p:nvSpPr>
-          <p:cNvPr id="172" name="Shape 172"/>
+          <p:cNvPr id="164" name="Shape 164"/>
           <p:cNvSpPr txBox="1"/>
           <p:nvPr>
             <p:ph idx="4294967295" type="body"/>
@@ -15751,7 +17114,7 @@
       </p:sp>
       <p:sp>
         <p:nvSpPr>
-          <p:cNvPr id="173" name="Shape 173"/>
+          <p:cNvPr id="165" name="Shape 165"/>
           <p:cNvSpPr txBox="1"/>
           <p:nvPr>
             <p:ph idx="4294967295" type="body"/>
@@ -15800,7 +17163,7 @@
       </p:sp>
       <p:grpSp>
         <p:nvGrpSpPr>
-          <p:cNvPr id="174" name="Shape 174"/>
+          <p:cNvPr id="166" name="Shape 166"/>
           <p:cNvGrpSpPr/>
           <p:nvPr/>
         </p:nvGrpSpPr>
@@ -15814,7 +17177,7 @@
         </p:grpSpPr>
         <p:sp>
           <p:nvSpPr>
-            <p:cNvPr id="175" name="Shape 175"/>
+            <p:cNvPr id="167" name="Shape 167"/>
             <p:cNvSpPr/>
             <p:nvPr/>
           </p:nvSpPr>
@@ -15858,7 +17221,7 @@
         </p:sp>
         <p:sp>
           <p:nvSpPr>
-            <p:cNvPr id="176" name="Shape 176"/>
+            <p:cNvPr id="168" name="Shape 168"/>
             <p:cNvSpPr txBox="1"/>
             <p:nvPr/>
           </p:nvSpPr>
@@ -15899,7 +17262,7 @@
       </p:grpSp>
       <p:sp>
         <p:nvSpPr>
-          <p:cNvPr id="177" name="Shape 177"/>
+          <p:cNvPr id="169" name="Shape 169"/>
           <p:cNvSpPr txBox="1"/>
           <p:nvPr>
             <p:ph idx="4294967295" type="body"/>
@@ -15938,7 +17301,7 @@
       </p:sp>
       <p:sp>
         <p:nvSpPr>
-          <p:cNvPr id="178" name="Shape 178"/>
+          <p:cNvPr id="170" name="Shape 170"/>
           <p:cNvSpPr txBox="1"/>
           <p:nvPr>
             <p:ph idx="4294967295" type="body"/>
@@ -15980,6 +17343,208 @@
             <a:r>
               <a:rPr lang="en" sz="1600"/>
               <a:t>Ability to perform group comparisons across thousands of genomes</a:t>
+            </a:r>
+          </a:p>
+        </p:txBody>
+      </p:sp>
+    </p:spTree>
+  </p:cSld>
+  <p:clrMapOvr>
+    <a:masterClrMapping/>
+  </p:clrMapOvr>
+</p:sld>
+</file>
+
+<file path=ppt/slides/slide5.xml><?xml version="1.0" encoding="utf-8"?>
+<p:sld xmlns:a="http://schemas.openxmlformats.org/drawingml/2006/main" xmlns:r="http://schemas.openxmlformats.org/officeDocument/2006/relationships" xmlns:mc="http://schemas.openxmlformats.org/markup-compatibility/2006" xmlns:mv="urn:schemas-microsoft-com:mac:vml" xmlns:p="http://schemas.openxmlformats.org/presentationml/2006/main" xmlns:c="http://schemas.openxmlformats.org/drawingml/2006/chart" xmlns:dgm="http://schemas.openxmlformats.org/drawingml/2006/diagram" xmlns:o="urn:schemas-microsoft-com:office:office" xmlns:v="urn:schemas-microsoft-com:vml" xmlns:pvml="urn:schemas-microsoft-com:office:powerpoint" xmlns:com="http://schemas.openxmlformats.org/drawingml/2006/compatibility" xmlns:p14="http://schemas.microsoft.com/office/powerpoint/2010/main" xmlns:p15="http://schemas.microsoft.com/office/powerpoint/2012/main">
+  <p:cSld>
+    <p:spTree>
+      <p:nvGrpSpPr>
+        <p:cNvPr id="174" name="Shape 174"/>
+        <p:cNvGrpSpPr/>
+        <p:nvPr/>
+      </p:nvGrpSpPr>
+      <p:grpSpPr>
+        <a:xfrm>
+          <a:off x="0" y="0"/>
+          <a:ext cx="0" cy="0"/>
+          <a:chOff x="0" y="0"/>
+          <a:chExt cx="0" cy="0"/>
+        </a:xfrm>
+      </p:grpSpPr>
+      <p:sp>
+        <p:nvSpPr>
+          <p:cNvPr id="175" name="Shape 175"/>
+          <p:cNvSpPr txBox="1"/>
+          <p:nvPr>
+            <p:ph type="title"/>
+          </p:nvPr>
+        </p:nvSpPr>
+        <p:spPr>
+          <a:xfrm>
+            <a:off x="1297500" y="393750"/>
+            <a:ext cx="7038900" cy="914100"/>
+          </a:xfrm>
+          <a:prstGeom prst="rect">
+            <a:avLst/>
+          </a:prstGeom>
+        </p:spPr>
+        <p:txBody>
+          <a:bodyPr anchorCtr="0" anchor="t" bIns="91425" lIns="91425" rIns="91425" tIns="91425">
+            <a:noAutofit/>
+          </a:bodyPr>
+          <a:lstStyle/>
+          <a:p>
+            <a:pPr lvl="0" rtl="0">
+              <a:spcBef>
+                <a:spcPts val="0"/>
+              </a:spcBef>
+              <a:buNone/>
+            </a:pPr>
+            <a:r>
+              <a:rPr lang="en"/>
+              <a:t>Challenges deep-dive</a:t>
+            </a:r>
+          </a:p>
+        </p:txBody>
+      </p:sp>
+      <p:sp>
+        <p:nvSpPr>
+          <p:cNvPr id="176" name="Shape 176"/>
+          <p:cNvSpPr txBox="1"/>
+          <p:nvPr>
+            <p:ph idx="1" type="body"/>
+          </p:nvPr>
+        </p:nvSpPr>
+        <p:spPr>
+          <a:xfrm>
+            <a:off x="1297500" y="1567550"/>
+            <a:ext cx="3403200" cy="2911200"/>
+          </a:xfrm>
+          <a:prstGeom prst="rect">
+            <a:avLst/>
+          </a:prstGeom>
+        </p:spPr>
+        <p:txBody>
+          <a:bodyPr anchorCtr="0" anchor="t" bIns="91425" lIns="91425" rIns="91425" tIns="91425">
+            <a:noAutofit/>
+          </a:bodyPr>
+          <a:lstStyle/>
+          <a:p>
+            <a:pPr lvl="0" rtl="0">
+              <a:spcBef>
+                <a:spcPts val="0"/>
+              </a:spcBef>
+              <a:buNone/>
+            </a:pPr>
+            <a:r>
+              <a:rPr lang="en" sz="1600"/>
+              <a:t>Goal: Speed</a:t>
+            </a:r>
+          </a:p>
+          <a:p>
+            <a:pPr indent="-330200" lvl="0" marL="457200" rtl="0">
+              <a:spcBef>
+                <a:spcPts val="0"/>
+              </a:spcBef>
+              <a:buSzPct val="100000"/>
+            </a:pPr>
+            <a:r>
+              <a:rPr lang="en" sz="1600"/>
+              <a:t>Predict  serotype, VF, AMR within a few minutes</a:t>
+            </a:r>
+          </a:p>
+          <a:p>
+            <a:pPr indent="-330200" lvl="0" marL="457200" rtl="0">
+              <a:spcBef>
+                <a:spcPts val="0"/>
+              </a:spcBef>
+              <a:buSzPct val="100000"/>
+            </a:pPr>
+            <a:r>
+              <a:rPr lang="en" sz="1600"/>
+              <a:t>More responsive user-interface</a:t>
+            </a:r>
+          </a:p>
+        </p:txBody>
+      </p:sp>
+      <p:sp>
+        <p:nvSpPr>
+          <p:cNvPr id="177" name="Shape 177"/>
+          <p:cNvSpPr txBox="1"/>
+          <p:nvPr>
+            <p:ph idx="2" type="body"/>
+          </p:nvPr>
+        </p:nvSpPr>
+        <p:spPr>
+          <a:xfrm>
+            <a:off x="4933221" y="1567550"/>
+            <a:ext cx="3403200" cy="2911200"/>
+          </a:xfrm>
+          <a:prstGeom prst="rect">
+            <a:avLst/>
+          </a:prstGeom>
+        </p:spPr>
+        <p:txBody>
+          <a:bodyPr anchorCtr="0" anchor="t" bIns="91425" lIns="91425" rIns="91425" tIns="91425">
+            <a:noAutofit/>
+          </a:bodyPr>
+          <a:lstStyle/>
+          <a:p>
+            <a:pPr lvl="0" rtl="0">
+              <a:spcBef>
+                <a:spcPts val="0"/>
+              </a:spcBef>
+              <a:buNone/>
+            </a:pPr>
+            <a:r>
+              <a:rPr lang="en" sz="1600"/>
+              <a:t>Solution: Modernize</a:t>
+            </a:r>
+          </a:p>
+          <a:p>
+            <a:pPr indent="-330200" lvl="0" marL="457200" rtl="0">
+              <a:spcBef>
+                <a:spcPts val="0"/>
+              </a:spcBef>
+              <a:spcAft>
+                <a:spcPts val="800"/>
+              </a:spcAft>
+              <a:buSzPct val="100000"/>
+            </a:pPr>
+            <a:r>
+              <a:rPr lang="en" sz="1600"/>
+              <a:t>Docker</a:t>
+            </a:r>
+          </a:p>
+          <a:p>
+            <a:pPr indent="-330200" lvl="0" marL="457200" rtl="0">
+              <a:spcBef>
+                <a:spcPts val="0"/>
+              </a:spcBef>
+              <a:spcAft>
+                <a:spcPts val="800"/>
+              </a:spcAft>
+              <a:buSzPct val="100000"/>
+            </a:pPr>
+            <a:r>
+              <a:rPr lang="en" sz="1600"/>
+              <a:t>Task queues</a:t>
+            </a:r>
+          </a:p>
+          <a:p>
+            <a:pPr indent="-330200" lvl="0" marL="457200" rtl="0">
+              <a:spcBef>
+                <a:spcPts val="0"/>
+              </a:spcBef>
+              <a:spcAft>
+                <a:spcPts val="800"/>
+              </a:spcAft>
+              <a:buSzPct val="100000"/>
+            </a:pPr>
+            <a:r>
+              <a:rPr lang="en" sz="1600"/>
+              <a:t>ReactJS</a:t>
             </a:r>
           </a:p>
         </p:txBody>
@@ -15997,7 +17562,7 @@
   <p:cSld>
     <p:spTree>
       <p:nvGrpSpPr>
-        <p:cNvPr id="182" name="Shape 182"/>
+        <p:cNvPr id="181" name="Shape 181"/>
         <p:cNvGrpSpPr/>
         <p:nvPr/>
       </p:nvGrpSpPr>
@@ -16011,7 +17576,7 @@
       </p:grpSpPr>
       <p:sp>
         <p:nvSpPr>
-          <p:cNvPr id="183" name="Shape 183"/>
+          <p:cNvPr id="182" name="Shape 182"/>
           <p:cNvSpPr txBox="1"/>
           <p:nvPr>
             <p:ph type="title"/>
@@ -16019,86 +17584,8 @@
         </p:nvSpPr>
         <p:spPr>
           <a:xfrm>
-            <a:off x="1297500" y="393750"/>
-            <a:ext cx="7038900" cy="914100"/>
-          </a:xfrm>
-          <a:prstGeom prst="rect">
-            <a:avLst/>
-          </a:prstGeom>
-        </p:spPr>
-        <p:txBody>
-          <a:bodyPr anchorCtr="0" anchor="t" bIns="91425" lIns="91425" rIns="91425" tIns="91425">
-            <a:noAutofit/>
-          </a:bodyPr>
-          <a:lstStyle/>
-          <a:p>
-            <a:pPr lvl="0">
-              <a:spcBef>
-                <a:spcPts val="0"/>
-              </a:spcBef>
-              <a:buNone/>
-            </a:pPr>
-            <a:r>
-              <a:rPr lang="en"/>
-              <a:t>Challenges deep-dive</a:t>
-            </a:r>
-          </a:p>
-        </p:txBody>
-      </p:sp>
-      <p:sp>
-        <p:nvSpPr>
-          <p:cNvPr id="184" name="Shape 184"/>
-          <p:cNvSpPr/>
-          <p:nvPr/>
-        </p:nvSpPr>
-        <p:spPr>
-          <a:xfrm>
-            <a:off x="432350" y="1304875"/>
-            <a:ext cx="2469299" cy="607800"/>
-          </a:xfrm>
-          <a:prstGeom prst="homePlate">
-            <a:avLst>
-              <a:gd fmla="val 50000" name="adj"/>
-            </a:avLst>
-          </a:prstGeom>
-          <a:solidFill>
-            <a:schemeClr val="dk1"/>
-          </a:solidFill>
-          <a:ln>
-            <a:noFill/>
-          </a:ln>
-        </p:spPr>
-        <p:txBody>
-          <a:bodyPr anchorCtr="0" anchor="ctr" bIns="121875" lIns="121875" rIns="121875" tIns="121875">
-            <a:noAutofit/>
-          </a:bodyPr>
-          <a:lstStyle/>
-          <a:p>
-            <a:pPr lvl="0">
-              <a:spcBef>
-                <a:spcPts val="0"/>
-              </a:spcBef>
-              <a:buNone/>
-            </a:pPr>
-            <a:r>
-              <a:t/>
-            </a:r>
-            <a:endParaRPr/>
-          </a:p>
-        </p:txBody>
-      </p:sp>
-      <p:sp>
-        <p:nvSpPr>
-          <p:cNvPr id="185" name="Shape 185"/>
-          <p:cNvSpPr txBox="1"/>
-          <p:nvPr>
-            <p:ph idx="4294967295" type="body"/>
-          </p:nvPr>
-        </p:nvSpPr>
-        <p:spPr>
-          <a:xfrm>
-            <a:off x="432350" y="1451575"/>
-            <a:ext cx="2257199" cy="314400"/>
+            <a:off x="823850" y="2053000"/>
+            <a:ext cx="4587000" cy="1148700"/>
           </a:xfrm>
           <a:prstGeom prst="rect">
             <a:avLst/>
@@ -16111,396 +17598,14 @@
           <a:lstStyle/>
           <a:p>
             <a:pPr lvl="0">
-              <a:lnSpc>
-                <a:spcPct val="100000"/>
-              </a:lnSpc>
-              <a:spcBef>
-                <a:spcPts val="0"/>
-              </a:spcBef>
-              <a:spcAft>
-                <a:spcPts val="0"/>
-              </a:spcAft>
+              <a:spcBef>
+                <a:spcPts val="0"/>
+              </a:spcBef>
               <a:buNone/>
             </a:pPr>
             <a:r>
               <a:rPr lang="en"/>
-              <a:t>Speed</a:t>
-            </a:r>
-          </a:p>
-        </p:txBody>
-      </p:sp>
-      <p:sp>
-        <p:nvSpPr>
-          <p:cNvPr id="186" name="Shape 186"/>
-          <p:cNvSpPr txBox="1"/>
-          <p:nvPr>
-            <p:ph idx="4294967295" type="body"/>
-          </p:nvPr>
-        </p:nvSpPr>
-        <p:spPr>
-          <a:xfrm>
-            <a:off x="432350" y="2070575"/>
-            <a:ext cx="2471699" cy="2650799"/>
-          </a:xfrm>
-          <a:prstGeom prst="rect">
-            <a:avLst/>
-          </a:prstGeom>
-        </p:spPr>
-        <p:txBody>
-          <a:bodyPr anchorCtr="0" anchor="t" bIns="91425" lIns="91425" rIns="91425" tIns="91425">
-            <a:noAutofit/>
-          </a:bodyPr>
-          <a:lstStyle/>
-          <a:p>
-            <a:pPr lvl="0">
-              <a:spcBef>
-                <a:spcPts val="0"/>
-              </a:spcBef>
-              <a:spcAft>
-                <a:spcPts val="800"/>
-              </a:spcAft>
-              <a:buNone/>
-            </a:pPr>
-            <a:r>
-              <a:rPr b="1" lang="en" sz="1600"/>
-              <a:t>Modernize</a:t>
-            </a:r>
-          </a:p>
-          <a:p>
-            <a:pPr indent="-330200" lvl="0" marL="457200" rtl="0">
-              <a:spcBef>
-                <a:spcPts val="0"/>
-              </a:spcBef>
-              <a:spcAft>
-                <a:spcPts val="800"/>
-              </a:spcAft>
-              <a:buSzPct val="100000"/>
-            </a:pPr>
-            <a:r>
-              <a:rPr lang="en" sz="1600"/>
-              <a:t>Task queues</a:t>
-            </a:r>
-          </a:p>
-          <a:p>
-            <a:pPr indent="-330200" lvl="0" marL="457200">
-              <a:spcBef>
-                <a:spcPts val="0"/>
-              </a:spcBef>
-              <a:spcAft>
-                <a:spcPts val="800"/>
-              </a:spcAft>
-              <a:buSzPct val="100000"/>
-            </a:pPr>
-            <a:r>
-              <a:rPr lang="en" sz="1600"/>
-              <a:t>ReactJS</a:t>
-            </a:r>
-          </a:p>
-        </p:txBody>
-      </p:sp>
-      <p:sp>
-        <p:nvSpPr>
-          <p:cNvPr id="187" name="Shape 187"/>
-          <p:cNvSpPr/>
-          <p:nvPr/>
-        </p:nvSpPr>
-        <p:spPr>
-          <a:xfrm>
-            <a:off x="3044776" y="1304875"/>
-            <a:ext cx="2760599" cy="607800"/>
-          </a:xfrm>
-          <a:prstGeom prst="chevron">
-            <a:avLst>
-              <a:gd fmla="val 50000" name="adj"/>
-            </a:avLst>
-          </a:prstGeom>
-          <a:solidFill>
-            <a:schemeClr val="dk1"/>
-          </a:solidFill>
-          <a:ln>
-            <a:noFill/>
-          </a:ln>
-        </p:spPr>
-        <p:txBody>
-          <a:bodyPr anchorCtr="0" anchor="ctr" bIns="121875" lIns="121875" rIns="121875" tIns="121875">
-            <a:noAutofit/>
-          </a:bodyPr>
-          <a:lstStyle/>
-          <a:p>
-            <a:pPr lvl="0">
-              <a:spcBef>
-                <a:spcPts val="0"/>
-              </a:spcBef>
-              <a:buNone/>
-            </a:pPr>
-            <a:r>
-              <a:t/>
-            </a:r>
-            <a:endParaRPr/>
-          </a:p>
-        </p:txBody>
-      </p:sp>
-      <p:sp>
-        <p:nvSpPr>
-          <p:cNvPr id="188" name="Shape 188"/>
-          <p:cNvSpPr txBox="1"/>
-          <p:nvPr>
-            <p:ph idx="4294967295" type="body"/>
-          </p:nvPr>
-        </p:nvSpPr>
-        <p:spPr>
-          <a:xfrm>
-            <a:off x="3336150" y="1451575"/>
-            <a:ext cx="2257199" cy="314400"/>
-          </a:xfrm>
-          <a:prstGeom prst="rect">
-            <a:avLst/>
-          </a:prstGeom>
-        </p:spPr>
-        <p:txBody>
-          <a:bodyPr anchorCtr="0" anchor="ctr" bIns="91425" lIns="91425" rIns="91425" tIns="91425">
-            <a:noAutofit/>
-          </a:bodyPr>
-          <a:lstStyle/>
-          <a:p>
-            <a:pPr lvl="0">
-              <a:lnSpc>
-                <a:spcPct val="100000"/>
-              </a:lnSpc>
-              <a:spcBef>
-                <a:spcPts val="0"/>
-              </a:spcBef>
-              <a:spcAft>
-                <a:spcPts val="0"/>
-              </a:spcAft>
-              <a:buNone/>
-            </a:pPr>
-            <a:r>
-              <a:rPr lang="en"/>
-              <a:t>Simplicity</a:t>
-            </a:r>
-          </a:p>
-        </p:txBody>
-      </p:sp>
-      <p:sp>
-        <p:nvSpPr>
-          <p:cNvPr id="189" name="Shape 189"/>
-          <p:cNvSpPr txBox="1"/>
-          <p:nvPr>
-            <p:ph idx="4294967295" type="body"/>
-          </p:nvPr>
-        </p:nvSpPr>
-        <p:spPr>
-          <a:xfrm>
-            <a:off x="3336146" y="2070575"/>
-            <a:ext cx="2471699" cy="2650799"/>
-          </a:xfrm>
-          <a:prstGeom prst="rect">
-            <a:avLst/>
-          </a:prstGeom>
-        </p:spPr>
-        <p:txBody>
-          <a:bodyPr anchorCtr="0" anchor="t" bIns="91425" lIns="91425" rIns="91425" tIns="91425">
-            <a:noAutofit/>
-          </a:bodyPr>
-          <a:lstStyle/>
-          <a:p>
-            <a:pPr lvl="0">
-              <a:spcBef>
-                <a:spcPts val="0"/>
-              </a:spcBef>
-              <a:spcAft>
-                <a:spcPts val="800"/>
-              </a:spcAft>
-              <a:buNone/>
-            </a:pPr>
-            <a:r>
-              <a:rPr b="1" lang="en" sz="1600"/>
-              <a:t>Familiar Design</a:t>
-            </a:r>
-          </a:p>
-          <a:p>
-            <a:pPr indent="-330200" lvl="0" marL="457200" rtl="0">
-              <a:spcBef>
-                <a:spcPts val="0"/>
-              </a:spcBef>
-              <a:spcAft>
-                <a:spcPts val="800"/>
-              </a:spcAft>
-              <a:buSzPct val="100000"/>
-            </a:pPr>
-            <a:r>
-              <a:rPr lang="en" sz="1600"/>
-              <a:t>One click results</a:t>
-            </a:r>
-          </a:p>
-          <a:p>
-            <a:pPr indent="-330200" lvl="0" marL="457200">
-              <a:spcBef>
-                <a:spcPts val="0"/>
-              </a:spcBef>
-              <a:spcAft>
-                <a:spcPts val="800"/>
-              </a:spcAft>
-              <a:buSzPct val="100000"/>
-              <a:buNone/>
-            </a:pPr>
-            <a:r>
-              <a:rPr lang="en" sz="1600"/>
-              <a:t>Material design (Google)</a:t>
-            </a:r>
-          </a:p>
-        </p:txBody>
-      </p:sp>
-      <p:sp>
-        <p:nvSpPr>
-          <p:cNvPr id="190" name="Shape 190"/>
-          <p:cNvSpPr/>
-          <p:nvPr/>
-        </p:nvSpPr>
-        <p:spPr>
-          <a:xfrm>
-            <a:off x="5948501" y="1304875"/>
-            <a:ext cx="2760599" cy="607800"/>
-          </a:xfrm>
-          <a:prstGeom prst="chevron">
-            <a:avLst>
-              <a:gd fmla="val 50000" name="adj"/>
-            </a:avLst>
-          </a:prstGeom>
-          <a:solidFill>
-            <a:schemeClr val="dk1"/>
-          </a:solidFill>
-          <a:ln>
-            <a:noFill/>
-          </a:ln>
-        </p:spPr>
-        <p:txBody>
-          <a:bodyPr anchorCtr="0" anchor="ctr" bIns="121875" lIns="121875" rIns="121875" tIns="121875">
-            <a:noAutofit/>
-          </a:bodyPr>
-          <a:lstStyle/>
-          <a:p>
-            <a:pPr lvl="0">
-              <a:spcBef>
-                <a:spcPts val="0"/>
-              </a:spcBef>
-              <a:buNone/>
-            </a:pPr>
-            <a:r>
-              <a:t/>
-            </a:r>
-            <a:endParaRPr/>
-          </a:p>
-        </p:txBody>
-      </p:sp>
-      <p:sp>
-        <p:nvSpPr>
-          <p:cNvPr id="191" name="Shape 191"/>
-          <p:cNvSpPr txBox="1"/>
-          <p:nvPr>
-            <p:ph idx="4294967295" type="body"/>
-          </p:nvPr>
-        </p:nvSpPr>
-        <p:spPr>
-          <a:xfrm>
-            <a:off x="6254232" y="1451575"/>
-            <a:ext cx="2257199" cy="314400"/>
-          </a:xfrm>
-          <a:prstGeom prst="rect">
-            <a:avLst/>
-          </a:prstGeom>
-        </p:spPr>
-        <p:txBody>
-          <a:bodyPr anchorCtr="0" anchor="ctr" bIns="91425" lIns="91425" rIns="91425" tIns="91425">
-            <a:noAutofit/>
-          </a:bodyPr>
-          <a:lstStyle/>
-          <a:p>
-            <a:pPr lvl="0">
-              <a:lnSpc>
-                <a:spcPct val="100000"/>
-              </a:lnSpc>
-              <a:spcBef>
-                <a:spcPts val="0"/>
-              </a:spcBef>
-              <a:spcAft>
-                <a:spcPts val="0"/>
-              </a:spcAft>
-              <a:buNone/>
-            </a:pPr>
-            <a:r>
-              <a:rPr lang="en"/>
-              <a:t>Scalability</a:t>
-            </a:r>
-          </a:p>
-        </p:txBody>
-      </p:sp>
-      <p:sp>
-        <p:nvSpPr>
-          <p:cNvPr id="192" name="Shape 192"/>
-          <p:cNvSpPr txBox="1"/>
-          <p:nvPr>
-            <p:ph idx="4294967295" type="body"/>
-          </p:nvPr>
-        </p:nvSpPr>
-        <p:spPr>
-          <a:xfrm>
-            <a:off x="6254225" y="2070575"/>
-            <a:ext cx="2471699" cy="2650799"/>
-          </a:xfrm>
-          <a:prstGeom prst="rect">
-            <a:avLst/>
-          </a:prstGeom>
-        </p:spPr>
-        <p:txBody>
-          <a:bodyPr anchorCtr="0" anchor="t" bIns="91425" lIns="91425" rIns="91425" tIns="91425">
-            <a:noAutofit/>
-          </a:bodyPr>
-          <a:lstStyle/>
-          <a:p>
-            <a:pPr lvl="0" rtl="0">
-              <a:spcBef>
-                <a:spcPts val="0"/>
-              </a:spcBef>
-              <a:spcAft>
-                <a:spcPts val="800"/>
-              </a:spcAft>
-              <a:buNone/>
-            </a:pPr>
-            <a:r>
-              <a:rPr b="1" lang="en" sz="1600"/>
-              <a:t>Technology</a:t>
-            </a:r>
-          </a:p>
-          <a:p>
-            <a:pPr indent="-330200" lvl="0" marL="457200" rtl="0">
-              <a:spcBef>
-                <a:spcPts val="0"/>
-              </a:spcBef>
-              <a:spcAft>
-                <a:spcPts val="800"/>
-              </a:spcAft>
-              <a:buSzPct val="100000"/>
-            </a:pPr>
-            <a:r>
-              <a:rPr lang="en" sz="1600"/>
-              <a:t>Graph database</a:t>
-            </a:r>
-          </a:p>
-          <a:p>
-            <a:pPr indent="-330200" lvl="0" marL="457200">
-              <a:spcBef>
-                <a:spcPts val="0"/>
-              </a:spcBef>
-              <a:spcAft>
-                <a:spcPts val="800"/>
-              </a:spcAft>
-              <a:buSzPct val="100000"/>
-            </a:pPr>
-            <a:r>
-              <a:rPr lang="en" sz="1600"/>
-              <a:t>Pandas, SciPy</a:t>
+              <a:t>Docker</a:t>
             </a:r>
           </a:p>
         </p:txBody>
@@ -16518,7 +17623,7 @@
   <p:cSld>
     <p:spTree>
       <p:nvGrpSpPr>
-        <p:cNvPr id="196" name="Shape 196"/>
+        <p:cNvPr id="186" name="Shape 186"/>
         <p:cNvGrpSpPr/>
         <p:nvPr/>
       </p:nvGrpSpPr>
@@ -16532,7 +17637,7 @@
       </p:grpSpPr>
       <p:sp>
         <p:nvSpPr>
-          <p:cNvPr id="197" name="Shape 197"/>
+          <p:cNvPr id="187" name="Shape 187"/>
           <p:cNvSpPr txBox="1"/>
           <p:nvPr>
             <p:ph type="title"/>
@@ -16540,20 +17645,20 @@
         </p:nvSpPr>
         <p:spPr>
           <a:xfrm>
-            <a:off x="823850" y="2053000"/>
-            <a:ext cx="4587000" cy="1148700"/>
+            <a:off x="1297500" y="393750"/>
+            <a:ext cx="7038900" cy="914100"/>
           </a:xfrm>
           <a:prstGeom prst="rect">
             <a:avLst/>
           </a:prstGeom>
         </p:spPr>
         <p:txBody>
-          <a:bodyPr anchorCtr="0" anchor="ctr" bIns="91425" lIns="91425" rIns="91425" tIns="91425">
+          <a:bodyPr anchorCtr="0" anchor="t" bIns="91425" lIns="91425" rIns="91425" tIns="91425">
             <a:noAutofit/>
           </a:bodyPr>
           <a:lstStyle/>
           <a:p>
-            <a:pPr lvl="0">
+            <a:pPr lvl="0" rtl="0">
               <a:spcBef>
                 <a:spcPts val="0"/>
               </a:spcBef>
@@ -16566,6 +17671,34 @@
           </a:p>
         </p:txBody>
       </p:sp>
+      <p:pic>
+        <p:nvPicPr>
+          <p:cNvPr descr="xkcde_2x.png" id="188" name="Shape 188"/>
+          <p:cNvPicPr preferRelativeResize="0"/>
+          <p:nvPr/>
+        </p:nvPicPr>
+        <p:blipFill>
+          <a:blip r:embed="rId3">
+            <a:alphaModFix/>
+          </a:blip>
+          <a:stretch>
+            <a:fillRect/>
+          </a:stretch>
+        </p:blipFill>
+        <p:spPr>
+          <a:xfrm>
+            <a:off x="1297500" y="1392650"/>
+            <a:ext cx="5581650" cy="3086100"/>
+          </a:xfrm>
+          <a:prstGeom prst="rect">
+            <a:avLst/>
+          </a:prstGeom>
+          <a:noFill/>
+          <a:ln>
+            <a:noFill/>
+          </a:ln>
+        </p:spPr>
+      </p:pic>
     </p:spTree>
   </p:cSld>
   <p:clrMapOvr>
@@ -16579,7 +17712,7 @@
   <p:cSld>
     <p:spTree>
       <p:nvGrpSpPr>
-        <p:cNvPr id="201" name="Shape 201"/>
+        <p:cNvPr id="192" name="Shape 192"/>
         <p:cNvGrpSpPr/>
         <p:nvPr/>
       </p:nvGrpSpPr>
@@ -16593,7 +17726,7 @@
       </p:grpSpPr>
       <p:sp>
         <p:nvSpPr>
-          <p:cNvPr id="202" name="Shape 202"/>
+          <p:cNvPr id="193" name="Shape 193"/>
           <p:cNvSpPr txBox="1"/>
           <p:nvPr>
             <p:ph type="title"/>
@@ -16601,8 +17734,8 @@
         </p:nvSpPr>
         <p:spPr>
           <a:xfrm>
-            <a:off x="1297500" y="393750"/>
-            <a:ext cx="7038900" cy="914100"/>
+            <a:off x="1297500" y="1658325"/>
+            <a:ext cx="3036300" cy="1751700"/>
           </a:xfrm>
           <a:prstGeom prst="rect">
             <a:avLst/>
@@ -16614,7 +17747,7 @@
           </a:bodyPr>
           <a:lstStyle/>
           <a:p>
-            <a:pPr lvl="0" rtl="0">
+            <a:pPr lvl="0">
               <a:spcBef>
                 <a:spcPts val="0"/>
               </a:spcBef>
@@ -16622,76 +17755,23 @@
             </a:pPr>
             <a:r>
               <a:rPr lang="en"/>
-              <a:t>Docker</a:t>
+              <a:t>Solution</a:t>
             </a:r>
           </a:p>
         </p:txBody>
       </p:sp>
-      <p:pic>
-        <p:nvPicPr>
-          <p:cNvPr descr="xkcde_2x.png" id="203" name="Shape 203"/>
-          <p:cNvPicPr preferRelativeResize="0"/>
-          <p:nvPr/>
-        </p:nvPicPr>
-        <p:blipFill>
-          <a:blip r:embed="rId3">
-            <a:alphaModFix/>
-          </a:blip>
-          <a:stretch>
-            <a:fillRect/>
-          </a:stretch>
-        </p:blipFill>
-        <p:spPr>
-          <a:xfrm>
-            <a:off x="1297500" y="1392650"/>
-            <a:ext cx="5581650" cy="3086100"/>
-          </a:xfrm>
-          <a:prstGeom prst="rect">
-            <a:avLst/>
-          </a:prstGeom>
-          <a:noFill/>
-          <a:ln>
-            <a:noFill/>
-          </a:ln>
-        </p:spPr>
-      </p:pic>
-    </p:spTree>
-  </p:cSld>
-  <p:clrMapOvr>
-    <a:masterClrMapping/>
-  </p:clrMapOvr>
-</p:sld>
-</file>
-
-<file path=ppt/slides/slide9.xml><?xml version="1.0" encoding="utf-8"?>
-<p:sld xmlns:a="http://schemas.openxmlformats.org/drawingml/2006/main" xmlns:r="http://schemas.openxmlformats.org/officeDocument/2006/relationships" xmlns:mc="http://schemas.openxmlformats.org/markup-compatibility/2006" xmlns:mv="urn:schemas-microsoft-com:mac:vml" xmlns:p="http://schemas.openxmlformats.org/presentationml/2006/main" xmlns:c="http://schemas.openxmlformats.org/drawingml/2006/chart" xmlns:dgm="http://schemas.openxmlformats.org/drawingml/2006/diagram" xmlns:o="urn:schemas-microsoft-com:office:office" xmlns:v="urn:schemas-microsoft-com:vml" xmlns:pvml="urn:schemas-microsoft-com:office:powerpoint" xmlns:com="http://schemas.openxmlformats.org/drawingml/2006/compatibility" xmlns:p14="http://schemas.microsoft.com/office/powerpoint/2010/main" xmlns:p15="http://schemas.microsoft.com/office/powerpoint/2012/main">
-  <p:cSld>
-    <p:spTree>
-      <p:nvGrpSpPr>
-        <p:cNvPr id="207" name="Shape 207"/>
-        <p:cNvGrpSpPr/>
-        <p:nvPr/>
-      </p:nvGrpSpPr>
-      <p:grpSpPr>
-        <a:xfrm>
-          <a:off x="0" y="0"/>
-          <a:ext cx="0" cy="0"/>
-          <a:chOff x="0" y="0"/>
-          <a:chExt cx="0" cy="0"/>
-        </a:xfrm>
-      </p:grpSpPr>
-      <p:sp>
-        <p:nvSpPr>
-          <p:cNvPr id="208" name="Shape 208"/>
+      <p:sp>
+        <p:nvSpPr>
+          <p:cNvPr id="194" name="Shape 194"/>
           <p:cNvSpPr txBox="1"/>
           <p:nvPr>
-            <p:ph type="title"/>
+            <p:ph idx="1" type="subTitle"/>
           </p:nvPr>
         </p:nvSpPr>
         <p:spPr>
           <a:xfrm>
-            <a:off x="1297500" y="1658325"/>
-            <a:ext cx="3036300" cy="1751700"/>
+            <a:off x="1297500" y="3538000"/>
+            <a:ext cx="3036300" cy="506100"/>
           </a:xfrm>
           <a:prstGeom prst="rect">
             <a:avLst/>
@@ -16711,42 +17791,6 @@
             </a:pPr>
             <a:r>
               <a:rPr lang="en"/>
-              <a:t>Solution</a:t>
-            </a:r>
-          </a:p>
-        </p:txBody>
-      </p:sp>
-      <p:sp>
-        <p:nvSpPr>
-          <p:cNvPr id="209" name="Shape 209"/>
-          <p:cNvSpPr txBox="1"/>
-          <p:nvPr>
-            <p:ph idx="1" type="subTitle"/>
-          </p:nvPr>
-        </p:nvSpPr>
-        <p:spPr>
-          <a:xfrm>
-            <a:off x="1297500" y="3538000"/>
-            <a:ext cx="3036300" cy="506100"/>
-          </a:xfrm>
-          <a:prstGeom prst="rect">
-            <a:avLst/>
-          </a:prstGeom>
-        </p:spPr>
-        <p:txBody>
-          <a:bodyPr anchorCtr="0" anchor="t" bIns="91425" lIns="91425" rIns="91425" tIns="91425">
-            <a:noAutofit/>
-          </a:bodyPr>
-          <a:lstStyle/>
-          <a:p>
-            <a:pPr lvl="0">
-              <a:spcBef>
-                <a:spcPts val="0"/>
-              </a:spcBef>
-              <a:buNone/>
-            </a:pPr>
-            <a:r>
-              <a:rPr lang="en"/>
               <a:t>Speed: task queues</a:t>
             </a:r>
           </a:p>
@@ -16754,7 +17798,7 @@
       </p:sp>
       <p:grpSp>
         <p:nvGrpSpPr>
-          <p:cNvPr id="210" name="Shape 210"/>
+          <p:cNvPr id="195" name="Shape 195"/>
           <p:cNvGrpSpPr/>
           <p:nvPr/>
         </p:nvGrpSpPr>
@@ -16768,7 +17812,7 @@
         </p:grpSpPr>
         <p:sp>
           <p:nvSpPr>
-            <p:cNvPr id="211" name="Shape 211"/>
+            <p:cNvPr id="196" name="Shape 196"/>
             <p:cNvSpPr/>
             <p:nvPr/>
           </p:nvSpPr>
@@ -16828,7 +17872,7 @@
         </p:sp>
         <p:sp>
           <p:nvSpPr>
-            <p:cNvPr id="212" name="Shape 212"/>
+            <p:cNvPr id="197" name="Shape 197"/>
             <p:cNvSpPr txBox="1"/>
             <p:nvPr/>
           </p:nvSpPr>
@@ -16888,7 +17932,7 @@
       </p:grpSp>
       <p:sp>
         <p:nvSpPr>
-          <p:cNvPr id="213" name="Shape 213"/>
+          <p:cNvPr id="198" name="Shape 198"/>
           <p:cNvSpPr/>
           <p:nvPr/>
         </p:nvSpPr>
@@ -16979,7 +18023,7 @@
       </p:sp>
       <p:sp>
         <p:nvSpPr>
-          <p:cNvPr id="214" name="Shape 214"/>
+          <p:cNvPr id="199" name="Shape 199"/>
           <p:cNvSpPr/>
           <p:nvPr/>
         </p:nvSpPr>
@@ -17039,7 +18083,7 @@
       </p:sp>
       <p:sp>
         <p:nvSpPr>
-          <p:cNvPr id="215" name="Shape 215"/>
+          <p:cNvPr id="200" name="Shape 200"/>
           <p:cNvSpPr txBox="1"/>
           <p:nvPr/>
         </p:nvSpPr>
@@ -17096,7 +18140,7 @@
       </p:sp>
       <p:sp>
         <p:nvSpPr>
-          <p:cNvPr id="216" name="Shape 216"/>
+          <p:cNvPr id="201" name="Shape 201"/>
           <p:cNvSpPr/>
           <p:nvPr/>
         </p:nvSpPr>
@@ -17195,9 +18239,9 @@
       </p:sp>
       <p:cxnSp>
         <p:nvCxnSpPr>
-          <p:cNvPr id="217" name="Shape 217"/>
+          <p:cNvPr id="202" name="Shape 202"/>
           <p:cNvCxnSpPr>
-            <a:endCxn id="214" idx="0"/>
+            <a:endCxn id="199" idx="0"/>
           </p:cNvCxnSpPr>
           <p:nvPr/>
         </p:nvCxnSpPr>
@@ -17223,7 +18267,7 @@
       </p:cxnSp>
       <p:sp>
         <p:nvSpPr>
-          <p:cNvPr id="218" name="Shape 218"/>
+          <p:cNvPr id="203" name="Shape 203"/>
           <p:cNvSpPr/>
           <p:nvPr/>
         </p:nvSpPr>
@@ -17283,7 +18327,7 @@
       </p:sp>
       <p:sp>
         <p:nvSpPr>
-          <p:cNvPr id="219" name="Shape 219"/>
+          <p:cNvPr id="204" name="Shape 204"/>
           <p:cNvSpPr txBox="1"/>
           <p:nvPr/>
         </p:nvSpPr>
@@ -17340,7 +18384,7 @@
       </p:sp>
       <p:sp>
         <p:nvSpPr>
-          <p:cNvPr id="220" name="Shape 220"/>
+          <p:cNvPr id="205" name="Shape 205"/>
           <p:cNvSpPr/>
           <p:nvPr/>
         </p:nvSpPr>
@@ -17407,7 +18451,7 @@
       </p:sp>
       <p:sp>
         <p:nvSpPr>
-          <p:cNvPr id="221" name="Shape 221"/>
+          <p:cNvPr id="206" name="Shape 206"/>
           <p:cNvSpPr/>
           <p:nvPr/>
         </p:nvSpPr>
@@ -17467,7 +18511,7 @@
       </p:sp>
       <p:sp>
         <p:nvSpPr>
-          <p:cNvPr id="222" name="Shape 222"/>
+          <p:cNvPr id="207" name="Shape 207"/>
           <p:cNvSpPr txBox="1"/>
           <p:nvPr/>
         </p:nvSpPr>
@@ -17524,7 +18568,7 @@
       </p:sp>
       <p:sp>
         <p:nvSpPr>
-          <p:cNvPr id="223" name="Shape 223"/>
+          <p:cNvPr id="208" name="Shape 208"/>
           <p:cNvSpPr/>
           <p:nvPr/>
         </p:nvSpPr>
@@ -17623,7 +18667,7 @@
       </p:sp>
       <p:sp>
         <p:nvSpPr>
-          <p:cNvPr id="224" name="Shape 224"/>
+          <p:cNvPr id="209" name="Shape 209"/>
           <p:cNvSpPr/>
           <p:nvPr/>
         </p:nvSpPr>
@@ -17690,7 +18734,7 @@
       </p:sp>
       <p:sp>
         <p:nvSpPr>
-          <p:cNvPr id="225" name="Shape 225"/>
+          <p:cNvPr id="210" name="Shape 210"/>
           <p:cNvSpPr/>
           <p:nvPr/>
         </p:nvSpPr>
@@ -17789,7 +18833,7 @@
       </p:sp>
       <p:sp>
         <p:nvSpPr>
-          <p:cNvPr id="226" name="Shape 226"/>
+          <p:cNvPr id="211" name="Shape 211"/>
           <p:cNvSpPr/>
           <p:nvPr/>
         </p:nvSpPr>
@@ -17849,7 +18893,7 @@
       </p:sp>
       <p:sp>
         <p:nvSpPr>
-          <p:cNvPr id="227" name="Shape 227"/>
+          <p:cNvPr id="212" name="Shape 212"/>
           <p:cNvSpPr txBox="1"/>
           <p:nvPr/>
         </p:nvSpPr>
@@ -17906,7 +18950,7 @@
       </p:sp>
       <p:sp>
         <p:nvSpPr>
-          <p:cNvPr id="228" name="Shape 228"/>
+          <p:cNvPr id="213" name="Shape 213"/>
           <p:cNvSpPr/>
           <p:nvPr/>
         </p:nvSpPr>
@@ -18005,10 +19049,10 @@
       </p:sp>
       <p:cxnSp>
         <p:nvCxnSpPr>
-          <p:cNvPr id="229" name="Shape 229"/>
+          <p:cNvPr id="214" name="Shape 214"/>
           <p:cNvCxnSpPr>
-            <a:stCxn id="211" idx="2"/>
-            <a:endCxn id="218" idx="0"/>
+            <a:stCxn id="196" idx="2"/>
+            <a:endCxn id="203" idx="0"/>
           </p:cNvCxnSpPr>
           <p:nvPr/>
         </p:nvCxnSpPr>
@@ -18036,7 +19080,7 @@
       </p:cxnSp>
       <p:sp>
         <p:nvSpPr>
-          <p:cNvPr id="230" name="Shape 230"/>
+          <p:cNvPr id="215" name="Shape 215"/>
           <p:cNvSpPr/>
           <p:nvPr/>
         </p:nvSpPr>
@@ -18103,7 +19147,7 @@
       </p:sp>
       <p:sp>
         <p:nvSpPr>
-          <p:cNvPr id="231" name="Shape 231"/>
+          <p:cNvPr id="216" name="Shape 216"/>
           <p:cNvSpPr/>
           <p:nvPr/>
         </p:nvSpPr>
@@ -18202,10 +19246,10 @@
       </p:sp>
       <p:cxnSp>
         <p:nvCxnSpPr>
-          <p:cNvPr id="232" name="Shape 232"/>
+          <p:cNvPr id="217" name="Shape 217"/>
           <p:cNvCxnSpPr>
-            <a:stCxn id="231" idx="3"/>
-            <a:endCxn id="211" idx="0"/>
+            <a:stCxn id="216" idx="3"/>
+            <a:endCxn id="196" idx="0"/>
           </p:cNvCxnSpPr>
           <p:nvPr/>
         </p:nvCxnSpPr>
@@ -18231,10 +19275,10 @@
       </p:cxnSp>
       <p:cxnSp>
         <p:nvCxnSpPr>
-          <p:cNvPr id="233" name="Shape 233"/>
+          <p:cNvPr id="218" name="Shape 218"/>
           <p:cNvCxnSpPr>
-            <a:stCxn id="214" idx="2"/>
-            <a:endCxn id="221" idx="0"/>
+            <a:stCxn id="199" idx="2"/>
+            <a:endCxn id="206" idx="0"/>
           </p:cNvCxnSpPr>
           <p:nvPr/>
         </p:nvCxnSpPr>
@@ -18262,10 +19306,10 @@
       </p:cxnSp>
       <p:cxnSp>
         <p:nvCxnSpPr>
-          <p:cNvPr id="234" name="Shape 234"/>
+          <p:cNvPr id="219" name="Shape 219"/>
           <p:cNvCxnSpPr>
-            <a:stCxn id="214" idx="2"/>
-            <a:endCxn id="227" idx="0"/>
+            <a:stCxn id="199" idx="2"/>
+            <a:endCxn id="212" idx="0"/>
           </p:cNvCxnSpPr>
           <p:nvPr/>
         </p:nvCxnSpPr>
@@ -18293,10 +19337,10 @@
       </p:cxnSp>
       <p:cxnSp>
         <p:nvCxnSpPr>
-          <p:cNvPr id="235" name="Shape 235"/>
+          <p:cNvPr id="220" name="Shape 220"/>
           <p:cNvCxnSpPr>
-            <a:stCxn id="214" idx="2"/>
-            <a:endCxn id="218" idx="0"/>
+            <a:stCxn id="199" idx="2"/>
+            <a:endCxn id="203" idx="0"/>
           </p:cNvCxnSpPr>
           <p:nvPr/>
         </p:nvCxnSpPr>
@@ -18322,9 +19366,9 @@
       </p:cxnSp>
       <p:cxnSp>
         <p:nvCxnSpPr>
-          <p:cNvPr id="236" name="Shape 236"/>
+          <p:cNvPr id="221" name="Shape 221"/>
           <p:cNvCxnSpPr>
-            <a:endCxn id="226" idx="0"/>
+            <a:endCxn id="211" idx="0"/>
           </p:cNvCxnSpPr>
           <p:nvPr/>
         </p:nvCxnSpPr>
@@ -18350,7 +19394,7 @@
       </p:cxnSp>
       <p:pic>
         <p:nvPicPr>
-          <p:cNvPr id="237" name="Shape 237"/>
+          <p:cNvPr id="222" name="Shape 222"/>
           <p:cNvPicPr preferRelativeResize="0"/>
           <p:nvPr/>
         </p:nvPicPr>
@@ -18377,7 +19421,7 @@
       </p:pic>
       <p:pic>
         <p:nvPicPr>
-          <p:cNvPr id="238" name="Shape 238"/>
+          <p:cNvPr id="223" name="Shape 223"/>
           <p:cNvPicPr preferRelativeResize="0"/>
           <p:nvPr/>
         </p:nvPicPr>
@@ -18404,7 +19448,7 @@
       </p:pic>
       <p:pic>
         <p:nvPicPr>
-          <p:cNvPr id="239" name="Shape 239"/>
+          <p:cNvPr id="224" name="Shape 224"/>
           <p:cNvPicPr preferRelativeResize="0"/>
           <p:nvPr/>
         </p:nvPicPr>
@@ -18431,7 +19475,7 @@
       </p:pic>
       <p:pic>
         <p:nvPicPr>
-          <p:cNvPr id="240" name="Shape 240"/>
+          <p:cNvPr id="225" name="Shape 225"/>
           <p:cNvPicPr preferRelativeResize="0"/>
           <p:nvPr/>
         </p:nvPicPr>
@@ -18458,7 +19502,7 @@
       </p:pic>
       <p:pic>
         <p:nvPicPr>
-          <p:cNvPr id="241" name="Shape 241"/>
+          <p:cNvPr id="226" name="Shape 226"/>
           <p:cNvPicPr preferRelativeResize="0"/>
           <p:nvPr/>
         </p:nvPicPr>
@@ -18485,7 +19529,7 @@
       </p:pic>
       <p:pic>
         <p:nvPicPr>
-          <p:cNvPr id="242" name="Shape 242"/>
+          <p:cNvPr id="227" name="Shape 227"/>
           <p:cNvPicPr preferRelativeResize="0"/>
           <p:nvPr/>
         </p:nvPicPr>
@@ -18512,7 +19556,7 @@
       </p:pic>
       <p:pic>
         <p:nvPicPr>
-          <p:cNvPr descr="rq.png" id="243" name="Shape 243"/>
+          <p:cNvPr descr="rq.png" id="228" name="Shape 228"/>
           <p:cNvPicPr preferRelativeResize="0"/>
           <p:nvPr/>
         </p:nvPicPr>
@@ -18540,7 +19584,7 @@
       </p:pic>
       <p:sp>
         <p:nvSpPr>
-          <p:cNvPr id="244" name="Shape 244"/>
+          <p:cNvPr id="229" name="Shape 229"/>
           <p:cNvSpPr txBox="1"/>
           <p:nvPr>
             <p:ph idx="2" type="body"/>
@@ -18574,6 +19618,187 @@
           </a:p>
         </p:txBody>
       </p:sp>
+    </p:spTree>
+  </p:cSld>
+  <p:clrMapOvr>
+    <a:masterClrMapping/>
+  </p:clrMapOvr>
+</p:sld>
+</file>
+
+<file path=ppt/slides/slide9.xml><?xml version="1.0" encoding="utf-8"?>
+<p:sld xmlns:a="http://schemas.openxmlformats.org/drawingml/2006/main" xmlns:r="http://schemas.openxmlformats.org/officeDocument/2006/relationships" xmlns:mc="http://schemas.openxmlformats.org/markup-compatibility/2006" xmlns:mv="urn:schemas-microsoft-com:mac:vml" xmlns:p="http://schemas.openxmlformats.org/presentationml/2006/main" xmlns:c="http://schemas.openxmlformats.org/drawingml/2006/chart" xmlns:dgm="http://schemas.openxmlformats.org/drawingml/2006/diagram" xmlns:o="urn:schemas-microsoft-com:office:office" xmlns:v="urn:schemas-microsoft-com:vml" xmlns:pvml="urn:schemas-microsoft-com:office:powerpoint" xmlns:com="http://schemas.openxmlformats.org/drawingml/2006/compatibility" xmlns:p14="http://schemas.microsoft.com/office/powerpoint/2010/main" xmlns:p15="http://schemas.microsoft.com/office/powerpoint/2012/main">
+  <p:cSld>
+    <p:spTree>
+      <p:nvGrpSpPr>
+        <p:cNvPr id="233" name="Shape 233"/>
+        <p:cNvGrpSpPr/>
+        <p:nvPr/>
+      </p:nvGrpSpPr>
+      <p:grpSpPr>
+        <a:xfrm>
+          <a:off x="0" y="0"/>
+          <a:ext cx="0" cy="0"/>
+          <a:chOff x="0" y="0"/>
+          <a:chExt cx="0" cy="0"/>
+        </a:xfrm>
+      </p:grpSpPr>
+      <p:sp>
+        <p:nvSpPr>
+          <p:cNvPr id="234" name="Shape 234"/>
+          <p:cNvSpPr txBox="1"/>
+          <p:nvPr>
+            <p:ph type="title"/>
+          </p:nvPr>
+        </p:nvSpPr>
+        <p:spPr>
+          <a:xfrm>
+            <a:off x="1297500" y="1658325"/>
+            <a:ext cx="1579800" cy="1751700"/>
+          </a:xfrm>
+          <a:prstGeom prst="rect">
+            <a:avLst/>
+          </a:prstGeom>
+        </p:spPr>
+        <p:txBody>
+          <a:bodyPr anchorCtr="0" anchor="t" bIns="91425" lIns="91425" rIns="91425" tIns="91425">
+            <a:noAutofit/>
+          </a:bodyPr>
+          <a:lstStyle/>
+          <a:p>
+            <a:pPr lvl="0" rtl="0">
+              <a:spcBef>
+                <a:spcPts val="0"/>
+              </a:spcBef>
+              <a:buNone/>
+            </a:pPr>
+            <a:r>
+              <a:rPr lang="en"/>
+              <a:t>Solution</a:t>
+            </a:r>
+          </a:p>
+        </p:txBody>
+      </p:sp>
+      <p:sp>
+        <p:nvSpPr>
+          <p:cNvPr id="235" name="Shape 235"/>
+          <p:cNvSpPr txBox="1"/>
+          <p:nvPr>
+            <p:ph idx="1" type="subTitle"/>
+          </p:nvPr>
+        </p:nvSpPr>
+        <p:spPr>
+          <a:xfrm>
+            <a:off x="1297500" y="3538000"/>
+            <a:ext cx="1362300" cy="506100"/>
+          </a:xfrm>
+          <a:prstGeom prst="rect">
+            <a:avLst/>
+          </a:prstGeom>
+        </p:spPr>
+        <p:txBody>
+          <a:bodyPr anchorCtr="0" anchor="t" bIns="91425" lIns="91425" rIns="91425" tIns="91425">
+            <a:noAutofit/>
+          </a:bodyPr>
+          <a:lstStyle/>
+          <a:p>
+            <a:pPr lvl="0" rtl="0">
+              <a:spcBef>
+                <a:spcPts val="0"/>
+              </a:spcBef>
+              <a:buNone/>
+            </a:pPr>
+            <a:r>
+              <a:rPr lang="en"/>
+              <a:t>Speed: ReactJS</a:t>
+            </a:r>
+          </a:p>
+        </p:txBody>
+      </p:sp>
+      <p:pic>
+        <p:nvPicPr>
+          <p:cNvPr descr="rendering-superphy.png" id="236" name="Shape 236"/>
+          <p:cNvPicPr preferRelativeResize="0"/>
+          <p:nvPr/>
+        </p:nvPicPr>
+        <p:blipFill>
+          <a:blip r:embed="rId3">
+            <a:alphaModFix/>
+          </a:blip>
+          <a:stretch>
+            <a:fillRect/>
+          </a:stretch>
+        </p:blipFill>
+        <p:spPr>
+          <a:xfrm>
+            <a:off x="4188275" y="625900"/>
+            <a:ext cx="3623073" cy="1897351"/>
+          </a:xfrm>
+          <a:prstGeom prst="rect">
+            <a:avLst/>
+          </a:prstGeom>
+          <a:noFill/>
+          <a:ln>
+            <a:noFill/>
+          </a:ln>
+        </p:spPr>
+      </p:pic>
+      <p:pic>
+        <p:nvPicPr>
+          <p:cNvPr descr="rendering-spfy.png" id="237" name="Shape 237"/>
+          <p:cNvPicPr preferRelativeResize="0"/>
+          <p:nvPr/>
+        </p:nvPicPr>
+        <p:blipFill>
+          <a:blip r:embed="rId4">
+            <a:alphaModFix/>
+          </a:blip>
+          <a:stretch>
+            <a:fillRect/>
+          </a:stretch>
+        </p:blipFill>
+        <p:spPr>
+          <a:xfrm>
+            <a:off x="4188275" y="2622124"/>
+            <a:ext cx="3623073" cy="1895470"/>
+          </a:xfrm>
+          <a:prstGeom prst="rect">
+            <a:avLst/>
+          </a:prstGeom>
+          <a:noFill/>
+          <a:ln>
+            <a:noFill/>
+          </a:ln>
+        </p:spPr>
+      </p:pic>
+      <p:pic>
+        <p:nvPicPr>
+          <p:cNvPr descr="react-logo.png" id="238" name="Shape 238"/>
+          <p:cNvPicPr preferRelativeResize="0"/>
+          <p:nvPr/>
+        </p:nvPicPr>
+        <p:blipFill>
+          <a:blip r:embed="rId5">
+            <a:alphaModFix/>
+          </a:blip>
+          <a:stretch>
+            <a:fillRect/>
+          </a:stretch>
+        </p:blipFill>
+        <p:spPr>
+          <a:xfrm>
+            <a:off x="1297500" y="2123050"/>
+            <a:ext cx="1286975" cy="1286975"/>
+          </a:xfrm>
+          <a:prstGeom prst="rect">
+            <a:avLst/>
+          </a:prstGeom>
+          <a:noFill/>
+          <a:ln>
+            <a:noFill/>
+          </a:ln>
+        </p:spPr>
+      </p:pic>
     </p:spTree>
   </p:cSld>
   <p:clrMapOvr>
@@ -18583,6 +19808,285 @@
 </file>
 
 <file path=ppt/theme/theme1.xml><?xml version="1.0" encoding="utf-8"?>
+<a:theme xmlns:a="http://schemas.openxmlformats.org/drawingml/2006/main" xmlns:r="http://schemas.openxmlformats.org/officeDocument/2006/relationships" name="focus">
+  <a:themeElements>
+    <a:clrScheme name="Focus">
+      <a:dk1>
+        <a:srgbClr val="1B212C"/>
+      </a:dk1>
+      <a:lt1>
+        <a:srgbClr val="FFFFFF"/>
+      </a:lt1>
+      <a:dk2>
+        <a:srgbClr val="D9D9D9"/>
+      </a:dk2>
+      <a:lt2>
+        <a:srgbClr val="82C7A5"/>
+      </a:lt2>
+      <a:accent1>
+        <a:srgbClr val="0145AC"/>
+      </a:accent1>
+      <a:accent2>
+        <a:srgbClr val="EECE1A"/>
+      </a:accent2>
+      <a:accent3>
+        <a:srgbClr val="4E5567"/>
+      </a:accent3>
+      <a:accent4>
+        <a:srgbClr val="F4D6AD"/>
+      </a:accent4>
+      <a:accent5>
+        <a:srgbClr val="7890CD"/>
+      </a:accent5>
+      <a:accent6>
+        <a:srgbClr val="F15E22"/>
+      </a:accent6>
+      <a:hlink>
+        <a:srgbClr val="7890CD"/>
+      </a:hlink>
+      <a:folHlink>
+        <a:srgbClr val="7890CD"/>
+      </a:folHlink>
+    </a:clrScheme>
+    <a:fontScheme name="Office">
+      <a:majorFont>
+        <a:latin typeface="Arial"/>
+        <a:ea typeface=""/>
+        <a:cs typeface=""/>
+        <a:font script="Jpan" typeface="ＭＳ Ｐゴシック"/>
+        <a:font script="Hang" typeface="맑은 고딕"/>
+        <a:font script="Hans" typeface="宋体"/>
+        <a:font script="Hant" typeface="新細明體"/>
+        <a:font script="Arab" typeface="Times New Roman"/>
+        <a:font script="Hebr" typeface="Times New Roman"/>
+        <a:font script="Thai" typeface="Angsana New"/>
+        <a:font script="Ethi" typeface="Nyala"/>
+        <a:font script="Beng" typeface="Vrinda"/>
+        <a:font script="Gujr" typeface="Shruti"/>
+        <a:font script="Khmr" typeface="MoolBoran"/>
+        <a:font script="Knda" typeface="Tunga"/>
+        <a:font script="Guru" typeface="Raavi"/>
+        <a:font script="Cans" typeface="Euphemia"/>
+        <a:font script="Cher" typeface="Plantagenet Cherokee"/>
+        <a:font script="Yiii" typeface="Microsoft Yi Baiti"/>
+        <a:font script="Tibt" typeface="Microsoft Himalaya"/>
+        <a:font script="Thaa" typeface="MV Boli"/>
+        <a:font script="Deva" typeface="Mangal"/>
+        <a:font script="Telu" typeface="Gautami"/>
+        <a:font script="Taml" typeface="Latha"/>
+        <a:font script="Syrc" typeface="Estrangelo Edessa"/>
+        <a:font script="Orya" typeface="Kalinga"/>
+        <a:font script="Mlym" typeface="Kartika"/>
+        <a:font script="Laoo" typeface="DokChampa"/>
+        <a:font script="Sinh" typeface="Iskoola Pota"/>
+        <a:font script="Mong" typeface="Mongolian Baiti"/>
+        <a:font script="Viet" typeface="Times New Roman"/>
+        <a:font script="Uigh" typeface="Microsoft Uighur"/>
+        <a:font script="Geor" typeface="Sylfaen"/>
+      </a:majorFont>
+      <a:minorFont>
+        <a:latin typeface="Arial"/>
+        <a:ea typeface=""/>
+        <a:cs typeface=""/>
+        <a:font script="Jpan" typeface="ＭＳ Ｐゴシック"/>
+        <a:font script="Hang" typeface="맑은 고딕"/>
+        <a:font script="Hans" typeface="宋体"/>
+        <a:font script="Hant" typeface="新細明體"/>
+        <a:font script="Arab" typeface="Arial"/>
+        <a:font script="Hebr" typeface="Arial"/>
+        <a:font script="Thai" typeface="Cordia New"/>
+        <a:font script="Ethi" typeface="Nyala"/>
+        <a:font script="Beng" typeface="Vrinda"/>
+        <a:font script="Gujr" typeface="Shruti"/>
+        <a:font script="Khmr" typeface="DaunPenh"/>
+        <a:font script="Knda" typeface="Tunga"/>
+        <a:font script="Guru" typeface="Raavi"/>
+        <a:font script="Cans" typeface="Euphemia"/>
+        <a:font script="Cher" typeface="Plantagenet Cherokee"/>
+        <a:font script="Yiii" typeface="Microsoft Yi Baiti"/>
+        <a:font script="Tibt" typeface="Microsoft Himalaya"/>
+        <a:font script="Thaa" typeface="MV Boli"/>
+        <a:font script="Deva" typeface="Mangal"/>
+        <a:font script="Telu" typeface="Gautami"/>
+        <a:font script="Taml" typeface="Latha"/>
+        <a:font script="Syrc" typeface="Estrangelo Edessa"/>
+        <a:font script="Orya" typeface="Kalinga"/>
+        <a:font script="Mlym" typeface="Kartika"/>
+        <a:font script="Laoo" typeface="DokChampa"/>
+        <a:font script="Sinh" typeface="Iskoola Pota"/>
+        <a:font script="Mong" typeface="Mongolian Baiti"/>
+        <a:font script="Viet" typeface="Arial"/>
+        <a:font script="Uigh" typeface="Microsoft Uighur"/>
+        <a:font script="Geor" typeface="Sylfaen"/>
+      </a:minorFont>
+    </a:fontScheme>
+    <a:fmtScheme name="Office">
+      <a:fillStyleLst>
+        <a:solidFill>
+          <a:schemeClr val="phClr"/>
+        </a:solidFill>
+        <a:gradFill rotWithShape="1">
+          <a:gsLst>
+            <a:gs pos="0">
+              <a:schemeClr val="phClr">
+                <a:tint val="50000"/>
+                <a:satMod val="300000"/>
+              </a:schemeClr>
+            </a:gs>
+            <a:gs pos="35000">
+              <a:schemeClr val="phClr">
+                <a:tint val="37000"/>
+                <a:satMod val="300000"/>
+              </a:schemeClr>
+            </a:gs>
+            <a:gs pos="100000">
+              <a:schemeClr val="phClr">
+                <a:tint val="15000"/>
+                <a:satMod val="350000"/>
+              </a:schemeClr>
+            </a:gs>
+          </a:gsLst>
+          <a:lin ang="16200000" scaled="1"/>
+        </a:gradFill>
+        <a:gradFill rotWithShape="1">
+          <a:gsLst>
+            <a:gs pos="0">
+              <a:schemeClr val="phClr">
+                <a:tint val="100000"/>
+                <a:shade val="100000"/>
+                <a:satMod val="130000"/>
+              </a:schemeClr>
+            </a:gs>
+            <a:gs pos="100000">
+              <a:schemeClr val="phClr">
+                <a:tint val="50000"/>
+                <a:shade val="100000"/>
+                <a:satMod val="350000"/>
+              </a:schemeClr>
+            </a:gs>
+          </a:gsLst>
+          <a:lin ang="16200000" scaled="0"/>
+        </a:gradFill>
+      </a:fillStyleLst>
+      <a:lnStyleLst>
+        <a:ln w="9525" cap="flat" cmpd="sng" algn="ctr">
+          <a:solidFill>
+            <a:schemeClr val="phClr">
+              <a:shade val="95000"/>
+              <a:satMod val="105000"/>
+            </a:schemeClr>
+          </a:solidFill>
+          <a:prstDash val="solid"/>
+        </a:ln>
+        <a:ln w="25400" cap="flat" cmpd="sng" algn="ctr">
+          <a:solidFill>
+            <a:schemeClr val="phClr"/>
+          </a:solidFill>
+          <a:prstDash val="solid"/>
+        </a:ln>
+        <a:ln w="38100" cap="flat" cmpd="sng" algn="ctr">
+          <a:solidFill>
+            <a:schemeClr val="phClr"/>
+          </a:solidFill>
+          <a:prstDash val="solid"/>
+        </a:ln>
+      </a:lnStyleLst>
+      <a:effectStyleLst>
+        <a:effectStyle>
+          <a:effectLst>
+            <a:outerShdw blurRad="40000" dist="20000" dir="5400000" rotWithShape="0">
+              <a:srgbClr val="000000">
+                <a:alpha val="38000"/>
+              </a:srgbClr>
+            </a:outerShdw>
+          </a:effectLst>
+        </a:effectStyle>
+        <a:effectStyle>
+          <a:effectLst>
+            <a:outerShdw blurRad="40000" dist="23000" dir="5400000" rotWithShape="0">
+              <a:srgbClr val="000000">
+                <a:alpha val="35000"/>
+              </a:srgbClr>
+            </a:outerShdw>
+          </a:effectLst>
+        </a:effectStyle>
+        <a:effectStyle>
+          <a:effectLst>
+            <a:outerShdw blurRad="40000" dist="23000" dir="5400000" rotWithShape="0">
+              <a:srgbClr val="000000">
+                <a:alpha val="35000"/>
+              </a:srgbClr>
+            </a:outerShdw>
+          </a:effectLst>
+          <a:scene3d>
+            <a:camera prst="orthographicFront">
+              <a:rot lat="0" lon="0" rev="0"/>
+            </a:camera>
+            <a:lightRig rig="threePt" dir="t">
+              <a:rot lat="0" lon="0" rev="1200000"/>
+            </a:lightRig>
+          </a:scene3d>
+          <a:sp3d>
+            <a:bevelT w="63500" h="25400"/>
+          </a:sp3d>
+        </a:effectStyle>
+      </a:effectStyleLst>
+      <a:bgFillStyleLst>
+        <a:solidFill>
+          <a:schemeClr val="phClr"/>
+        </a:solidFill>
+        <a:gradFill rotWithShape="1">
+          <a:gsLst>
+            <a:gs pos="0">
+              <a:schemeClr val="phClr">
+                <a:tint val="40000"/>
+                <a:satMod val="350000"/>
+              </a:schemeClr>
+            </a:gs>
+            <a:gs pos="40000">
+              <a:schemeClr val="phClr">
+                <a:tint val="45000"/>
+                <a:shade val="99000"/>
+                <a:satMod val="350000"/>
+              </a:schemeClr>
+            </a:gs>
+            <a:gs pos="100000">
+              <a:schemeClr val="phClr">
+                <a:shade val="20000"/>
+                <a:satMod val="255000"/>
+              </a:schemeClr>
+            </a:gs>
+          </a:gsLst>
+          <a:path path="circle">
+            <a:fillToRect l="50000" t="-80000" r="50000" b="180000"/>
+          </a:path>
+        </a:gradFill>
+        <a:gradFill rotWithShape="1">
+          <a:gsLst>
+            <a:gs pos="0">
+              <a:schemeClr val="phClr">
+                <a:tint val="80000"/>
+                <a:satMod val="300000"/>
+              </a:schemeClr>
+            </a:gs>
+            <a:gs pos="100000">
+              <a:schemeClr val="phClr">
+                <a:shade val="30000"/>
+                <a:satMod val="200000"/>
+              </a:schemeClr>
+            </a:gs>
+          </a:gsLst>
+          <a:path path="circle">
+            <a:fillToRect l="50000" t="50000" r="50000" b="50000"/>
+          </a:path>
+        </a:gradFill>
+      </a:bgFillStyleLst>
+    </a:fmtScheme>
+  </a:themeElements>
+</a:theme>
+</file>
+
+<file path=ppt/theme/theme2.xml><?xml version="1.0" encoding="utf-8"?>
 <a:theme xmlns:a="http://schemas.openxmlformats.org/drawingml/2006/main" xmlns:r="http://schemas.openxmlformats.org/officeDocument/2006/relationships" name="Custom Theme">
   <a:themeElements>
     <a:clrScheme name="Default">
@@ -18859,283 +20363,4 @@
     </a:fmtScheme>
   </a:themeElements>
 </a:theme>
-</file>
-
-<file path=ppt/theme/theme2.xml><?xml version="1.0" encoding="utf-8"?>
-<a:theme xmlns:a="http://schemas.openxmlformats.org/drawingml/2006/main" xmlns:r="http://schemas.openxmlformats.org/officeDocument/2006/relationships" name="focus">
-  <a:themeElements>
-    <a:clrScheme name="Focus">
-      <a:dk1>
-        <a:srgbClr val="1B212C"/>
-      </a:dk1>
-      <a:lt1>
-        <a:srgbClr val="FFFFFF"/>
-      </a:lt1>
-      <a:dk2>
-        <a:srgbClr val="D9D9D9"/>
-      </a:dk2>
-      <a:lt2>
-        <a:srgbClr val="82C7A5"/>
-      </a:lt2>
-      <a:accent1>
-        <a:srgbClr val="0145AC"/>
-      </a:accent1>
-      <a:accent2>
-        <a:srgbClr val="EECE1A"/>
-      </a:accent2>
-      <a:accent3>
-        <a:srgbClr val="4E5567"/>
-      </a:accent3>
-      <a:accent4>
-        <a:srgbClr val="F4D6AD"/>
-      </a:accent4>
-      <a:accent5>
-        <a:srgbClr val="7890CD"/>
-      </a:accent5>
-      <a:accent6>
-        <a:srgbClr val="F15E22"/>
-      </a:accent6>
-      <a:hlink>
-        <a:srgbClr val="7890CD"/>
-      </a:hlink>
-      <a:folHlink>
-        <a:srgbClr val="7890CD"/>
-      </a:folHlink>
-    </a:clrScheme>
-    <a:fontScheme name="Office">
-      <a:majorFont>
-        <a:latin typeface="Arial"/>
-        <a:ea typeface=""/>
-        <a:cs typeface=""/>
-        <a:font script="Jpan" typeface="ＭＳ Ｐゴシック"/>
-        <a:font script="Hang" typeface="맑은 고딕"/>
-        <a:font script="Hans" typeface="宋体"/>
-        <a:font script="Hant" typeface="新細明體"/>
-        <a:font script="Arab" typeface="Times New Roman"/>
-        <a:font script="Hebr" typeface="Times New Roman"/>
-        <a:font script="Thai" typeface="Angsana New"/>
-        <a:font script="Ethi" typeface="Nyala"/>
-        <a:font script="Beng" typeface="Vrinda"/>
-        <a:font script="Gujr" typeface="Shruti"/>
-        <a:font script="Khmr" typeface="MoolBoran"/>
-        <a:font script="Knda" typeface="Tunga"/>
-        <a:font script="Guru" typeface="Raavi"/>
-        <a:font script="Cans" typeface="Euphemia"/>
-        <a:font script="Cher" typeface="Plantagenet Cherokee"/>
-        <a:font script="Yiii" typeface="Microsoft Yi Baiti"/>
-        <a:font script="Tibt" typeface="Microsoft Himalaya"/>
-        <a:font script="Thaa" typeface="MV Boli"/>
-        <a:font script="Deva" typeface="Mangal"/>
-        <a:font script="Telu" typeface="Gautami"/>
-        <a:font script="Taml" typeface="Latha"/>
-        <a:font script="Syrc" typeface="Estrangelo Edessa"/>
-        <a:font script="Orya" typeface="Kalinga"/>
-        <a:font script="Mlym" typeface="Kartika"/>
-        <a:font script="Laoo" typeface="DokChampa"/>
-        <a:font script="Sinh" typeface="Iskoola Pota"/>
-        <a:font script="Mong" typeface="Mongolian Baiti"/>
-        <a:font script="Viet" typeface="Times New Roman"/>
-        <a:font script="Uigh" typeface="Microsoft Uighur"/>
-        <a:font script="Geor" typeface="Sylfaen"/>
-      </a:majorFont>
-      <a:minorFont>
-        <a:latin typeface="Arial"/>
-        <a:ea typeface=""/>
-        <a:cs typeface=""/>
-        <a:font script="Jpan" typeface="ＭＳ Ｐゴシック"/>
-        <a:font script="Hang" typeface="맑은 고딕"/>
-        <a:font script="Hans" typeface="宋体"/>
-        <a:font script="Hant" typeface="新細明體"/>
-        <a:font script="Arab" typeface="Arial"/>
-        <a:font script="Hebr" typeface="Arial"/>
-        <a:font script="Thai" typeface="Cordia New"/>
-        <a:font script="Ethi" typeface="Nyala"/>
-        <a:font script="Beng" typeface="Vrinda"/>
-        <a:font script="Gujr" typeface="Shruti"/>
-        <a:font script="Khmr" typeface="DaunPenh"/>
-        <a:font script="Knda" typeface="Tunga"/>
-        <a:font script="Guru" typeface="Raavi"/>
-        <a:font script="Cans" typeface="Euphemia"/>
-        <a:font script="Cher" typeface="Plantagenet Cherokee"/>
-        <a:font script="Yiii" typeface="Microsoft Yi Baiti"/>
-        <a:font script="Tibt" typeface="Microsoft Himalaya"/>
-        <a:font script="Thaa" typeface="MV Boli"/>
-        <a:font script="Deva" typeface="Mangal"/>
-        <a:font script="Telu" typeface="Gautami"/>
-        <a:font script="Taml" typeface="Latha"/>
-        <a:font script="Syrc" typeface="Estrangelo Edessa"/>
-        <a:font script="Orya" typeface="Kalinga"/>
-        <a:font script="Mlym" typeface="Kartika"/>
-        <a:font script="Laoo" typeface="DokChampa"/>
-        <a:font script="Sinh" typeface="Iskoola Pota"/>
-        <a:font script="Mong" typeface="Mongolian Baiti"/>
-        <a:font script="Viet" typeface="Arial"/>
-        <a:font script="Uigh" typeface="Microsoft Uighur"/>
-        <a:font script="Geor" typeface="Sylfaen"/>
-      </a:minorFont>
-    </a:fontScheme>
-    <a:fmtScheme name="Office">
-      <a:fillStyleLst>
-        <a:solidFill>
-          <a:schemeClr val="phClr"/>
-        </a:solidFill>
-        <a:gradFill rotWithShape="1">
-          <a:gsLst>
-            <a:gs pos="0">
-              <a:schemeClr val="phClr">
-                <a:tint val="50000"/>
-                <a:satMod val="300000"/>
-              </a:schemeClr>
-            </a:gs>
-            <a:gs pos="35000">
-              <a:schemeClr val="phClr">
-                <a:tint val="37000"/>
-                <a:satMod val="300000"/>
-              </a:schemeClr>
-            </a:gs>
-            <a:gs pos="100000">
-              <a:schemeClr val="phClr">
-                <a:tint val="15000"/>
-                <a:satMod val="350000"/>
-              </a:schemeClr>
-            </a:gs>
-          </a:gsLst>
-          <a:lin ang="16200000" scaled="1"/>
-        </a:gradFill>
-        <a:gradFill rotWithShape="1">
-          <a:gsLst>
-            <a:gs pos="0">
-              <a:schemeClr val="phClr">
-                <a:tint val="100000"/>
-                <a:shade val="100000"/>
-                <a:satMod val="130000"/>
-              </a:schemeClr>
-            </a:gs>
-            <a:gs pos="100000">
-              <a:schemeClr val="phClr">
-                <a:tint val="50000"/>
-                <a:shade val="100000"/>
-                <a:satMod val="350000"/>
-              </a:schemeClr>
-            </a:gs>
-          </a:gsLst>
-          <a:lin ang="16200000" scaled="0"/>
-        </a:gradFill>
-      </a:fillStyleLst>
-      <a:lnStyleLst>
-        <a:ln w="9525" cap="flat" cmpd="sng" algn="ctr">
-          <a:solidFill>
-            <a:schemeClr val="phClr">
-              <a:shade val="95000"/>
-              <a:satMod val="105000"/>
-            </a:schemeClr>
-          </a:solidFill>
-          <a:prstDash val="solid"/>
-        </a:ln>
-        <a:ln w="25400" cap="flat" cmpd="sng" algn="ctr">
-          <a:solidFill>
-            <a:schemeClr val="phClr"/>
-          </a:solidFill>
-          <a:prstDash val="solid"/>
-        </a:ln>
-        <a:ln w="38100" cap="flat" cmpd="sng" algn="ctr">
-          <a:solidFill>
-            <a:schemeClr val="phClr"/>
-          </a:solidFill>
-          <a:prstDash val="solid"/>
-        </a:ln>
-      </a:lnStyleLst>
-      <a:effectStyleLst>
-        <a:effectStyle>
-          <a:effectLst>
-            <a:outerShdw blurRad="40000" dist="20000" dir="5400000" rotWithShape="0">
-              <a:srgbClr val="000000">
-                <a:alpha val="38000"/>
-              </a:srgbClr>
-            </a:outerShdw>
-          </a:effectLst>
-        </a:effectStyle>
-        <a:effectStyle>
-          <a:effectLst>
-            <a:outerShdw blurRad="40000" dist="23000" dir="5400000" rotWithShape="0">
-              <a:srgbClr val="000000">
-                <a:alpha val="35000"/>
-              </a:srgbClr>
-            </a:outerShdw>
-          </a:effectLst>
-        </a:effectStyle>
-        <a:effectStyle>
-          <a:effectLst>
-            <a:outerShdw blurRad="40000" dist="23000" dir="5400000" rotWithShape="0">
-              <a:srgbClr val="000000">
-                <a:alpha val="35000"/>
-              </a:srgbClr>
-            </a:outerShdw>
-          </a:effectLst>
-          <a:scene3d>
-            <a:camera prst="orthographicFront">
-              <a:rot lat="0" lon="0" rev="0"/>
-            </a:camera>
-            <a:lightRig rig="threePt" dir="t">
-              <a:rot lat="0" lon="0" rev="1200000"/>
-            </a:lightRig>
-          </a:scene3d>
-          <a:sp3d>
-            <a:bevelT w="63500" h="25400"/>
-          </a:sp3d>
-        </a:effectStyle>
-      </a:effectStyleLst>
-      <a:bgFillStyleLst>
-        <a:solidFill>
-          <a:schemeClr val="phClr"/>
-        </a:solidFill>
-        <a:gradFill rotWithShape="1">
-          <a:gsLst>
-            <a:gs pos="0">
-              <a:schemeClr val="phClr">
-                <a:tint val="40000"/>
-                <a:satMod val="350000"/>
-              </a:schemeClr>
-            </a:gs>
-            <a:gs pos="40000">
-              <a:schemeClr val="phClr">
-                <a:tint val="45000"/>
-                <a:shade val="99000"/>
-                <a:satMod val="350000"/>
-              </a:schemeClr>
-            </a:gs>
-            <a:gs pos="100000">
-              <a:schemeClr val="phClr">
-                <a:shade val="20000"/>
-                <a:satMod val="255000"/>
-              </a:schemeClr>
-            </a:gs>
-          </a:gsLst>
-          <a:path path="circle">
-            <a:fillToRect l="50000" t="-80000" r="50000" b="180000"/>
-          </a:path>
-        </a:gradFill>
-        <a:gradFill rotWithShape="1">
-          <a:gsLst>
-            <a:gs pos="0">
-              <a:schemeClr val="phClr">
-                <a:tint val="80000"/>
-                <a:satMod val="300000"/>
-              </a:schemeClr>
-            </a:gs>
-            <a:gs pos="100000">
-              <a:schemeClr val="phClr">
-                <a:shade val="30000"/>
-                <a:satMod val="200000"/>
-              </a:schemeClr>
-            </a:gs>
-          </a:gsLst>
-          <a:path path="circle">
-            <a:fillToRect l="50000" t="50000" r="50000" b="50000"/>
-          </a:path>
-        </a:gradFill>
-      </a:bgFillStyleLst>
-    </a:fmtScheme>
-  </a:themeElements>
-</a:theme>
 </file>